--- a/demos/LabOpeningDemo.pptx
+++ b/demos/LabOpeningDemo.pptx
@@ -5,16 +5,14 @@
     <p:sldMasterId id="2147483658" r:id="rId1"/>
   </p:sldMasterIdLst>
   <p:notesMasterIdLst>
-    <p:notesMasterId r:id="rId9"/>
+    <p:notesMasterId r:id="rId7"/>
   </p:notesMasterIdLst>
   <p:sldIdLst>
     <p:sldId id="256" r:id="rId2"/>
     <p:sldId id="283" r:id="rId3"/>
-    <p:sldId id="262" r:id="rId4"/>
-    <p:sldId id="278" r:id="rId5"/>
-    <p:sldId id="284" r:id="rId6"/>
-    <p:sldId id="285" r:id="rId7"/>
-    <p:sldId id="279" r:id="rId8"/>
+    <p:sldId id="278" r:id="rId4"/>
+    <p:sldId id="284" r:id="rId5"/>
+    <p:sldId id="285" r:id="rId6"/>
   </p:sldIdLst>
   <p:sldSz cx="9144000" cy="6858000" type="screen4x3"/>
   <p:notesSz cx="6858000" cy="9144000"/>
@@ -601,112 +599,6 @@
   <p:cSld>
     <p:spTree>
       <p:nvGrpSpPr>
-        <p:cNvPr id="1" name="Shape 97"/>
-        <p:cNvGrpSpPr/>
-        <p:nvPr/>
-      </p:nvGrpSpPr>
-      <p:grpSpPr>
-        <a:xfrm>
-          <a:off x="0" y="0"/>
-          <a:ext cx="0" cy="0"/>
-          <a:chOff x="0" y="0"/>
-          <a:chExt cx="0" cy="0"/>
-        </a:xfrm>
-      </p:grpSpPr>
-      <p:sp>
-        <p:nvSpPr>
-          <p:cNvPr id="98" name="Shape 98"/>
-          <p:cNvSpPr>
-            <a:spLocks noGrp="1" noRot="1" noChangeAspect="1"/>
-          </p:cNvSpPr>
-          <p:nvPr>
-            <p:ph type="sldImg" idx="2"/>
-          </p:nvPr>
-        </p:nvSpPr>
-        <p:spPr>
-          <a:xfrm>
-            <a:off x="1143000" y="685800"/>
-            <a:ext cx="4572000" cy="3429000"/>
-          </a:xfrm>
-          <a:custGeom>
-            <a:avLst/>
-            <a:gdLst/>
-            <a:ahLst/>
-            <a:cxnLst/>
-            <a:rect l="0" t="0" r="0" b="0"/>
-            <a:pathLst>
-              <a:path w="120000" h="120000" extrusionOk="0">
-                <a:moveTo>
-                  <a:pt x="0" y="0"/>
-                </a:moveTo>
-                <a:lnTo>
-                  <a:pt x="120000" y="0"/>
-                </a:lnTo>
-                <a:lnTo>
-                  <a:pt x="120000" y="120000"/>
-                </a:lnTo>
-                <a:lnTo>
-                  <a:pt x="0" y="120000"/>
-                </a:lnTo>
-                <a:close/>
-              </a:path>
-            </a:pathLst>
-          </a:custGeom>
-        </p:spPr>
-      </p:sp>
-      <p:sp>
-        <p:nvSpPr>
-          <p:cNvPr id="99" name="Shape 99"/>
-          <p:cNvSpPr txBox="1">
-            <a:spLocks noGrp="1"/>
-          </p:cNvSpPr>
-          <p:nvPr>
-            <p:ph type="body" idx="1"/>
-          </p:nvPr>
-        </p:nvSpPr>
-        <p:spPr>
-          <a:xfrm>
-            <a:off x="685800" y="4343400"/>
-            <a:ext cx="5486399" cy="4114800"/>
-          </a:xfrm>
-          <a:prstGeom prst="rect">
-            <a:avLst/>
-          </a:prstGeom>
-        </p:spPr>
-        <p:txBody>
-          <a:bodyPr lIns="91425" tIns="91425" rIns="91425" bIns="91425" anchor="t" anchorCtr="0">
-            <a:noAutofit/>
-          </a:bodyPr>
-          <a:lstStyle/>
-          <a:p>
-            <a:pPr lvl="0">
-              <a:spcBef>
-                <a:spcPts val="0"/>
-              </a:spcBef>
-              <a:buNone/>
-            </a:pPr>
-            <a:endParaRPr dirty="0"/>
-          </a:p>
-        </p:txBody>
-      </p:sp>
-    </p:spTree>
-    <p:extLst>
-      <p:ext uri="{BB962C8B-B14F-4D97-AF65-F5344CB8AC3E}">
-        <p14:creationId xmlns:p14="http://schemas.microsoft.com/office/powerpoint/2010/main" val="2388341183"/>
-      </p:ext>
-    </p:extLst>
-  </p:cSld>
-  <p:clrMapOvr>
-    <a:masterClrMapping/>
-  </p:clrMapOvr>
-</p:notes>
-</file>
-
-<file path=ppt/notesSlides/notesSlide3.xml><?xml version="1.0" encoding="utf-8"?>
-<p:notes xmlns:a="http://schemas.openxmlformats.org/drawingml/2006/main" xmlns:r="http://schemas.openxmlformats.org/officeDocument/2006/relationships" xmlns:p="http://schemas.openxmlformats.org/presentationml/2006/main" showMasterSp="0" showMasterPhAnim="0">
-  <p:cSld>
-    <p:spTree>
-      <p:nvGrpSpPr>
         <p:cNvPr id="1" name="Shape 277"/>
         <p:cNvGrpSpPr/>
         <p:nvPr/>
@@ -799,112 +691,6 @@
     <p:extLst>
       <p:ext uri="{BB962C8B-B14F-4D97-AF65-F5344CB8AC3E}">
         <p14:creationId xmlns:p14="http://schemas.microsoft.com/office/powerpoint/2010/main" val="1462551966"/>
-      </p:ext>
-    </p:extLst>
-  </p:cSld>
-  <p:clrMapOvr>
-    <a:masterClrMapping/>
-  </p:clrMapOvr>
-</p:notes>
-</file>
-
-<file path=ppt/notesSlides/notesSlide4.xml><?xml version="1.0" encoding="utf-8"?>
-<p:notes xmlns:a="http://schemas.openxmlformats.org/drawingml/2006/main" xmlns:r="http://schemas.openxmlformats.org/officeDocument/2006/relationships" xmlns:p="http://schemas.openxmlformats.org/presentationml/2006/main" showMasterSp="0" showMasterPhAnim="0">
-  <p:cSld>
-    <p:spTree>
-      <p:nvGrpSpPr>
-        <p:cNvPr id="1" name="Shape 284"/>
-        <p:cNvGrpSpPr/>
-        <p:nvPr/>
-      </p:nvGrpSpPr>
-      <p:grpSpPr>
-        <a:xfrm>
-          <a:off x="0" y="0"/>
-          <a:ext cx="0" cy="0"/>
-          <a:chOff x="0" y="0"/>
-          <a:chExt cx="0" cy="0"/>
-        </a:xfrm>
-      </p:grpSpPr>
-      <p:sp>
-        <p:nvSpPr>
-          <p:cNvPr id="285" name="Shape 285"/>
-          <p:cNvSpPr>
-            <a:spLocks noGrp="1" noRot="1" noChangeAspect="1"/>
-          </p:cNvSpPr>
-          <p:nvPr>
-            <p:ph type="sldImg" idx="2"/>
-          </p:nvPr>
-        </p:nvSpPr>
-        <p:spPr>
-          <a:xfrm>
-            <a:off x="1143000" y="685800"/>
-            <a:ext cx="4572000" cy="3429000"/>
-          </a:xfrm>
-          <a:custGeom>
-            <a:avLst/>
-            <a:gdLst/>
-            <a:ahLst/>
-            <a:cxnLst/>
-            <a:rect l="0" t="0" r="0" b="0"/>
-            <a:pathLst>
-              <a:path w="120000" h="120000" extrusionOk="0">
-                <a:moveTo>
-                  <a:pt x="0" y="0"/>
-                </a:moveTo>
-                <a:lnTo>
-                  <a:pt x="120000" y="0"/>
-                </a:lnTo>
-                <a:lnTo>
-                  <a:pt x="120000" y="120000"/>
-                </a:lnTo>
-                <a:lnTo>
-                  <a:pt x="0" y="120000"/>
-                </a:lnTo>
-                <a:close/>
-              </a:path>
-            </a:pathLst>
-          </a:custGeom>
-        </p:spPr>
-      </p:sp>
-      <p:sp>
-        <p:nvSpPr>
-          <p:cNvPr id="286" name="Shape 286"/>
-          <p:cNvSpPr txBox="1">
-            <a:spLocks noGrp="1"/>
-          </p:cNvSpPr>
-          <p:nvPr>
-            <p:ph type="body" idx="1"/>
-          </p:nvPr>
-        </p:nvSpPr>
-        <p:spPr>
-          <a:xfrm>
-            <a:off x="685800" y="4343400"/>
-            <a:ext cx="5486399" cy="4114800"/>
-          </a:xfrm>
-          <a:prstGeom prst="rect">
-            <a:avLst/>
-          </a:prstGeom>
-        </p:spPr>
-        <p:txBody>
-          <a:bodyPr lIns="91425" tIns="91425" rIns="91425" bIns="91425" anchor="t" anchorCtr="0">
-            <a:noAutofit/>
-          </a:bodyPr>
-          <a:lstStyle/>
-          <a:p>
-            <a:pPr lvl="0">
-              <a:spcBef>
-                <a:spcPts val="0"/>
-              </a:spcBef>
-              <a:buNone/>
-            </a:pPr>
-            <a:endParaRPr dirty="0"/>
-          </a:p>
-        </p:txBody>
-      </p:sp>
-    </p:spTree>
-    <p:extLst>
-      <p:ext uri="{BB962C8B-B14F-4D97-AF65-F5344CB8AC3E}">
-        <p14:creationId xmlns:p14="http://schemas.microsoft.com/office/powerpoint/2010/main" val="3789770836"/>
       </p:ext>
     </p:extLst>
   </p:cSld>
@@ -1741,108 +1527,6 @@
 </p:sldLayout>
 </file>
 
-<file path=ppt/slideLayouts/slideLayout4.xml><?xml version="1.0" encoding="utf-8"?>
-<p:sldLayout xmlns:a="http://schemas.openxmlformats.org/drawingml/2006/main" xmlns:r="http://schemas.openxmlformats.org/officeDocument/2006/relationships" xmlns:p="http://schemas.openxmlformats.org/presentationml/2006/main">
-  <p:cSld name="Blank key color">
-    <p:bg>
-      <p:bgPr>
-        <a:solidFill>
-          <a:srgbClr val="39C0BA"/>
-        </a:solidFill>
-        <a:effectLst/>
-      </p:bgPr>
-    </p:bg>
-    <p:spTree>
-      <p:nvGrpSpPr>
-        <p:cNvPr id="1" name="Shape 54"/>
-        <p:cNvGrpSpPr/>
-        <p:nvPr/>
-      </p:nvGrpSpPr>
-      <p:grpSpPr>
-        <a:xfrm>
-          <a:off x="0" y="0"/>
-          <a:ext cx="0" cy="0"/>
-          <a:chOff x="0" y="0"/>
-          <a:chExt cx="0" cy="0"/>
-        </a:xfrm>
-      </p:grpSpPr>
-      <p:cxnSp>
-        <p:nvCxnSpPr>
-          <p:cNvPr id="55" name="Shape 55"/>
-          <p:cNvCxnSpPr/>
-          <p:nvPr/>
-        </p:nvCxnSpPr>
-        <p:spPr>
-          <a:xfrm>
-            <a:off x="903825" y="-7925"/>
-            <a:ext cx="0" cy="6866100"/>
-          </a:xfrm>
-          <a:prstGeom prst="straightConnector1">
-            <a:avLst/>
-          </a:prstGeom>
-          <a:noFill/>
-          <a:ln w="9525" cap="flat" cmpd="sng">
-            <a:solidFill>
-              <a:srgbClr val="2E3037"/>
-            </a:solidFill>
-            <a:prstDash val="solid"/>
-            <a:round/>
-            <a:headEnd type="none" w="lg" len="lg"/>
-            <a:tailEnd type="none" w="lg" len="lg"/>
-          </a:ln>
-        </p:spPr>
-      </p:cxnSp>
-      <p:sp>
-        <p:nvSpPr>
-          <p:cNvPr id="56" name="Shape 56"/>
-          <p:cNvSpPr/>
-          <p:nvPr/>
-        </p:nvSpPr>
-        <p:spPr>
-          <a:xfrm>
-            <a:off x="808650" y="3333900"/>
-            <a:ext cx="190200" cy="190200"/>
-          </a:xfrm>
-          <a:prstGeom prst="ellipse">
-            <a:avLst/>
-          </a:prstGeom>
-          <a:solidFill>
-            <a:srgbClr val="39C0BA"/>
-          </a:solidFill>
-          <a:ln w="9525" cap="flat" cmpd="sng">
-            <a:solidFill>
-              <a:srgbClr val="2E3037"/>
-            </a:solidFill>
-            <a:prstDash val="solid"/>
-            <a:round/>
-            <a:headEnd type="none" w="med" len="med"/>
-            <a:tailEnd type="none" w="med" len="med"/>
-          </a:ln>
-        </p:spPr>
-        <p:txBody>
-          <a:bodyPr lIns="91425" tIns="91425" rIns="91425" bIns="91425" anchor="ctr" anchorCtr="0">
-            <a:noAutofit/>
-          </a:bodyPr>
-          <a:lstStyle/>
-          <a:p>
-            <a:pPr lvl="0">
-              <a:spcBef>
-                <a:spcPts val="0"/>
-              </a:spcBef>
-              <a:buNone/>
-            </a:pPr>
-            <a:endParaRPr dirty="0"/>
-          </a:p>
-        </p:txBody>
-      </p:sp>
-    </p:spTree>
-  </p:cSld>
-  <p:clrMapOvr>
-    <a:masterClrMapping/>
-  </p:clrMapOvr>
-</p:sldLayout>
-</file>
-
 <file path=ppt/slideMasters/slideMaster1.xml><?xml version="1.0" encoding="utf-8"?>
 <p:sldMaster xmlns:a="http://schemas.openxmlformats.org/drawingml/2006/main" xmlns:r="http://schemas.openxmlformats.org/officeDocument/2006/relationships" xmlns:p="http://schemas.openxmlformats.org/presentationml/2006/main">
   <p:cSld>
@@ -2292,7 +1976,6 @@
     <p:sldLayoutId id="2147483648" r:id="rId1"/>
     <p:sldLayoutId id="2147483651" r:id="rId2"/>
     <p:sldLayoutId id="2147483656" r:id="rId3"/>
-    <p:sldLayoutId id="2147483657" r:id="rId4"/>
   </p:sldLayoutIdLst>
   <p:hf sldNum="0" hdr="0" ftr="0" dt="0"/>
   <p:txStyles>
@@ -2776,9 +2459,7 @@
           <a:lstStyle/>
           <a:p>
             <a:r>
-              <a:rPr lang="en-ZA" sz="5500" dirty="0">
-                <a:latin typeface="Papyrus" panose="03070502060502030205" pitchFamily="66" charset="0"/>
-              </a:rPr>
+              <a:rPr lang="en-ZA" sz="5500" dirty="0"/>
               <a:t>Real-time geospatial Data processor and visualizer</a:t>
             </a:r>
           </a:p>
@@ -3219,6 +2900,14 @@
   <p:clrMapOvr>
     <a:masterClrMapping/>
   </p:clrMapOvr>
+  <mc:AlternateContent xmlns:mc="http://schemas.openxmlformats.org/markup-compatibility/2006">
+    <mc:Choice xmlns:p14="http://schemas.microsoft.com/office/powerpoint/2010/main" Requires="p14">
+      <p:transition spd="slow" p14:dur="2000" advTm="5774"/>
+    </mc:Choice>
+    <mc:Fallback>
+      <p:transition spd="slow" advTm="5774"/>
+    </mc:Fallback>
+  </mc:AlternateContent>
 </p:sld>
 </file>
 
@@ -3379,64 +3068,25 @@
             <a:endParaRPr lang="en-ZA" sz="2000" dirty="0"/>
           </a:p>
           <a:p>
-            <a:pPr marL="457200" lvl="0" indent="-457200">
+            <a:pPr lvl="0">
               <a:spcBef>
                 <a:spcPts val="0"/>
               </a:spcBef>
-              <a:buFont typeface="Wingdings" panose="05000000000000000000" pitchFamily="2" charset="2"/>
-              <a:buChar char="§"/>
+              <a:buNone/>
+            </a:pPr>
+            <a:endParaRPr lang="en-ZA" sz="2000" dirty="0"/>
+          </a:p>
+          <a:p>
+            <a:pPr lvl="0">
+              <a:spcBef>
+                <a:spcPts val="0"/>
+              </a:spcBef>
+              <a:buNone/>
             </a:pPr>
             <a:r>
               <a:rPr lang="en-ZA" sz="2000" dirty="0"/>
               <a:t> </a:t>
             </a:r>
-          </a:p>
-          <a:p>
-            <a:pPr marL="457200" lvl="0" indent="-457200">
-              <a:spcBef>
-                <a:spcPts val="0"/>
-              </a:spcBef>
-              <a:buFont typeface="Wingdings" panose="05000000000000000000" pitchFamily="2" charset="2"/>
-              <a:buChar char="§"/>
-            </a:pPr>
-            <a:endParaRPr lang="en-ZA" sz="2000" dirty="0"/>
-          </a:p>
-          <a:p>
-            <a:pPr marL="457200" lvl="0" indent="-457200">
-              <a:spcBef>
-                <a:spcPts val="0"/>
-              </a:spcBef>
-              <a:buFont typeface="Wingdings" panose="05000000000000000000" pitchFamily="2" charset="2"/>
-              <a:buChar char="§"/>
-            </a:pPr>
-            <a:r>
-              <a:rPr lang="en-ZA" sz="2000" dirty="0"/>
-              <a:t> </a:t>
-            </a:r>
-          </a:p>
-          <a:p>
-            <a:pPr marL="457200" lvl="0" indent="-457200">
-              <a:spcBef>
-                <a:spcPts val="0"/>
-              </a:spcBef>
-              <a:buFont typeface="Wingdings" panose="05000000000000000000" pitchFamily="2" charset="2"/>
-              <a:buChar char="§"/>
-            </a:pPr>
-            <a:endParaRPr lang="en-ZA" sz="2000" dirty="0"/>
-          </a:p>
-          <a:p>
-            <a:pPr marL="457200" lvl="0" indent="-457200">
-              <a:spcBef>
-                <a:spcPts val="0"/>
-              </a:spcBef>
-              <a:buFont typeface="Wingdings" panose="05000000000000000000" pitchFamily="2" charset="2"/>
-              <a:buChar char="§"/>
-            </a:pPr>
-            <a:r>
-              <a:rPr lang="en-ZA" sz="2000"/>
-              <a:t> </a:t>
-            </a:r>
-            <a:endParaRPr lang="en-ZA" sz="2000" dirty="0"/>
           </a:p>
           <a:p>
             <a:endParaRPr lang="en-ZA" dirty="0"/>
@@ -6926,6 +6576,35 @@
           </p:txBody>
         </p:sp>
       </p:grpSp>
+      <p:pic>
+        <p:nvPicPr>
+          <p:cNvPr id="11" name="Picture 10"/>
+          <p:cNvPicPr>
+            <a:picLocks noChangeAspect="1"/>
+          </p:cNvPicPr>
+          <p:nvPr/>
+        </p:nvPicPr>
+        <p:blipFill rotWithShape="1">
+          <a:blip r:embed="rId2"/>
+          <a:srcRect r="385" b="7591"/>
+          <a:stretch/>
+        </p:blipFill>
+        <p:spPr>
+          <a:xfrm>
+            <a:off x="7725432" y="5662007"/>
+            <a:ext cx="1275471" cy="905893"/>
+          </a:xfrm>
+          <a:prstGeom prst="rect">
+            <a:avLst/>
+          </a:prstGeom>
+          <a:ln>
+            <a:noFill/>
+          </a:ln>
+          <a:effectLst>
+            <a:softEdge rad="112500"/>
+          </a:effectLst>
+        </p:spPr>
+      </p:pic>
     </p:spTree>
     <p:extLst>
       <p:ext uri="{BB962C8B-B14F-4D97-AF65-F5344CB8AC3E}">
@@ -6936,6 +6615,18 @@
   <p:clrMapOvr>
     <a:masterClrMapping/>
   </p:clrMapOvr>
+  <mc:AlternateContent xmlns:mc="http://schemas.openxmlformats.org/markup-compatibility/2006">
+    <mc:Choice xmlns:p15="http://schemas.microsoft.com/office/powerpoint/2012/main" Requires="p15">
+      <p:transition xmlns:p14="http://schemas.microsoft.com/office/powerpoint/2010/main" spd="slow" p14:dur="1250" advTm="6273">
+        <p15:prstTrans prst="pageCurlDouble"/>
+      </p:transition>
+    </mc:Choice>
+    <mc:Fallback>
+      <p:transition spd="slow" advTm="6273">
+        <p:fade/>
+      </p:transition>
+    </mc:Fallback>
+  </mc:AlternateContent>
 </p:sld>
 </file>
 
@@ -6944,7 +6635,7 @@
   <p:cSld>
     <p:spTree>
       <p:nvGrpSpPr>
-        <p:cNvPr id="1" name="Shape 100"/>
+        <p:cNvPr id="1" name="Shape 280"/>
         <p:cNvGrpSpPr/>
         <p:nvPr/>
       </p:nvGrpSpPr>
@@ -6958,24 +6649,419 @@
       </p:grpSpPr>
       <p:sp>
         <p:nvSpPr>
-          <p:cNvPr id="101" name="Shape 101"/>
+          <p:cNvPr id="283" name="Shape 283"/>
           <p:cNvSpPr/>
           <p:nvPr/>
         </p:nvSpPr>
         <p:spPr>
           <a:xfrm>
-            <a:off x="0" y="1938599"/>
-            <a:ext cx="2496892" cy="2337980"/>
+            <a:off x="5739618" y="3845394"/>
+            <a:ext cx="3186834" cy="2622678"/>
           </a:xfrm>
-          <a:prstGeom prst="ellipse">
+          <a:custGeom>
             <a:avLst/>
-          </a:prstGeom>
-          <a:solidFill>
-            <a:srgbClr val="39C0BA"/>
-          </a:solidFill>
-          <a:ln w="28575" cap="flat" cmpd="sng">
+            <a:gdLst/>
+            <a:ahLst/>
+            <a:cxnLst/>
+            <a:rect l="0" t="0" r="0" b="0"/>
+            <a:pathLst>
+              <a:path w="143434" h="111665" extrusionOk="0">
+                <a:moveTo>
+                  <a:pt x="71751" y="2308"/>
+                </a:moveTo>
+                <a:lnTo>
+                  <a:pt x="71887" y="2376"/>
+                </a:lnTo>
+                <a:lnTo>
+                  <a:pt x="72091" y="2444"/>
+                </a:lnTo>
+                <a:lnTo>
+                  <a:pt x="72159" y="2647"/>
+                </a:lnTo>
+                <a:lnTo>
+                  <a:pt x="72226" y="2783"/>
+                </a:lnTo>
+                <a:lnTo>
+                  <a:pt x="72159" y="2987"/>
+                </a:lnTo>
+                <a:lnTo>
+                  <a:pt x="72091" y="3190"/>
+                </a:lnTo>
+                <a:lnTo>
+                  <a:pt x="71887" y="3258"/>
+                </a:lnTo>
+                <a:lnTo>
+                  <a:pt x="71751" y="3326"/>
+                </a:lnTo>
+                <a:lnTo>
+                  <a:pt x="71548" y="3258"/>
+                </a:lnTo>
+                <a:lnTo>
+                  <a:pt x="71344" y="3190"/>
+                </a:lnTo>
+                <a:lnTo>
+                  <a:pt x="71276" y="2987"/>
+                </a:lnTo>
+                <a:lnTo>
+                  <a:pt x="71208" y="2783"/>
+                </a:lnTo>
+                <a:lnTo>
+                  <a:pt x="71276" y="2647"/>
+                </a:lnTo>
+                <a:lnTo>
+                  <a:pt x="71344" y="2444"/>
+                </a:lnTo>
+                <a:lnTo>
+                  <a:pt x="71548" y="2376"/>
+                </a:lnTo>
+                <a:lnTo>
+                  <a:pt x="71751" y="2308"/>
+                </a:lnTo>
+                <a:close/>
+                <a:moveTo>
+                  <a:pt x="137528" y="5906"/>
+                </a:moveTo>
+                <a:lnTo>
+                  <a:pt x="137596" y="5974"/>
+                </a:lnTo>
+                <a:lnTo>
+                  <a:pt x="137596" y="89604"/>
+                </a:lnTo>
+                <a:lnTo>
+                  <a:pt x="5906" y="89604"/>
+                </a:lnTo>
+                <a:lnTo>
+                  <a:pt x="5906" y="5974"/>
+                </a:lnTo>
+                <a:lnTo>
+                  <a:pt x="5906" y="5906"/>
+                </a:lnTo>
+                <a:close/>
+                <a:moveTo>
+                  <a:pt x="3530" y="0"/>
+                </a:moveTo>
+                <a:lnTo>
+                  <a:pt x="3191" y="68"/>
+                </a:lnTo>
+                <a:lnTo>
+                  <a:pt x="2444" y="339"/>
+                </a:lnTo>
+                <a:lnTo>
+                  <a:pt x="1766" y="679"/>
+                </a:lnTo>
+                <a:lnTo>
+                  <a:pt x="1155" y="1154"/>
+                </a:lnTo>
+                <a:lnTo>
+                  <a:pt x="679" y="1765"/>
+                </a:lnTo>
+                <a:lnTo>
+                  <a:pt x="272" y="2444"/>
+                </a:lnTo>
+                <a:lnTo>
+                  <a:pt x="69" y="3190"/>
+                </a:lnTo>
+                <a:lnTo>
+                  <a:pt x="1" y="3598"/>
+                </a:lnTo>
+                <a:lnTo>
+                  <a:pt x="1" y="4005"/>
+                </a:lnTo>
+                <a:lnTo>
+                  <a:pt x="1" y="91572"/>
+                </a:lnTo>
+                <a:lnTo>
+                  <a:pt x="1" y="91979"/>
+                </a:lnTo>
+                <a:lnTo>
+                  <a:pt x="69" y="92319"/>
+                </a:lnTo>
+                <a:lnTo>
+                  <a:pt x="272" y="93065"/>
+                </a:lnTo>
+                <a:lnTo>
+                  <a:pt x="679" y="93744"/>
+                </a:lnTo>
+                <a:lnTo>
+                  <a:pt x="1155" y="94355"/>
+                </a:lnTo>
+                <a:lnTo>
+                  <a:pt x="1766" y="94830"/>
+                </a:lnTo>
+                <a:lnTo>
+                  <a:pt x="2444" y="95238"/>
+                </a:lnTo>
+                <a:lnTo>
+                  <a:pt x="3191" y="95441"/>
+                </a:lnTo>
+                <a:lnTo>
+                  <a:pt x="3530" y="95509"/>
+                </a:lnTo>
+                <a:lnTo>
+                  <a:pt x="139904" y="95509"/>
+                </a:lnTo>
+                <a:lnTo>
+                  <a:pt x="140311" y="95441"/>
+                </a:lnTo>
+                <a:lnTo>
+                  <a:pt x="141058" y="95238"/>
+                </a:lnTo>
+                <a:lnTo>
+                  <a:pt x="141737" y="94830"/>
+                </a:lnTo>
+                <a:lnTo>
+                  <a:pt x="142280" y="94355"/>
+                </a:lnTo>
+                <a:lnTo>
+                  <a:pt x="142755" y="93744"/>
+                </a:lnTo>
+                <a:lnTo>
+                  <a:pt x="143162" y="93065"/>
+                </a:lnTo>
+                <a:lnTo>
+                  <a:pt x="143366" y="92319"/>
+                </a:lnTo>
+                <a:lnTo>
+                  <a:pt x="143434" y="91979"/>
+                </a:lnTo>
+                <a:lnTo>
+                  <a:pt x="143434" y="91572"/>
+                </a:lnTo>
+                <a:lnTo>
+                  <a:pt x="143434" y="4005"/>
+                </a:lnTo>
+                <a:lnTo>
+                  <a:pt x="143434" y="3598"/>
+                </a:lnTo>
+                <a:lnTo>
+                  <a:pt x="143366" y="3190"/>
+                </a:lnTo>
+                <a:lnTo>
+                  <a:pt x="143162" y="2444"/>
+                </a:lnTo>
+                <a:lnTo>
+                  <a:pt x="142755" y="1765"/>
+                </a:lnTo>
+                <a:lnTo>
+                  <a:pt x="142280" y="1154"/>
+                </a:lnTo>
+                <a:lnTo>
+                  <a:pt x="141737" y="679"/>
+                </a:lnTo>
+                <a:lnTo>
+                  <a:pt x="141058" y="339"/>
+                </a:lnTo>
+                <a:lnTo>
+                  <a:pt x="140311" y="68"/>
+                </a:lnTo>
+                <a:lnTo>
+                  <a:pt x="139904" y="0"/>
+                </a:lnTo>
+                <a:close/>
+                <a:moveTo>
+                  <a:pt x="55324" y="95713"/>
+                </a:moveTo>
+                <a:lnTo>
+                  <a:pt x="55052" y="98971"/>
+                </a:lnTo>
+                <a:lnTo>
+                  <a:pt x="54713" y="102297"/>
+                </a:lnTo>
+                <a:lnTo>
+                  <a:pt x="54374" y="105284"/>
+                </a:lnTo>
+                <a:lnTo>
+                  <a:pt x="53966" y="107388"/>
+                </a:lnTo>
+                <a:lnTo>
+                  <a:pt x="53763" y="108203"/>
+                </a:lnTo>
+                <a:lnTo>
+                  <a:pt x="53627" y="108746"/>
+                </a:lnTo>
+                <a:lnTo>
+                  <a:pt x="53423" y="109153"/>
+                </a:lnTo>
+                <a:lnTo>
+                  <a:pt x="53220" y="109357"/>
+                </a:lnTo>
+                <a:lnTo>
+                  <a:pt x="52677" y="109493"/>
+                </a:lnTo>
+                <a:lnTo>
+                  <a:pt x="51794" y="109696"/>
+                </a:lnTo>
+                <a:lnTo>
+                  <a:pt x="49690" y="110036"/>
+                </a:lnTo>
+                <a:lnTo>
+                  <a:pt x="48061" y="110307"/>
+                </a:lnTo>
+                <a:lnTo>
+                  <a:pt x="47450" y="110443"/>
+                </a:lnTo>
+                <a:lnTo>
+                  <a:pt x="47110" y="110511"/>
+                </a:lnTo>
+                <a:lnTo>
+                  <a:pt x="47042" y="110579"/>
+                </a:lnTo>
+                <a:lnTo>
+                  <a:pt x="47042" y="110783"/>
+                </a:lnTo>
+                <a:lnTo>
+                  <a:pt x="47110" y="110850"/>
+                </a:lnTo>
+                <a:lnTo>
+                  <a:pt x="47585" y="110918"/>
+                </a:lnTo>
+                <a:lnTo>
+                  <a:pt x="48400" y="110986"/>
+                </a:lnTo>
+                <a:lnTo>
+                  <a:pt x="51387" y="111054"/>
+                </a:lnTo>
+                <a:lnTo>
+                  <a:pt x="56071" y="111122"/>
+                </a:lnTo>
+                <a:lnTo>
+                  <a:pt x="87092" y="111122"/>
+                </a:lnTo>
+                <a:lnTo>
+                  <a:pt x="91708" y="111054"/>
+                </a:lnTo>
+                <a:lnTo>
+                  <a:pt x="94695" y="110986"/>
+                </a:lnTo>
+                <a:lnTo>
+                  <a:pt x="95578" y="110918"/>
+                </a:lnTo>
+                <a:lnTo>
+                  <a:pt x="96053" y="110850"/>
+                </a:lnTo>
+                <a:lnTo>
+                  <a:pt x="96121" y="110783"/>
+                </a:lnTo>
+                <a:lnTo>
+                  <a:pt x="96121" y="110579"/>
+                </a:lnTo>
+                <a:lnTo>
+                  <a:pt x="96053" y="110511"/>
+                </a:lnTo>
+                <a:lnTo>
+                  <a:pt x="95713" y="110443"/>
+                </a:lnTo>
+                <a:lnTo>
+                  <a:pt x="95102" y="110307"/>
+                </a:lnTo>
+                <a:lnTo>
+                  <a:pt x="93473" y="110036"/>
+                </a:lnTo>
+                <a:lnTo>
+                  <a:pt x="91369" y="109696"/>
+                </a:lnTo>
+                <a:lnTo>
+                  <a:pt x="90487" y="109493"/>
+                </a:lnTo>
+                <a:lnTo>
+                  <a:pt x="89943" y="109357"/>
+                </a:lnTo>
+                <a:lnTo>
+                  <a:pt x="89740" y="109153"/>
+                </a:lnTo>
+                <a:lnTo>
+                  <a:pt x="89536" y="108746"/>
+                </a:lnTo>
+                <a:lnTo>
+                  <a:pt x="89333" y="108203"/>
+                </a:lnTo>
+                <a:lnTo>
+                  <a:pt x="89197" y="107388"/>
+                </a:lnTo>
+                <a:lnTo>
+                  <a:pt x="88789" y="105284"/>
+                </a:lnTo>
+                <a:lnTo>
+                  <a:pt x="88382" y="102297"/>
+                </a:lnTo>
+                <a:lnTo>
+                  <a:pt x="88043" y="98971"/>
+                </a:lnTo>
+                <a:lnTo>
+                  <a:pt x="87839" y="95713"/>
+                </a:lnTo>
+                <a:close/>
+                <a:moveTo>
+                  <a:pt x="47450" y="111054"/>
+                </a:moveTo>
+                <a:lnTo>
+                  <a:pt x="47450" y="111122"/>
+                </a:lnTo>
+                <a:lnTo>
+                  <a:pt x="47450" y="111393"/>
+                </a:lnTo>
+                <a:lnTo>
+                  <a:pt x="47518" y="111461"/>
+                </a:lnTo>
+                <a:lnTo>
+                  <a:pt x="48807" y="111529"/>
+                </a:lnTo>
+                <a:lnTo>
+                  <a:pt x="52473" y="111597"/>
+                </a:lnTo>
+                <a:lnTo>
+                  <a:pt x="62384" y="111665"/>
+                </a:lnTo>
+                <a:lnTo>
+                  <a:pt x="80779" y="111665"/>
+                </a:lnTo>
+                <a:lnTo>
+                  <a:pt x="90622" y="111597"/>
+                </a:lnTo>
+                <a:lnTo>
+                  <a:pt x="94356" y="111529"/>
+                </a:lnTo>
+                <a:lnTo>
+                  <a:pt x="95646" y="111461"/>
+                </a:lnTo>
+                <a:lnTo>
+                  <a:pt x="95713" y="111393"/>
+                </a:lnTo>
+                <a:lnTo>
+                  <a:pt x="95713" y="111122"/>
+                </a:lnTo>
+                <a:lnTo>
+                  <a:pt x="95646" y="111054"/>
+                </a:lnTo>
+                <a:lnTo>
+                  <a:pt x="94084" y="111122"/>
+                </a:lnTo>
+                <a:lnTo>
+                  <a:pt x="91233" y="111190"/>
+                </a:lnTo>
+                <a:lnTo>
+                  <a:pt x="80847" y="111258"/>
+                </a:lnTo>
+                <a:lnTo>
+                  <a:pt x="62316" y="111258"/>
+                </a:lnTo>
+                <a:lnTo>
+                  <a:pt x="51930" y="111190"/>
+                </a:lnTo>
+                <a:lnTo>
+                  <a:pt x="49079" y="111122"/>
+                </a:lnTo>
+                <a:lnTo>
+                  <a:pt x="47518" y="111054"/>
+                </a:lnTo>
+                <a:close/>
+              </a:path>
+            </a:pathLst>
+          </a:custGeom>
+          <a:noFill/>
+          <a:ln w="38100" cap="flat" cmpd="sng">
             <a:solidFill>
-              <a:srgbClr val="2E3037"/>
+              <a:schemeClr val="tx1"/>
             </a:solidFill>
             <a:prstDash val="solid"/>
             <a:round/>
@@ -6995,42 +7081,250 @@
               </a:spcBef>
               <a:buNone/>
             </a:pPr>
-            <a:r>
-              <a:rPr lang="en-ZA" sz="2200" dirty="0">
-                <a:latin typeface="Quicksand"/>
-              </a:rPr>
-              <a:t>Architectural Pattern</a:t>
-            </a:r>
-            <a:endParaRPr sz="2200" dirty="0">
-              <a:latin typeface="Quicksand"/>
-            </a:endParaRPr>
+            <a:endParaRPr dirty="0"/>
           </a:p>
         </p:txBody>
       </p:sp>
+      <p:pic>
+        <p:nvPicPr>
+          <p:cNvPr id="2" name="Picture 1"/>
+          <p:cNvPicPr>
+            <a:picLocks noChangeAspect="1"/>
+          </p:cNvPicPr>
+          <p:nvPr/>
+        </p:nvPicPr>
+        <p:blipFill rotWithShape="1">
+          <a:blip r:embed="rId3"/>
+          <a:srcRect r="385" b="7591"/>
+          <a:stretch/>
+        </p:blipFill>
+        <p:spPr>
+          <a:xfrm>
+            <a:off x="7398425" y="234272"/>
+            <a:ext cx="1655913" cy="1176099"/>
+          </a:xfrm>
+          <a:prstGeom prst="rect">
+            <a:avLst/>
+          </a:prstGeom>
+          <a:ln>
+            <a:noFill/>
+          </a:ln>
+          <a:effectLst>
+            <a:softEdge rad="112500"/>
+          </a:effectLst>
+        </p:spPr>
+      </p:pic>
       <p:grpSp>
         <p:nvGrpSpPr>
-          <p:cNvPr id="104" name="Shape 104"/>
+          <p:cNvPr id="5" name="Group 4"/>
           <p:cNvGrpSpPr/>
           <p:nvPr/>
         </p:nvGrpSpPr>
         <p:grpSpPr>
           <a:xfrm>
-            <a:off x="8271803" y="99308"/>
-            <a:ext cx="744835" cy="660347"/>
-            <a:chOff x="2594050" y="1631825"/>
-            <a:chExt cx="439625" cy="439625"/>
+            <a:off x="5950634" y="3969834"/>
+            <a:ext cx="2975818" cy="1745686"/>
+            <a:chOff x="3056711" y="805413"/>
+            <a:chExt cx="5306069" cy="3119114"/>
+          </a:xfrm>
+        </p:grpSpPr>
+        <p:pic>
+          <p:nvPicPr>
+            <p:cNvPr id="13" name="Shape 159" descr="mapa_linea_b-01.png"/>
+            <p:cNvPicPr preferRelativeResize="0"/>
+            <p:nvPr/>
+          </p:nvPicPr>
+          <p:blipFill>
+            <a:blip r:embed="rId4">
+              <a:alphaModFix amt="38000"/>
+            </a:blip>
+            <a:stretch>
+              <a:fillRect/>
+            </a:stretch>
+          </p:blipFill>
+          <p:spPr>
+            <a:xfrm>
+              <a:off x="3056711" y="805413"/>
+              <a:ext cx="5306069" cy="3119114"/>
+            </a:xfrm>
+            <a:prstGeom prst="rect">
+              <a:avLst/>
+            </a:prstGeom>
+            <a:noFill/>
+            <a:ln>
+              <a:noFill/>
+            </a:ln>
+          </p:spPr>
+        </p:pic>
+        <p:pic>
+          <p:nvPicPr>
+            <p:cNvPr id="3" name="Picture 2"/>
+            <p:cNvPicPr>
+              <a:picLocks noChangeAspect="1"/>
+            </p:cNvPicPr>
+            <p:nvPr/>
+          </p:nvPicPr>
+          <p:blipFill>
+            <a:blip r:embed="rId5"/>
+            <a:stretch>
+              <a:fillRect/>
+            </a:stretch>
+          </p:blipFill>
+          <p:spPr>
+            <a:xfrm>
+              <a:off x="4521519" y="2083300"/>
+              <a:ext cx="139834" cy="378716"/>
+            </a:xfrm>
+            <a:prstGeom prst="rect">
+              <a:avLst/>
+            </a:prstGeom>
+          </p:spPr>
+        </p:pic>
+        <p:pic>
+          <p:nvPicPr>
+            <p:cNvPr id="8" name="Picture 7"/>
+            <p:cNvPicPr>
+              <a:picLocks noChangeAspect="1"/>
+            </p:cNvPicPr>
+            <p:nvPr/>
+          </p:nvPicPr>
+          <p:blipFill>
+            <a:blip r:embed="rId5"/>
+            <a:stretch>
+              <a:fillRect/>
+            </a:stretch>
+          </p:blipFill>
+          <p:spPr>
+            <a:xfrm>
+              <a:off x="4451602" y="2388100"/>
+              <a:ext cx="139834" cy="378716"/>
+            </a:xfrm>
+            <a:prstGeom prst="rect">
+              <a:avLst/>
+            </a:prstGeom>
+          </p:spPr>
+        </p:pic>
+        <p:pic>
+          <p:nvPicPr>
+            <p:cNvPr id="9" name="Picture 8"/>
+            <p:cNvPicPr>
+              <a:picLocks noChangeAspect="1"/>
+            </p:cNvPicPr>
+            <p:nvPr/>
+          </p:nvPicPr>
+          <p:blipFill>
+            <a:blip r:embed="rId5"/>
+            <a:stretch>
+              <a:fillRect/>
+            </a:stretch>
+          </p:blipFill>
+          <p:spPr>
+            <a:xfrm>
+              <a:off x="5748018" y="2401887"/>
+              <a:ext cx="139834" cy="378716"/>
+            </a:xfrm>
+            <a:prstGeom prst="rect">
+              <a:avLst/>
+            </a:prstGeom>
+          </p:spPr>
+        </p:pic>
+        <p:pic>
+          <p:nvPicPr>
+            <p:cNvPr id="10" name="Picture 9"/>
+            <p:cNvPicPr>
+              <a:picLocks noChangeAspect="1"/>
+            </p:cNvPicPr>
+            <p:nvPr/>
+          </p:nvPicPr>
+          <p:blipFill>
+            <a:blip r:embed="rId5"/>
+            <a:stretch>
+              <a:fillRect/>
+            </a:stretch>
+          </p:blipFill>
+          <p:spPr>
+            <a:xfrm>
+              <a:off x="7412430" y="2388100"/>
+              <a:ext cx="139834" cy="378716"/>
+            </a:xfrm>
+            <a:prstGeom prst="rect">
+              <a:avLst/>
+            </a:prstGeom>
+          </p:spPr>
+        </p:pic>
+        <p:pic>
+          <p:nvPicPr>
+            <p:cNvPr id="11" name="Picture 10"/>
+            <p:cNvPicPr>
+              <a:picLocks noChangeAspect="1"/>
+            </p:cNvPicPr>
+            <p:nvPr/>
+          </p:nvPicPr>
+          <p:blipFill>
+            <a:blip r:embed="rId5"/>
+            <a:stretch>
+              <a:fillRect/>
+            </a:stretch>
+          </p:blipFill>
+          <p:spPr>
+            <a:xfrm>
+              <a:off x="3889450" y="892112"/>
+              <a:ext cx="139834" cy="378716"/>
+            </a:xfrm>
+            <a:prstGeom prst="rect">
+              <a:avLst/>
+            </a:prstGeom>
+          </p:spPr>
+        </p:pic>
+        <p:pic>
+          <p:nvPicPr>
+            <p:cNvPr id="12" name="Picture 11"/>
+            <p:cNvPicPr>
+              <a:picLocks noChangeAspect="1"/>
+            </p:cNvPicPr>
+            <p:nvPr/>
+          </p:nvPicPr>
+          <p:blipFill>
+            <a:blip r:embed="rId5"/>
+            <a:stretch>
+              <a:fillRect/>
+            </a:stretch>
+          </p:blipFill>
+          <p:spPr>
+            <a:xfrm>
+              <a:off x="6577747" y="870968"/>
+              <a:ext cx="139834" cy="378716"/>
+            </a:xfrm>
+            <a:prstGeom prst="rect">
+              <a:avLst/>
+            </a:prstGeom>
+          </p:spPr>
+        </p:pic>
+      </p:grpSp>
+      <p:grpSp>
+        <p:nvGrpSpPr>
+          <p:cNvPr id="26" name="Group 25"/>
+          <p:cNvGrpSpPr/>
+          <p:nvPr/>
+        </p:nvGrpSpPr>
+        <p:grpSpPr>
+          <a:xfrm>
+            <a:off x="1630141" y="3845394"/>
+            <a:ext cx="3235112" cy="2460324"/>
+            <a:chOff x="1172629" y="3792190"/>
+            <a:chExt cx="3235112" cy="2460324"/>
           </a:xfrm>
         </p:grpSpPr>
         <p:sp>
           <p:nvSpPr>
-            <p:cNvPr id="105" name="Shape 105"/>
+            <p:cNvPr id="15" name="Shape 283"/>
             <p:cNvSpPr/>
             <p:nvPr/>
           </p:nvSpPr>
           <p:spPr>
             <a:xfrm>
-              <a:off x="2594050" y="1883300"/>
-              <a:ext cx="188175" cy="188150"/>
+              <a:off x="1172629" y="3792190"/>
+              <a:ext cx="3235112" cy="2460324"/>
             </a:xfrm>
             <a:custGeom>
               <a:avLst/>
@@ -7039,33 +7333,403 @@
               <a:cxnLst/>
               <a:rect l="0" t="0" r="0" b="0"/>
               <a:pathLst>
-                <a:path w="7527" h="7526" fill="none" extrusionOk="0">
+                <a:path w="143434" h="111665" extrusionOk="0">
                   <a:moveTo>
-                    <a:pt x="5992" y="0"/>
+                    <a:pt x="71751" y="2308"/>
                   </a:moveTo>
                   <a:lnTo>
-                    <a:pt x="537" y="6430"/>
-                  </a:lnTo>
-                  <a:lnTo>
-                    <a:pt x="1" y="7526"/>
-                  </a:lnTo>
-                  <a:lnTo>
-                    <a:pt x="1097" y="6990"/>
-                  </a:lnTo>
-                  <a:lnTo>
-                    <a:pt x="7526" y="1534"/>
-                  </a:lnTo>
-                  <a:lnTo>
-                    <a:pt x="5992" y="0"/>
+                    <a:pt x="71887" y="2376"/>
+                  </a:lnTo>
+                  <a:lnTo>
+                    <a:pt x="72091" y="2444"/>
+                  </a:lnTo>
+                  <a:lnTo>
+                    <a:pt x="72159" y="2647"/>
+                  </a:lnTo>
+                  <a:lnTo>
+                    <a:pt x="72226" y="2783"/>
+                  </a:lnTo>
+                  <a:lnTo>
+                    <a:pt x="72159" y="2987"/>
+                  </a:lnTo>
+                  <a:lnTo>
+                    <a:pt x="72091" y="3190"/>
+                  </a:lnTo>
+                  <a:lnTo>
+                    <a:pt x="71887" y="3258"/>
+                  </a:lnTo>
+                  <a:lnTo>
+                    <a:pt x="71751" y="3326"/>
+                  </a:lnTo>
+                  <a:lnTo>
+                    <a:pt x="71548" y="3258"/>
+                  </a:lnTo>
+                  <a:lnTo>
+                    <a:pt x="71344" y="3190"/>
+                  </a:lnTo>
+                  <a:lnTo>
+                    <a:pt x="71276" y="2987"/>
+                  </a:lnTo>
+                  <a:lnTo>
+                    <a:pt x="71208" y="2783"/>
+                  </a:lnTo>
+                  <a:lnTo>
+                    <a:pt x="71276" y="2647"/>
+                  </a:lnTo>
+                  <a:lnTo>
+                    <a:pt x="71344" y="2444"/>
+                  </a:lnTo>
+                  <a:lnTo>
+                    <a:pt x="71548" y="2376"/>
+                  </a:lnTo>
+                  <a:lnTo>
+                    <a:pt x="71751" y="2308"/>
+                  </a:lnTo>
+                  <a:close/>
+                  <a:moveTo>
+                    <a:pt x="137528" y="5906"/>
+                  </a:moveTo>
+                  <a:lnTo>
+                    <a:pt x="137596" y="5974"/>
+                  </a:lnTo>
+                  <a:lnTo>
+                    <a:pt x="137596" y="89604"/>
+                  </a:lnTo>
+                  <a:lnTo>
+                    <a:pt x="5906" y="89604"/>
+                  </a:lnTo>
+                  <a:lnTo>
+                    <a:pt x="5906" y="5974"/>
+                  </a:lnTo>
+                  <a:lnTo>
+                    <a:pt x="5906" y="5906"/>
+                  </a:lnTo>
+                  <a:close/>
+                  <a:moveTo>
+                    <a:pt x="3530" y="0"/>
+                  </a:moveTo>
+                  <a:lnTo>
+                    <a:pt x="3191" y="68"/>
+                  </a:lnTo>
+                  <a:lnTo>
+                    <a:pt x="2444" y="339"/>
+                  </a:lnTo>
+                  <a:lnTo>
+                    <a:pt x="1766" y="679"/>
+                  </a:lnTo>
+                  <a:lnTo>
+                    <a:pt x="1155" y="1154"/>
+                  </a:lnTo>
+                  <a:lnTo>
+                    <a:pt x="679" y="1765"/>
+                  </a:lnTo>
+                  <a:lnTo>
+                    <a:pt x="272" y="2444"/>
+                  </a:lnTo>
+                  <a:lnTo>
+                    <a:pt x="69" y="3190"/>
+                  </a:lnTo>
+                  <a:lnTo>
+                    <a:pt x="1" y="3598"/>
+                  </a:lnTo>
+                  <a:lnTo>
+                    <a:pt x="1" y="4005"/>
+                  </a:lnTo>
+                  <a:lnTo>
+                    <a:pt x="1" y="91572"/>
+                  </a:lnTo>
+                  <a:lnTo>
+                    <a:pt x="1" y="91979"/>
+                  </a:lnTo>
+                  <a:lnTo>
+                    <a:pt x="69" y="92319"/>
+                  </a:lnTo>
+                  <a:lnTo>
+                    <a:pt x="272" y="93065"/>
+                  </a:lnTo>
+                  <a:lnTo>
+                    <a:pt x="679" y="93744"/>
+                  </a:lnTo>
+                  <a:lnTo>
+                    <a:pt x="1155" y="94355"/>
+                  </a:lnTo>
+                  <a:lnTo>
+                    <a:pt x="1766" y="94830"/>
+                  </a:lnTo>
+                  <a:lnTo>
+                    <a:pt x="2444" y="95238"/>
+                  </a:lnTo>
+                  <a:lnTo>
+                    <a:pt x="3191" y="95441"/>
+                  </a:lnTo>
+                  <a:lnTo>
+                    <a:pt x="3530" y="95509"/>
+                  </a:lnTo>
+                  <a:lnTo>
+                    <a:pt x="139904" y="95509"/>
+                  </a:lnTo>
+                  <a:lnTo>
+                    <a:pt x="140311" y="95441"/>
+                  </a:lnTo>
+                  <a:lnTo>
+                    <a:pt x="141058" y="95238"/>
+                  </a:lnTo>
+                  <a:lnTo>
+                    <a:pt x="141737" y="94830"/>
+                  </a:lnTo>
+                  <a:lnTo>
+                    <a:pt x="142280" y="94355"/>
+                  </a:lnTo>
+                  <a:lnTo>
+                    <a:pt x="142755" y="93744"/>
+                  </a:lnTo>
+                  <a:lnTo>
+                    <a:pt x="143162" y="93065"/>
+                  </a:lnTo>
+                  <a:lnTo>
+                    <a:pt x="143366" y="92319"/>
+                  </a:lnTo>
+                  <a:lnTo>
+                    <a:pt x="143434" y="91979"/>
+                  </a:lnTo>
+                  <a:lnTo>
+                    <a:pt x="143434" y="91572"/>
+                  </a:lnTo>
+                  <a:lnTo>
+                    <a:pt x="143434" y="4005"/>
+                  </a:lnTo>
+                  <a:lnTo>
+                    <a:pt x="143434" y="3598"/>
+                  </a:lnTo>
+                  <a:lnTo>
+                    <a:pt x="143366" y="3190"/>
+                  </a:lnTo>
+                  <a:lnTo>
+                    <a:pt x="143162" y="2444"/>
+                  </a:lnTo>
+                  <a:lnTo>
+                    <a:pt x="142755" y="1765"/>
+                  </a:lnTo>
+                  <a:lnTo>
+                    <a:pt x="142280" y="1154"/>
+                  </a:lnTo>
+                  <a:lnTo>
+                    <a:pt x="141737" y="679"/>
+                  </a:lnTo>
+                  <a:lnTo>
+                    <a:pt x="141058" y="339"/>
+                  </a:lnTo>
+                  <a:lnTo>
+                    <a:pt x="140311" y="68"/>
+                  </a:lnTo>
+                  <a:lnTo>
+                    <a:pt x="139904" y="0"/>
+                  </a:lnTo>
+                  <a:close/>
+                  <a:moveTo>
+                    <a:pt x="55324" y="95713"/>
+                  </a:moveTo>
+                  <a:lnTo>
+                    <a:pt x="55052" y="98971"/>
+                  </a:lnTo>
+                  <a:lnTo>
+                    <a:pt x="54713" y="102297"/>
+                  </a:lnTo>
+                  <a:lnTo>
+                    <a:pt x="54374" y="105284"/>
+                  </a:lnTo>
+                  <a:lnTo>
+                    <a:pt x="53966" y="107388"/>
+                  </a:lnTo>
+                  <a:lnTo>
+                    <a:pt x="53763" y="108203"/>
+                  </a:lnTo>
+                  <a:lnTo>
+                    <a:pt x="53627" y="108746"/>
+                  </a:lnTo>
+                  <a:lnTo>
+                    <a:pt x="53423" y="109153"/>
+                  </a:lnTo>
+                  <a:lnTo>
+                    <a:pt x="53220" y="109357"/>
+                  </a:lnTo>
+                  <a:lnTo>
+                    <a:pt x="52677" y="109493"/>
+                  </a:lnTo>
+                  <a:lnTo>
+                    <a:pt x="51794" y="109696"/>
+                  </a:lnTo>
+                  <a:lnTo>
+                    <a:pt x="49690" y="110036"/>
+                  </a:lnTo>
+                  <a:lnTo>
+                    <a:pt x="48061" y="110307"/>
+                  </a:lnTo>
+                  <a:lnTo>
+                    <a:pt x="47450" y="110443"/>
+                  </a:lnTo>
+                  <a:lnTo>
+                    <a:pt x="47110" y="110511"/>
+                  </a:lnTo>
+                  <a:lnTo>
+                    <a:pt x="47042" y="110579"/>
+                  </a:lnTo>
+                  <a:lnTo>
+                    <a:pt x="47042" y="110783"/>
+                  </a:lnTo>
+                  <a:lnTo>
+                    <a:pt x="47110" y="110850"/>
+                  </a:lnTo>
+                  <a:lnTo>
+                    <a:pt x="47585" y="110918"/>
+                  </a:lnTo>
+                  <a:lnTo>
+                    <a:pt x="48400" y="110986"/>
+                  </a:lnTo>
+                  <a:lnTo>
+                    <a:pt x="51387" y="111054"/>
+                  </a:lnTo>
+                  <a:lnTo>
+                    <a:pt x="56071" y="111122"/>
+                  </a:lnTo>
+                  <a:lnTo>
+                    <a:pt x="87092" y="111122"/>
+                  </a:lnTo>
+                  <a:lnTo>
+                    <a:pt x="91708" y="111054"/>
+                  </a:lnTo>
+                  <a:lnTo>
+                    <a:pt x="94695" y="110986"/>
+                  </a:lnTo>
+                  <a:lnTo>
+                    <a:pt x="95578" y="110918"/>
+                  </a:lnTo>
+                  <a:lnTo>
+                    <a:pt x="96053" y="110850"/>
+                  </a:lnTo>
+                  <a:lnTo>
+                    <a:pt x="96121" y="110783"/>
+                  </a:lnTo>
+                  <a:lnTo>
+                    <a:pt x="96121" y="110579"/>
+                  </a:lnTo>
+                  <a:lnTo>
+                    <a:pt x="96053" y="110511"/>
+                  </a:lnTo>
+                  <a:lnTo>
+                    <a:pt x="95713" y="110443"/>
+                  </a:lnTo>
+                  <a:lnTo>
+                    <a:pt x="95102" y="110307"/>
+                  </a:lnTo>
+                  <a:lnTo>
+                    <a:pt x="93473" y="110036"/>
+                  </a:lnTo>
+                  <a:lnTo>
+                    <a:pt x="91369" y="109696"/>
+                  </a:lnTo>
+                  <a:lnTo>
+                    <a:pt x="90487" y="109493"/>
+                  </a:lnTo>
+                  <a:lnTo>
+                    <a:pt x="89943" y="109357"/>
+                  </a:lnTo>
+                  <a:lnTo>
+                    <a:pt x="89740" y="109153"/>
+                  </a:lnTo>
+                  <a:lnTo>
+                    <a:pt x="89536" y="108746"/>
+                  </a:lnTo>
+                  <a:lnTo>
+                    <a:pt x="89333" y="108203"/>
+                  </a:lnTo>
+                  <a:lnTo>
+                    <a:pt x="89197" y="107388"/>
+                  </a:lnTo>
+                  <a:lnTo>
+                    <a:pt x="88789" y="105284"/>
+                  </a:lnTo>
+                  <a:lnTo>
+                    <a:pt x="88382" y="102297"/>
+                  </a:lnTo>
+                  <a:lnTo>
+                    <a:pt x="88043" y="98971"/>
+                  </a:lnTo>
+                  <a:lnTo>
+                    <a:pt x="87839" y="95713"/>
+                  </a:lnTo>
+                  <a:close/>
+                  <a:moveTo>
+                    <a:pt x="47450" y="111054"/>
+                  </a:moveTo>
+                  <a:lnTo>
+                    <a:pt x="47450" y="111122"/>
+                  </a:lnTo>
+                  <a:lnTo>
+                    <a:pt x="47450" y="111393"/>
+                  </a:lnTo>
+                  <a:lnTo>
+                    <a:pt x="47518" y="111461"/>
+                  </a:lnTo>
+                  <a:lnTo>
+                    <a:pt x="48807" y="111529"/>
+                  </a:lnTo>
+                  <a:lnTo>
+                    <a:pt x="52473" y="111597"/>
+                  </a:lnTo>
+                  <a:lnTo>
+                    <a:pt x="62384" y="111665"/>
+                  </a:lnTo>
+                  <a:lnTo>
+                    <a:pt x="80779" y="111665"/>
+                  </a:lnTo>
+                  <a:lnTo>
+                    <a:pt x="90622" y="111597"/>
+                  </a:lnTo>
+                  <a:lnTo>
+                    <a:pt x="94356" y="111529"/>
+                  </a:lnTo>
+                  <a:lnTo>
+                    <a:pt x="95646" y="111461"/>
+                  </a:lnTo>
+                  <a:lnTo>
+                    <a:pt x="95713" y="111393"/>
+                  </a:lnTo>
+                  <a:lnTo>
+                    <a:pt x="95713" y="111122"/>
+                  </a:lnTo>
+                  <a:lnTo>
+                    <a:pt x="95646" y="111054"/>
+                  </a:lnTo>
+                  <a:lnTo>
+                    <a:pt x="94084" y="111122"/>
+                  </a:lnTo>
+                  <a:lnTo>
+                    <a:pt x="91233" y="111190"/>
+                  </a:lnTo>
+                  <a:lnTo>
+                    <a:pt x="80847" y="111258"/>
+                  </a:lnTo>
+                  <a:lnTo>
+                    <a:pt x="62316" y="111258"/>
+                  </a:lnTo>
+                  <a:lnTo>
+                    <a:pt x="51930" y="111190"/>
+                  </a:lnTo>
+                  <a:lnTo>
+                    <a:pt x="49079" y="111122"/>
+                  </a:lnTo>
+                  <a:lnTo>
+                    <a:pt x="47518" y="111054"/>
                   </a:lnTo>
                   <a:close/>
                 </a:path>
               </a:pathLst>
             </a:custGeom>
             <a:noFill/>
-            <a:ln w="28575" cap="rnd" cmpd="sng">
+            <a:ln w="38100" cap="flat" cmpd="sng">
               <a:solidFill>
-                <a:srgbClr val="FFFFFF"/>
+                <a:schemeClr val="tx1"/>
               </a:solidFill>
               <a:prstDash val="solid"/>
               <a:round/>
@@ -7091,14 +7755,2684 @@
         </p:sp>
         <p:sp>
           <p:nvSpPr>
-            <p:cNvPr id="106" name="Shape 106"/>
+            <p:cNvPr id="6" name="TextBox 5"/>
+            <p:cNvSpPr txBox="1"/>
+            <p:nvPr/>
+          </p:nvSpPr>
+          <p:spPr>
+            <a:xfrm>
+              <a:off x="1358454" y="4243622"/>
+              <a:ext cx="2972836" cy="1200329"/>
+            </a:xfrm>
+            <a:prstGeom prst="rect">
+              <a:avLst/>
+            </a:prstGeom>
+            <a:noFill/>
+          </p:spPr>
+          <p:txBody>
+            <a:bodyPr wrap="square" rtlCol="0">
+              <a:spAutoFit/>
+            </a:bodyPr>
+            <a:lstStyle/>
+            <a:p>
+              <a:r>
+                <a:rPr lang="en-ZA" sz="2400" b="1" spc="50" dirty="0">
+                  <a:ln w="9525" cmpd="sng">
+                    <a:solidFill>
+                      <a:schemeClr val="accent1"/>
+                    </a:solidFill>
+                    <a:prstDash val="solid"/>
+                  </a:ln>
+                  <a:solidFill>
+                    <a:srgbClr val="70AD47">
+                      <a:tint val="1000"/>
+                    </a:srgbClr>
+                  </a:solidFill>
+                  <a:effectLst>
+                    <a:glow rad="38100">
+                      <a:schemeClr val="accent1">
+                        <a:alpha val="40000"/>
+                      </a:schemeClr>
+                    </a:glow>
+                  </a:effectLst>
+                  <a:latin typeface="Broadway" panose="04040905080B02020502" pitchFamily="82" charset="0"/>
+                </a:rPr>
+                <a:t>Geospatial Data Processor &amp; Visualizer</a:t>
+              </a:r>
+            </a:p>
+          </p:txBody>
+        </p:sp>
+      </p:grpSp>
+      <p:sp>
+        <p:nvSpPr>
+          <p:cNvPr id="18" name="Shape 541"/>
+          <p:cNvSpPr/>
+          <p:nvPr/>
+        </p:nvSpPr>
+        <p:spPr>
+          <a:xfrm>
+            <a:off x="2509339" y="1202762"/>
+            <a:ext cx="2280244" cy="1293473"/>
+          </a:xfrm>
+          <a:custGeom>
+            <a:avLst/>
+            <a:gdLst/>
+            <a:ahLst/>
+            <a:cxnLst/>
+            <a:rect l="0" t="0" r="0" b="0"/>
+            <a:pathLst>
+              <a:path w="19144" h="10814" fill="none" extrusionOk="0">
+                <a:moveTo>
+                  <a:pt x="16124" y="4774"/>
+                </a:moveTo>
+                <a:lnTo>
+                  <a:pt x="15369" y="4774"/>
+                </a:lnTo>
+                <a:lnTo>
+                  <a:pt x="15369" y="4774"/>
+                </a:lnTo>
+                <a:lnTo>
+                  <a:pt x="15393" y="4482"/>
+                </a:lnTo>
+                <a:lnTo>
+                  <a:pt x="15393" y="4482"/>
+                </a:lnTo>
+                <a:lnTo>
+                  <a:pt x="15369" y="4189"/>
+                </a:lnTo>
+                <a:lnTo>
+                  <a:pt x="15344" y="3921"/>
+                </a:lnTo>
+                <a:lnTo>
+                  <a:pt x="15271" y="3654"/>
+                </a:lnTo>
+                <a:lnTo>
+                  <a:pt x="15174" y="3410"/>
+                </a:lnTo>
+                <a:lnTo>
+                  <a:pt x="15052" y="3166"/>
+                </a:lnTo>
+                <a:lnTo>
+                  <a:pt x="14930" y="2947"/>
+                </a:lnTo>
+                <a:lnTo>
+                  <a:pt x="14760" y="2728"/>
+                </a:lnTo>
+                <a:lnTo>
+                  <a:pt x="14589" y="2533"/>
+                </a:lnTo>
+                <a:lnTo>
+                  <a:pt x="14394" y="2363"/>
+                </a:lnTo>
+                <a:lnTo>
+                  <a:pt x="14175" y="2192"/>
+                </a:lnTo>
+                <a:lnTo>
+                  <a:pt x="13956" y="2070"/>
+                </a:lnTo>
+                <a:lnTo>
+                  <a:pt x="13712" y="1949"/>
+                </a:lnTo>
+                <a:lnTo>
+                  <a:pt x="13469" y="1851"/>
+                </a:lnTo>
+                <a:lnTo>
+                  <a:pt x="13201" y="1778"/>
+                </a:lnTo>
+                <a:lnTo>
+                  <a:pt x="12933" y="1754"/>
+                </a:lnTo>
+                <a:lnTo>
+                  <a:pt x="12641" y="1729"/>
+                </a:lnTo>
+                <a:lnTo>
+                  <a:pt x="12641" y="1729"/>
+                </a:lnTo>
+                <a:lnTo>
+                  <a:pt x="12300" y="1754"/>
+                </a:lnTo>
+                <a:lnTo>
+                  <a:pt x="11959" y="1827"/>
+                </a:lnTo>
+                <a:lnTo>
+                  <a:pt x="11618" y="1924"/>
+                </a:lnTo>
+                <a:lnTo>
+                  <a:pt x="11326" y="2070"/>
+                </a:lnTo>
+                <a:lnTo>
+                  <a:pt x="11326" y="2070"/>
+                </a:lnTo>
+                <a:lnTo>
+                  <a:pt x="11155" y="1851"/>
+                </a:lnTo>
+                <a:lnTo>
+                  <a:pt x="10985" y="1632"/>
+                </a:lnTo>
+                <a:lnTo>
+                  <a:pt x="10814" y="1413"/>
+                </a:lnTo>
+                <a:lnTo>
+                  <a:pt x="10619" y="1218"/>
+                </a:lnTo>
+                <a:lnTo>
+                  <a:pt x="10425" y="1048"/>
+                </a:lnTo>
+                <a:lnTo>
+                  <a:pt x="10205" y="877"/>
+                </a:lnTo>
+                <a:lnTo>
+                  <a:pt x="9962" y="707"/>
+                </a:lnTo>
+                <a:lnTo>
+                  <a:pt x="9718" y="560"/>
+                </a:lnTo>
+                <a:lnTo>
+                  <a:pt x="9475" y="439"/>
+                </a:lnTo>
+                <a:lnTo>
+                  <a:pt x="9231" y="317"/>
+                </a:lnTo>
+                <a:lnTo>
+                  <a:pt x="8963" y="219"/>
+                </a:lnTo>
+                <a:lnTo>
+                  <a:pt x="8695" y="146"/>
+                </a:lnTo>
+                <a:lnTo>
+                  <a:pt x="8403" y="73"/>
+                </a:lnTo>
+                <a:lnTo>
+                  <a:pt x="8135" y="25"/>
+                </a:lnTo>
+                <a:lnTo>
+                  <a:pt x="7843" y="0"/>
+                </a:lnTo>
+                <a:lnTo>
+                  <a:pt x="7551" y="0"/>
+                </a:lnTo>
+                <a:lnTo>
+                  <a:pt x="7551" y="0"/>
+                </a:lnTo>
+                <a:lnTo>
+                  <a:pt x="7088" y="25"/>
+                </a:lnTo>
+                <a:lnTo>
+                  <a:pt x="6650" y="98"/>
+                </a:lnTo>
+                <a:lnTo>
+                  <a:pt x="6211" y="195"/>
+                </a:lnTo>
+                <a:lnTo>
+                  <a:pt x="5797" y="341"/>
+                </a:lnTo>
+                <a:lnTo>
+                  <a:pt x="5407" y="536"/>
+                </a:lnTo>
+                <a:lnTo>
+                  <a:pt x="5042" y="755"/>
+                </a:lnTo>
+                <a:lnTo>
+                  <a:pt x="4701" y="1023"/>
+                </a:lnTo>
+                <a:lnTo>
+                  <a:pt x="4385" y="1315"/>
+                </a:lnTo>
+                <a:lnTo>
+                  <a:pt x="4092" y="1632"/>
+                </a:lnTo>
+                <a:lnTo>
+                  <a:pt x="3824" y="1973"/>
+                </a:lnTo>
+                <a:lnTo>
+                  <a:pt x="3605" y="2338"/>
+                </a:lnTo>
+                <a:lnTo>
+                  <a:pt x="3410" y="2728"/>
+                </a:lnTo>
+                <a:lnTo>
+                  <a:pt x="3264" y="3142"/>
+                </a:lnTo>
+                <a:lnTo>
+                  <a:pt x="3142" y="3580"/>
+                </a:lnTo>
+                <a:lnTo>
+                  <a:pt x="3094" y="4019"/>
+                </a:lnTo>
+                <a:lnTo>
+                  <a:pt x="3069" y="4482"/>
+                </a:lnTo>
+                <a:lnTo>
+                  <a:pt x="3069" y="4482"/>
+                </a:lnTo>
+                <a:lnTo>
+                  <a:pt x="3069" y="4774"/>
+                </a:lnTo>
+                <a:lnTo>
+                  <a:pt x="3021" y="4774"/>
+                </a:lnTo>
+                <a:lnTo>
+                  <a:pt x="3021" y="4774"/>
+                </a:lnTo>
+                <a:lnTo>
+                  <a:pt x="2704" y="4774"/>
+                </a:lnTo>
+                <a:lnTo>
+                  <a:pt x="2412" y="4823"/>
+                </a:lnTo>
+                <a:lnTo>
+                  <a:pt x="2120" y="4896"/>
+                </a:lnTo>
+                <a:lnTo>
+                  <a:pt x="1827" y="5017"/>
+                </a:lnTo>
+                <a:lnTo>
+                  <a:pt x="1584" y="5139"/>
+                </a:lnTo>
+                <a:lnTo>
+                  <a:pt x="1316" y="5285"/>
+                </a:lnTo>
+                <a:lnTo>
+                  <a:pt x="1097" y="5456"/>
+                </a:lnTo>
+                <a:lnTo>
+                  <a:pt x="877" y="5651"/>
+                </a:lnTo>
+                <a:lnTo>
+                  <a:pt x="683" y="5870"/>
+                </a:lnTo>
+                <a:lnTo>
+                  <a:pt x="512" y="6113"/>
+                </a:lnTo>
+                <a:lnTo>
+                  <a:pt x="366" y="6357"/>
+                </a:lnTo>
+                <a:lnTo>
+                  <a:pt x="220" y="6625"/>
+                </a:lnTo>
+                <a:lnTo>
+                  <a:pt x="122" y="6893"/>
+                </a:lnTo>
+                <a:lnTo>
+                  <a:pt x="49" y="7185"/>
+                </a:lnTo>
+                <a:lnTo>
+                  <a:pt x="1" y="7477"/>
+                </a:lnTo>
+                <a:lnTo>
+                  <a:pt x="1" y="7794"/>
+                </a:lnTo>
+                <a:lnTo>
+                  <a:pt x="1" y="7794"/>
+                </a:lnTo>
+                <a:lnTo>
+                  <a:pt x="1" y="8110"/>
+                </a:lnTo>
+                <a:lnTo>
+                  <a:pt x="49" y="8403"/>
+                </a:lnTo>
+                <a:lnTo>
+                  <a:pt x="122" y="8695"/>
+                </a:lnTo>
+                <a:lnTo>
+                  <a:pt x="220" y="8963"/>
+                </a:lnTo>
+                <a:lnTo>
+                  <a:pt x="366" y="9231"/>
+                </a:lnTo>
+                <a:lnTo>
+                  <a:pt x="512" y="9474"/>
+                </a:lnTo>
+                <a:lnTo>
+                  <a:pt x="683" y="9718"/>
+                </a:lnTo>
+                <a:lnTo>
+                  <a:pt x="877" y="9937"/>
+                </a:lnTo>
+                <a:lnTo>
+                  <a:pt x="1097" y="10132"/>
+                </a:lnTo>
+                <a:lnTo>
+                  <a:pt x="1316" y="10302"/>
+                </a:lnTo>
+                <a:lnTo>
+                  <a:pt x="1584" y="10449"/>
+                </a:lnTo>
+                <a:lnTo>
+                  <a:pt x="1827" y="10570"/>
+                </a:lnTo>
+                <a:lnTo>
+                  <a:pt x="2120" y="10692"/>
+                </a:lnTo>
+                <a:lnTo>
+                  <a:pt x="2412" y="10765"/>
+                </a:lnTo>
+                <a:lnTo>
+                  <a:pt x="2704" y="10814"/>
+                </a:lnTo>
+                <a:lnTo>
+                  <a:pt x="3021" y="10814"/>
+                </a:lnTo>
+                <a:lnTo>
+                  <a:pt x="16124" y="10814"/>
+                </a:lnTo>
+                <a:lnTo>
+                  <a:pt x="16124" y="10814"/>
+                </a:lnTo>
+                <a:lnTo>
+                  <a:pt x="16440" y="10814"/>
+                </a:lnTo>
+                <a:lnTo>
+                  <a:pt x="16732" y="10765"/>
+                </a:lnTo>
+                <a:lnTo>
+                  <a:pt x="17025" y="10692"/>
+                </a:lnTo>
+                <a:lnTo>
+                  <a:pt x="17317" y="10570"/>
+                </a:lnTo>
+                <a:lnTo>
+                  <a:pt x="17561" y="10449"/>
+                </a:lnTo>
+                <a:lnTo>
+                  <a:pt x="17828" y="10302"/>
+                </a:lnTo>
+                <a:lnTo>
+                  <a:pt x="18048" y="10132"/>
+                </a:lnTo>
+                <a:lnTo>
+                  <a:pt x="18267" y="9937"/>
+                </a:lnTo>
+                <a:lnTo>
+                  <a:pt x="18462" y="9718"/>
+                </a:lnTo>
+                <a:lnTo>
+                  <a:pt x="18632" y="9474"/>
+                </a:lnTo>
+                <a:lnTo>
+                  <a:pt x="18778" y="9231"/>
+                </a:lnTo>
+                <a:lnTo>
+                  <a:pt x="18924" y="8963"/>
+                </a:lnTo>
+                <a:lnTo>
+                  <a:pt x="19022" y="8695"/>
+                </a:lnTo>
+                <a:lnTo>
+                  <a:pt x="19095" y="8403"/>
+                </a:lnTo>
+                <a:lnTo>
+                  <a:pt x="19144" y="8110"/>
+                </a:lnTo>
+                <a:lnTo>
+                  <a:pt x="19144" y="7794"/>
+                </a:lnTo>
+                <a:lnTo>
+                  <a:pt x="19144" y="7794"/>
+                </a:lnTo>
+                <a:lnTo>
+                  <a:pt x="19144" y="7477"/>
+                </a:lnTo>
+                <a:lnTo>
+                  <a:pt x="19095" y="7185"/>
+                </a:lnTo>
+                <a:lnTo>
+                  <a:pt x="19022" y="6893"/>
+                </a:lnTo>
+                <a:lnTo>
+                  <a:pt x="18924" y="6625"/>
+                </a:lnTo>
+                <a:lnTo>
+                  <a:pt x="18778" y="6357"/>
+                </a:lnTo>
+                <a:lnTo>
+                  <a:pt x="18632" y="6113"/>
+                </a:lnTo>
+                <a:lnTo>
+                  <a:pt x="18462" y="5870"/>
+                </a:lnTo>
+                <a:lnTo>
+                  <a:pt x="18267" y="5651"/>
+                </a:lnTo>
+                <a:lnTo>
+                  <a:pt x="18048" y="5456"/>
+                </a:lnTo>
+                <a:lnTo>
+                  <a:pt x="17828" y="5285"/>
+                </a:lnTo>
+                <a:lnTo>
+                  <a:pt x="17561" y="5139"/>
+                </a:lnTo>
+                <a:lnTo>
+                  <a:pt x="17317" y="5017"/>
+                </a:lnTo>
+                <a:lnTo>
+                  <a:pt x="17025" y="4896"/>
+                </a:lnTo>
+                <a:lnTo>
+                  <a:pt x="16732" y="4823"/>
+                </a:lnTo>
+                <a:lnTo>
+                  <a:pt x="16440" y="4774"/>
+                </a:lnTo>
+                <a:lnTo>
+                  <a:pt x="16124" y="4774"/>
+                </a:lnTo>
+                <a:lnTo>
+                  <a:pt x="16124" y="4774"/>
+                </a:lnTo>
+                <a:close/>
+              </a:path>
+            </a:pathLst>
+          </a:custGeom>
+          <a:noFill/>
+          <a:ln w="38100" cap="rnd" cmpd="sng">
+            <a:solidFill>
+              <a:schemeClr val="tx1"/>
+            </a:solidFill>
+            <a:prstDash val="solid"/>
+            <a:round/>
+            <a:headEnd type="none" w="med" len="med"/>
+            <a:tailEnd type="none" w="med" len="med"/>
+          </a:ln>
+        </p:spPr>
+        <p:txBody>
+          <a:bodyPr lIns="91425" tIns="91425" rIns="91425" bIns="91425" anchor="ctr" anchorCtr="0">
+            <a:noAutofit/>
+          </a:bodyPr>
+          <a:lstStyle/>
+          <a:p>
+            <a:pPr lvl="0">
+              <a:spcBef>
+                <a:spcPts val="0"/>
+              </a:spcBef>
+              <a:buNone/>
+            </a:pPr>
+            <a:endParaRPr dirty="0"/>
+          </a:p>
+        </p:txBody>
+      </p:sp>
+      <p:sp>
+        <p:nvSpPr>
+          <p:cNvPr id="19" name="Shape 541"/>
+          <p:cNvSpPr/>
+          <p:nvPr/>
+        </p:nvSpPr>
+        <p:spPr>
+          <a:xfrm>
+            <a:off x="950568" y="602911"/>
+            <a:ext cx="1970755" cy="1199703"/>
+          </a:xfrm>
+          <a:custGeom>
+            <a:avLst/>
+            <a:gdLst/>
+            <a:ahLst/>
+            <a:cxnLst/>
+            <a:rect l="0" t="0" r="0" b="0"/>
+            <a:pathLst>
+              <a:path w="19144" h="10814" fill="none" extrusionOk="0">
+                <a:moveTo>
+                  <a:pt x="16124" y="4774"/>
+                </a:moveTo>
+                <a:lnTo>
+                  <a:pt x="15369" y="4774"/>
+                </a:lnTo>
+                <a:lnTo>
+                  <a:pt x="15369" y="4774"/>
+                </a:lnTo>
+                <a:lnTo>
+                  <a:pt x="15393" y="4482"/>
+                </a:lnTo>
+                <a:lnTo>
+                  <a:pt x="15393" y="4482"/>
+                </a:lnTo>
+                <a:lnTo>
+                  <a:pt x="15369" y="4189"/>
+                </a:lnTo>
+                <a:lnTo>
+                  <a:pt x="15344" y="3921"/>
+                </a:lnTo>
+                <a:lnTo>
+                  <a:pt x="15271" y="3654"/>
+                </a:lnTo>
+                <a:lnTo>
+                  <a:pt x="15174" y="3410"/>
+                </a:lnTo>
+                <a:lnTo>
+                  <a:pt x="15052" y="3166"/>
+                </a:lnTo>
+                <a:lnTo>
+                  <a:pt x="14930" y="2947"/>
+                </a:lnTo>
+                <a:lnTo>
+                  <a:pt x="14760" y="2728"/>
+                </a:lnTo>
+                <a:lnTo>
+                  <a:pt x="14589" y="2533"/>
+                </a:lnTo>
+                <a:lnTo>
+                  <a:pt x="14394" y="2363"/>
+                </a:lnTo>
+                <a:lnTo>
+                  <a:pt x="14175" y="2192"/>
+                </a:lnTo>
+                <a:lnTo>
+                  <a:pt x="13956" y="2070"/>
+                </a:lnTo>
+                <a:lnTo>
+                  <a:pt x="13712" y="1949"/>
+                </a:lnTo>
+                <a:lnTo>
+                  <a:pt x="13469" y="1851"/>
+                </a:lnTo>
+                <a:lnTo>
+                  <a:pt x="13201" y="1778"/>
+                </a:lnTo>
+                <a:lnTo>
+                  <a:pt x="12933" y="1754"/>
+                </a:lnTo>
+                <a:lnTo>
+                  <a:pt x="12641" y="1729"/>
+                </a:lnTo>
+                <a:lnTo>
+                  <a:pt x="12641" y="1729"/>
+                </a:lnTo>
+                <a:lnTo>
+                  <a:pt x="12300" y="1754"/>
+                </a:lnTo>
+                <a:lnTo>
+                  <a:pt x="11959" y="1827"/>
+                </a:lnTo>
+                <a:lnTo>
+                  <a:pt x="11618" y="1924"/>
+                </a:lnTo>
+                <a:lnTo>
+                  <a:pt x="11326" y="2070"/>
+                </a:lnTo>
+                <a:lnTo>
+                  <a:pt x="11326" y="2070"/>
+                </a:lnTo>
+                <a:lnTo>
+                  <a:pt x="11155" y="1851"/>
+                </a:lnTo>
+                <a:lnTo>
+                  <a:pt x="10985" y="1632"/>
+                </a:lnTo>
+                <a:lnTo>
+                  <a:pt x="10814" y="1413"/>
+                </a:lnTo>
+                <a:lnTo>
+                  <a:pt x="10619" y="1218"/>
+                </a:lnTo>
+                <a:lnTo>
+                  <a:pt x="10425" y="1048"/>
+                </a:lnTo>
+                <a:lnTo>
+                  <a:pt x="10205" y="877"/>
+                </a:lnTo>
+                <a:lnTo>
+                  <a:pt x="9962" y="707"/>
+                </a:lnTo>
+                <a:lnTo>
+                  <a:pt x="9718" y="560"/>
+                </a:lnTo>
+                <a:lnTo>
+                  <a:pt x="9475" y="439"/>
+                </a:lnTo>
+                <a:lnTo>
+                  <a:pt x="9231" y="317"/>
+                </a:lnTo>
+                <a:lnTo>
+                  <a:pt x="8963" y="219"/>
+                </a:lnTo>
+                <a:lnTo>
+                  <a:pt x="8695" y="146"/>
+                </a:lnTo>
+                <a:lnTo>
+                  <a:pt x="8403" y="73"/>
+                </a:lnTo>
+                <a:lnTo>
+                  <a:pt x="8135" y="25"/>
+                </a:lnTo>
+                <a:lnTo>
+                  <a:pt x="7843" y="0"/>
+                </a:lnTo>
+                <a:lnTo>
+                  <a:pt x="7551" y="0"/>
+                </a:lnTo>
+                <a:lnTo>
+                  <a:pt x="7551" y="0"/>
+                </a:lnTo>
+                <a:lnTo>
+                  <a:pt x="7088" y="25"/>
+                </a:lnTo>
+                <a:lnTo>
+                  <a:pt x="6650" y="98"/>
+                </a:lnTo>
+                <a:lnTo>
+                  <a:pt x="6211" y="195"/>
+                </a:lnTo>
+                <a:lnTo>
+                  <a:pt x="5797" y="341"/>
+                </a:lnTo>
+                <a:lnTo>
+                  <a:pt x="5407" y="536"/>
+                </a:lnTo>
+                <a:lnTo>
+                  <a:pt x="5042" y="755"/>
+                </a:lnTo>
+                <a:lnTo>
+                  <a:pt x="4701" y="1023"/>
+                </a:lnTo>
+                <a:lnTo>
+                  <a:pt x="4385" y="1315"/>
+                </a:lnTo>
+                <a:lnTo>
+                  <a:pt x="4092" y="1632"/>
+                </a:lnTo>
+                <a:lnTo>
+                  <a:pt x="3824" y="1973"/>
+                </a:lnTo>
+                <a:lnTo>
+                  <a:pt x="3605" y="2338"/>
+                </a:lnTo>
+                <a:lnTo>
+                  <a:pt x="3410" y="2728"/>
+                </a:lnTo>
+                <a:lnTo>
+                  <a:pt x="3264" y="3142"/>
+                </a:lnTo>
+                <a:lnTo>
+                  <a:pt x="3142" y="3580"/>
+                </a:lnTo>
+                <a:lnTo>
+                  <a:pt x="3094" y="4019"/>
+                </a:lnTo>
+                <a:lnTo>
+                  <a:pt x="3069" y="4482"/>
+                </a:lnTo>
+                <a:lnTo>
+                  <a:pt x="3069" y="4482"/>
+                </a:lnTo>
+                <a:lnTo>
+                  <a:pt x="3069" y="4774"/>
+                </a:lnTo>
+                <a:lnTo>
+                  <a:pt x="3021" y="4774"/>
+                </a:lnTo>
+                <a:lnTo>
+                  <a:pt x="3021" y="4774"/>
+                </a:lnTo>
+                <a:lnTo>
+                  <a:pt x="2704" y="4774"/>
+                </a:lnTo>
+                <a:lnTo>
+                  <a:pt x="2412" y="4823"/>
+                </a:lnTo>
+                <a:lnTo>
+                  <a:pt x="2120" y="4896"/>
+                </a:lnTo>
+                <a:lnTo>
+                  <a:pt x="1827" y="5017"/>
+                </a:lnTo>
+                <a:lnTo>
+                  <a:pt x="1584" y="5139"/>
+                </a:lnTo>
+                <a:lnTo>
+                  <a:pt x="1316" y="5285"/>
+                </a:lnTo>
+                <a:lnTo>
+                  <a:pt x="1097" y="5456"/>
+                </a:lnTo>
+                <a:lnTo>
+                  <a:pt x="877" y="5651"/>
+                </a:lnTo>
+                <a:lnTo>
+                  <a:pt x="683" y="5870"/>
+                </a:lnTo>
+                <a:lnTo>
+                  <a:pt x="512" y="6113"/>
+                </a:lnTo>
+                <a:lnTo>
+                  <a:pt x="366" y="6357"/>
+                </a:lnTo>
+                <a:lnTo>
+                  <a:pt x="220" y="6625"/>
+                </a:lnTo>
+                <a:lnTo>
+                  <a:pt x="122" y="6893"/>
+                </a:lnTo>
+                <a:lnTo>
+                  <a:pt x="49" y="7185"/>
+                </a:lnTo>
+                <a:lnTo>
+                  <a:pt x="1" y="7477"/>
+                </a:lnTo>
+                <a:lnTo>
+                  <a:pt x="1" y="7794"/>
+                </a:lnTo>
+                <a:lnTo>
+                  <a:pt x="1" y="7794"/>
+                </a:lnTo>
+                <a:lnTo>
+                  <a:pt x="1" y="8110"/>
+                </a:lnTo>
+                <a:lnTo>
+                  <a:pt x="49" y="8403"/>
+                </a:lnTo>
+                <a:lnTo>
+                  <a:pt x="122" y="8695"/>
+                </a:lnTo>
+                <a:lnTo>
+                  <a:pt x="220" y="8963"/>
+                </a:lnTo>
+                <a:lnTo>
+                  <a:pt x="366" y="9231"/>
+                </a:lnTo>
+                <a:lnTo>
+                  <a:pt x="512" y="9474"/>
+                </a:lnTo>
+                <a:lnTo>
+                  <a:pt x="683" y="9718"/>
+                </a:lnTo>
+                <a:lnTo>
+                  <a:pt x="877" y="9937"/>
+                </a:lnTo>
+                <a:lnTo>
+                  <a:pt x="1097" y="10132"/>
+                </a:lnTo>
+                <a:lnTo>
+                  <a:pt x="1316" y="10302"/>
+                </a:lnTo>
+                <a:lnTo>
+                  <a:pt x="1584" y="10449"/>
+                </a:lnTo>
+                <a:lnTo>
+                  <a:pt x="1827" y="10570"/>
+                </a:lnTo>
+                <a:lnTo>
+                  <a:pt x="2120" y="10692"/>
+                </a:lnTo>
+                <a:lnTo>
+                  <a:pt x="2412" y="10765"/>
+                </a:lnTo>
+                <a:lnTo>
+                  <a:pt x="2704" y="10814"/>
+                </a:lnTo>
+                <a:lnTo>
+                  <a:pt x="3021" y="10814"/>
+                </a:lnTo>
+                <a:lnTo>
+                  <a:pt x="16124" y="10814"/>
+                </a:lnTo>
+                <a:lnTo>
+                  <a:pt x="16124" y="10814"/>
+                </a:lnTo>
+                <a:lnTo>
+                  <a:pt x="16440" y="10814"/>
+                </a:lnTo>
+                <a:lnTo>
+                  <a:pt x="16732" y="10765"/>
+                </a:lnTo>
+                <a:lnTo>
+                  <a:pt x="17025" y="10692"/>
+                </a:lnTo>
+                <a:lnTo>
+                  <a:pt x="17317" y="10570"/>
+                </a:lnTo>
+                <a:lnTo>
+                  <a:pt x="17561" y="10449"/>
+                </a:lnTo>
+                <a:lnTo>
+                  <a:pt x="17828" y="10302"/>
+                </a:lnTo>
+                <a:lnTo>
+                  <a:pt x="18048" y="10132"/>
+                </a:lnTo>
+                <a:lnTo>
+                  <a:pt x="18267" y="9937"/>
+                </a:lnTo>
+                <a:lnTo>
+                  <a:pt x="18462" y="9718"/>
+                </a:lnTo>
+                <a:lnTo>
+                  <a:pt x="18632" y="9474"/>
+                </a:lnTo>
+                <a:lnTo>
+                  <a:pt x="18778" y="9231"/>
+                </a:lnTo>
+                <a:lnTo>
+                  <a:pt x="18924" y="8963"/>
+                </a:lnTo>
+                <a:lnTo>
+                  <a:pt x="19022" y="8695"/>
+                </a:lnTo>
+                <a:lnTo>
+                  <a:pt x="19095" y="8403"/>
+                </a:lnTo>
+                <a:lnTo>
+                  <a:pt x="19144" y="8110"/>
+                </a:lnTo>
+                <a:lnTo>
+                  <a:pt x="19144" y="7794"/>
+                </a:lnTo>
+                <a:lnTo>
+                  <a:pt x="19144" y="7794"/>
+                </a:lnTo>
+                <a:lnTo>
+                  <a:pt x="19144" y="7477"/>
+                </a:lnTo>
+                <a:lnTo>
+                  <a:pt x="19095" y="7185"/>
+                </a:lnTo>
+                <a:lnTo>
+                  <a:pt x="19022" y="6893"/>
+                </a:lnTo>
+                <a:lnTo>
+                  <a:pt x="18924" y="6625"/>
+                </a:lnTo>
+                <a:lnTo>
+                  <a:pt x="18778" y="6357"/>
+                </a:lnTo>
+                <a:lnTo>
+                  <a:pt x="18632" y="6113"/>
+                </a:lnTo>
+                <a:lnTo>
+                  <a:pt x="18462" y="5870"/>
+                </a:lnTo>
+                <a:lnTo>
+                  <a:pt x="18267" y="5651"/>
+                </a:lnTo>
+                <a:lnTo>
+                  <a:pt x="18048" y="5456"/>
+                </a:lnTo>
+                <a:lnTo>
+                  <a:pt x="17828" y="5285"/>
+                </a:lnTo>
+                <a:lnTo>
+                  <a:pt x="17561" y="5139"/>
+                </a:lnTo>
+                <a:lnTo>
+                  <a:pt x="17317" y="5017"/>
+                </a:lnTo>
+                <a:lnTo>
+                  <a:pt x="17025" y="4896"/>
+                </a:lnTo>
+                <a:lnTo>
+                  <a:pt x="16732" y="4823"/>
+                </a:lnTo>
+                <a:lnTo>
+                  <a:pt x="16440" y="4774"/>
+                </a:lnTo>
+                <a:lnTo>
+                  <a:pt x="16124" y="4774"/>
+                </a:lnTo>
+                <a:lnTo>
+                  <a:pt x="16124" y="4774"/>
+                </a:lnTo>
+                <a:close/>
+              </a:path>
+            </a:pathLst>
+          </a:custGeom>
+          <a:noFill/>
+          <a:ln w="38100" cap="rnd" cmpd="sng">
+            <a:solidFill>
+              <a:schemeClr val="tx1">
+                <a:lumMod val="95000"/>
+                <a:lumOff val="5000"/>
+              </a:schemeClr>
+            </a:solidFill>
+            <a:prstDash val="solid"/>
+            <a:round/>
+            <a:headEnd type="none" w="med" len="med"/>
+            <a:tailEnd type="none" w="med" len="med"/>
+          </a:ln>
+        </p:spPr>
+        <p:txBody>
+          <a:bodyPr lIns="91425" tIns="91425" rIns="91425" bIns="91425" anchor="ctr" anchorCtr="0">
+            <a:noAutofit/>
+          </a:bodyPr>
+          <a:lstStyle/>
+          <a:p>
+            <a:pPr lvl="0">
+              <a:spcBef>
+                <a:spcPts val="0"/>
+              </a:spcBef>
+              <a:buNone/>
+            </a:pPr>
+            <a:endParaRPr dirty="0"/>
+          </a:p>
+        </p:txBody>
+      </p:sp>
+      <p:sp>
+        <p:nvSpPr>
+          <p:cNvPr id="20" name="Shape 541"/>
+          <p:cNvSpPr/>
+          <p:nvPr/>
+        </p:nvSpPr>
+        <p:spPr>
+          <a:xfrm>
+            <a:off x="3945521" y="112543"/>
+            <a:ext cx="2472140" cy="1368558"/>
+          </a:xfrm>
+          <a:custGeom>
+            <a:avLst/>
+            <a:gdLst/>
+            <a:ahLst/>
+            <a:cxnLst/>
+            <a:rect l="0" t="0" r="0" b="0"/>
+            <a:pathLst>
+              <a:path w="19144" h="10814" fill="none" extrusionOk="0">
+                <a:moveTo>
+                  <a:pt x="16124" y="4774"/>
+                </a:moveTo>
+                <a:lnTo>
+                  <a:pt x="15369" y="4774"/>
+                </a:lnTo>
+                <a:lnTo>
+                  <a:pt x="15369" y="4774"/>
+                </a:lnTo>
+                <a:lnTo>
+                  <a:pt x="15393" y="4482"/>
+                </a:lnTo>
+                <a:lnTo>
+                  <a:pt x="15393" y="4482"/>
+                </a:lnTo>
+                <a:lnTo>
+                  <a:pt x="15369" y="4189"/>
+                </a:lnTo>
+                <a:lnTo>
+                  <a:pt x="15344" y="3921"/>
+                </a:lnTo>
+                <a:lnTo>
+                  <a:pt x="15271" y="3654"/>
+                </a:lnTo>
+                <a:lnTo>
+                  <a:pt x="15174" y="3410"/>
+                </a:lnTo>
+                <a:lnTo>
+                  <a:pt x="15052" y="3166"/>
+                </a:lnTo>
+                <a:lnTo>
+                  <a:pt x="14930" y="2947"/>
+                </a:lnTo>
+                <a:lnTo>
+                  <a:pt x="14760" y="2728"/>
+                </a:lnTo>
+                <a:lnTo>
+                  <a:pt x="14589" y="2533"/>
+                </a:lnTo>
+                <a:lnTo>
+                  <a:pt x="14394" y="2363"/>
+                </a:lnTo>
+                <a:lnTo>
+                  <a:pt x="14175" y="2192"/>
+                </a:lnTo>
+                <a:lnTo>
+                  <a:pt x="13956" y="2070"/>
+                </a:lnTo>
+                <a:lnTo>
+                  <a:pt x="13712" y="1949"/>
+                </a:lnTo>
+                <a:lnTo>
+                  <a:pt x="13469" y="1851"/>
+                </a:lnTo>
+                <a:lnTo>
+                  <a:pt x="13201" y="1778"/>
+                </a:lnTo>
+                <a:lnTo>
+                  <a:pt x="12933" y="1754"/>
+                </a:lnTo>
+                <a:lnTo>
+                  <a:pt x="12641" y="1729"/>
+                </a:lnTo>
+                <a:lnTo>
+                  <a:pt x="12641" y="1729"/>
+                </a:lnTo>
+                <a:lnTo>
+                  <a:pt x="12300" y="1754"/>
+                </a:lnTo>
+                <a:lnTo>
+                  <a:pt x="11959" y="1827"/>
+                </a:lnTo>
+                <a:lnTo>
+                  <a:pt x="11618" y="1924"/>
+                </a:lnTo>
+                <a:lnTo>
+                  <a:pt x="11326" y="2070"/>
+                </a:lnTo>
+                <a:lnTo>
+                  <a:pt x="11326" y="2070"/>
+                </a:lnTo>
+                <a:lnTo>
+                  <a:pt x="11155" y="1851"/>
+                </a:lnTo>
+                <a:lnTo>
+                  <a:pt x="10985" y="1632"/>
+                </a:lnTo>
+                <a:lnTo>
+                  <a:pt x="10814" y="1413"/>
+                </a:lnTo>
+                <a:lnTo>
+                  <a:pt x="10619" y="1218"/>
+                </a:lnTo>
+                <a:lnTo>
+                  <a:pt x="10425" y="1048"/>
+                </a:lnTo>
+                <a:lnTo>
+                  <a:pt x="10205" y="877"/>
+                </a:lnTo>
+                <a:lnTo>
+                  <a:pt x="9962" y="707"/>
+                </a:lnTo>
+                <a:lnTo>
+                  <a:pt x="9718" y="560"/>
+                </a:lnTo>
+                <a:lnTo>
+                  <a:pt x="9475" y="439"/>
+                </a:lnTo>
+                <a:lnTo>
+                  <a:pt x="9231" y="317"/>
+                </a:lnTo>
+                <a:lnTo>
+                  <a:pt x="8963" y="219"/>
+                </a:lnTo>
+                <a:lnTo>
+                  <a:pt x="8695" y="146"/>
+                </a:lnTo>
+                <a:lnTo>
+                  <a:pt x="8403" y="73"/>
+                </a:lnTo>
+                <a:lnTo>
+                  <a:pt x="8135" y="25"/>
+                </a:lnTo>
+                <a:lnTo>
+                  <a:pt x="7843" y="0"/>
+                </a:lnTo>
+                <a:lnTo>
+                  <a:pt x="7551" y="0"/>
+                </a:lnTo>
+                <a:lnTo>
+                  <a:pt x="7551" y="0"/>
+                </a:lnTo>
+                <a:lnTo>
+                  <a:pt x="7088" y="25"/>
+                </a:lnTo>
+                <a:lnTo>
+                  <a:pt x="6650" y="98"/>
+                </a:lnTo>
+                <a:lnTo>
+                  <a:pt x="6211" y="195"/>
+                </a:lnTo>
+                <a:lnTo>
+                  <a:pt x="5797" y="341"/>
+                </a:lnTo>
+                <a:lnTo>
+                  <a:pt x="5407" y="536"/>
+                </a:lnTo>
+                <a:lnTo>
+                  <a:pt x="5042" y="755"/>
+                </a:lnTo>
+                <a:lnTo>
+                  <a:pt x="4701" y="1023"/>
+                </a:lnTo>
+                <a:lnTo>
+                  <a:pt x="4385" y="1315"/>
+                </a:lnTo>
+                <a:lnTo>
+                  <a:pt x="4092" y="1632"/>
+                </a:lnTo>
+                <a:lnTo>
+                  <a:pt x="3824" y="1973"/>
+                </a:lnTo>
+                <a:lnTo>
+                  <a:pt x="3605" y="2338"/>
+                </a:lnTo>
+                <a:lnTo>
+                  <a:pt x="3410" y="2728"/>
+                </a:lnTo>
+                <a:lnTo>
+                  <a:pt x="3264" y="3142"/>
+                </a:lnTo>
+                <a:lnTo>
+                  <a:pt x="3142" y="3580"/>
+                </a:lnTo>
+                <a:lnTo>
+                  <a:pt x="3094" y="4019"/>
+                </a:lnTo>
+                <a:lnTo>
+                  <a:pt x="3069" y="4482"/>
+                </a:lnTo>
+                <a:lnTo>
+                  <a:pt x="3069" y="4482"/>
+                </a:lnTo>
+                <a:lnTo>
+                  <a:pt x="3069" y="4774"/>
+                </a:lnTo>
+                <a:lnTo>
+                  <a:pt x="3021" y="4774"/>
+                </a:lnTo>
+                <a:lnTo>
+                  <a:pt x="3021" y="4774"/>
+                </a:lnTo>
+                <a:lnTo>
+                  <a:pt x="2704" y="4774"/>
+                </a:lnTo>
+                <a:lnTo>
+                  <a:pt x="2412" y="4823"/>
+                </a:lnTo>
+                <a:lnTo>
+                  <a:pt x="2120" y="4896"/>
+                </a:lnTo>
+                <a:lnTo>
+                  <a:pt x="1827" y="5017"/>
+                </a:lnTo>
+                <a:lnTo>
+                  <a:pt x="1584" y="5139"/>
+                </a:lnTo>
+                <a:lnTo>
+                  <a:pt x="1316" y="5285"/>
+                </a:lnTo>
+                <a:lnTo>
+                  <a:pt x="1097" y="5456"/>
+                </a:lnTo>
+                <a:lnTo>
+                  <a:pt x="877" y="5651"/>
+                </a:lnTo>
+                <a:lnTo>
+                  <a:pt x="683" y="5870"/>
+                </a:lnTo>
+                <a:lnTo>
+                  <a:pt x="512" y="6113"/>
+                </a:lnTo>
+                <a:lnTo>
+                  <a:pt x="366" y="6357"/>
+                </a:lnTo>
+                <a:lnTo>
+                  <a:pt x="220" y="6625"/>
+                </a:lnTo>
+                <a:lnTo>
+                  <a:pt x="122" y="6893"/>
+                </a:lnTo>
+                <a:lnTo>
+                  <a:pt x="49" y="7185"/>
+                </a:lnTo>
+                <a:lnTo>
+                  <a:pt x="1" y="7477"/>
+                </a:lnTo>
+                <a:lnTo>
+                  <a:pt x="1" y="7794"/>
+                </a:lnTo>
+                <a:lnTo>
+                  <a:pt x="1" y="7794"/>
+                </a:lnTo>
+                <a:lnTo>
+                  <a:pt x="1" y="8110"/>
+                </a:lnTo>
+                <a:lnTo>
+                  <a:pt x="49" y="8403"/>
+                </a:lnTo>
+                <a:lnTo>
+                  <a:pt x="122" y="8695"/>
+                </a:lnTo>
+                <a:lnTo>
+                  <a:pt x="220" y="8963"/>
+                </a:lnTo>
+                <a:lnTo>
+                  <a:pt x="366" y="9231"/>
+                </a:lnTo>
+                <a:lnTo>
+                  <a:pt x="512" y="9474"/>
+                </a:lnTo>
+                <a:lnTo>
+                  <a:pt x="683" y="9718"/>
+                </a:lnTo>
+                <a:lnTo>
+                  <a:pt x="877" y="9937"/>
+                </a:lnTo>
+                <a:lnTo>
+                  <a:pt x="1097" y="10132"/>
+                </a:lnTo>
+                <a:lnTo>
+                  <a:pt x="1316" y="10302"/>
+                </a:lnTo>
+                <a:lnTo>
+                  <a:pt x="1584" y="10449"/>
+                </a:lnTo>
+                <a:lnTo>
+                  <a:pt x="1827" y="10570"/>
+                </a:lnTo>
+                <a:lnTo>
+                  <a:pt x="2120" y="10692"/>
+                </a:lnTo>
+                <a:lnTo>
+                  <a:pt x="2412" y="10765"/>
+                </a:lnTo>
+                <a:lnTo>
+                  <a:pt x="2704" y="10814"/>
+                </a:lnTo>
+                <a:lnTo>
+                  <a:pt x="3021" y="10814"/>
+                </a:lnTo>
+                <a:lnTo>
+                  <a:pt x="16124" y="10814"/>
+                </a:lnTo>
+                <a:lnTo>
+                  <a:pt x="16124" y="10814"/>
+                </a:lnTo>
+                <a:lnTo>
+                  <a:pt x="16440" y="10814"/>
+                </a:lnTo>
+                <a:lnTo>
+                  <a:pt x="16732" y="10765"/>
+                </a:lnTo>
+                <a:lnTo>
+                  <a:pt x="17025" y="10692"/>
+                </a:lnTo>
+                <a:lnTo>
+                  <a:pt x="17317" y="10570"/>
+                </a:lnTo>
+                <a:lnTo>
+                  <a:pt x="17561" y="10449"/>
+                </a:lnTo>
+                <a:lnTo>
+                  <a:pt x="17828" y="10302"/>
+                </a:lnTo>
+                <a:lnTo>
+                  <a:pt x="18048" y="10132"/>
+                </a:lnTo>
+                <a:lnTo>
+                  <a:pt x="18267" y="9937"/>
+                </a:lnTo>
+                <a:lnTo>
+                  <a:pt x="18462" y="9718"/>
+                </a:lnTo>
+                <a:lnTo>
+                  <a:pt x="18632" y="9474"/>
+                </a:lnTo>
+                <a:lnTo>
+                  <a:pt x="18778" y="9231"/>
+                </a:lnTo>
+                <a:lnTo>
+                  <a:pt x="18924" y="8963"/>
+                </a:lnTo>
+                <a:lnTo>
+                  <a:pt x="19022" y="8695"/>
+                </a:lnTo>
+                <a:lnTo>
+                  <a:pt x="19095" y="8403"/>
+                </a:lnTo>
+                <a:lnTo>
+                  <a:pt x="19144" y="8110"/>
+                </a:lnTo>
+                <a:lnTo>
+                  <a:pt x="19144" y="7794"/>
+                </a:lnTo>
+                <a:lnTo>
+                  <a:pt x="19144" y="7794"/>
+                </a:lnTo>
+                <a:lnTo>
+                  <a:pt x="19144" y="7477"/>
+                </a:lnTo>
+                <a:lnTo>
+                  <a:pt x="19095" y="7185"/>
+                </a:lnTo>
+                <a:lnTo>
+                  <a:pt x="19022" y="6893"/>
+                </a:lnTo>
+                <a:lnTo>
+                  <a:pt x="18924" y="6625"/>
+                </a:lnTo>
+                <a:lnTo>
+                  <a:pt x="18778" y="6357"/>
+                </a:lnTo>
+                <a:lnTo>
+                  <a:pt x="18632" y="6113"/>
+                </a:lnTo>
+                <a:lnTo>
+                  <a:pt x="18462" y="5870"/>
+                </a:lnTo>
+                <a:lnTo>
+                  <a:pt x="18267" y="5651"/>
+                </a:lnTo>
+                <a:lnTo>
+                  <a:pt x="18048" y="5456"/>
+                </a:lnTo>
+                <a:lnTo>
+                  <a:pt x="17828" y="5285"/>
+                </a:lnTo>
+                <a:lnTo>
+                  <a:pt x="17561" y="5139"/>
+                </a:lnTo>
+                <a:lnTo>
+                  <a:pt x="17317" y="5017"/>
+                </a:lnTo>
+                <a:lnTo>
+                  <a:pt x="17025" y="4896"/>
+                </a:lnTo>
+                <a:lnTo>
+                  <a:pt x="16732" y="4823"/>
+                </a:lnTo>
+                <a:lnTo>
+                  <a:pt x="16440" y="4774"/>
+                </a:lnTo>
+                <a:lnTo>
+                  <a:pt x="16124" y="4774"/>
+                </a:lnTo>
+                <a:lnTo>
+                  <a:pt x="16124" y="4774"/>
+                </a:lnTo>
+                <a:close/>
+              </a:path>
+            </a:pathLst>
+          </a:custGeom>
+          <a:noFill/>
+          <a:ln w="38100" cap="rnd" cmpd="sng">
+            <a:solidFill>
+              <a:schemeClr val="tx1"/>
+            </a:solidFill>
+            <a:prstDash val="solid"/>
+            <a:round/>
+            <a:headEnd type="none" w="med" len="med"/>
+            <a:tailEnd type="none" w="med" len="med"/>
+          </a:ln>
+        </p:spPr>
+        <p:txBody>
+          <a:bodyPr lIns="91425" tIns="91425" rIns="91425" bIns="91425" anchor="ctr" anchorCtr="0">
+            <a:noAutofit/>
+          </a:bodyPr>
+          <a:lstStyle/>
+          <a:p>
+            <a:pPr lvl="0">
+              <a:spcBef>
+                <a:spcPts val="0"/>
+              </a:spcBef>
+              <a:buNone/>
+            </a:pPr>
+            <a:endParaRPr dirty="0"/>
+          </a:p>
+        </p:txBody>
+      </p:sp>
+      <p:sp>
+        <p:nvSpPr>
+          <p:cNvPr id="7" name="TextBox 6"/>
+          <p:cNvSpPr txBox="1"/>
+          <p:nvPr/>
+        </p:nvSpPr>
+        <p:spPr>
+          <a:xfrm>
+            <a:off x="1264815" y="1159585"/>
+            <a:ext cx="1322363" cy="523220"/>
+          </a:xfrm>
+          <a:prstGeom prst="rect">
+            <a:avLst/>
+          </a:prstGeom>
+          <a:noFill/>
+        </p:spPr>
+        <p:txBody>
+          <a:bodyPr wrap="square" rtlCol="0">
+            <a:spAutoFit/>
+          </a:bodyPr>
+          <a:lstStyle/>
+          <a:p>
+            <a:r>
+              <a:rPr lang="en-ZA" sz="2800" b="1" spc="50" dirty="0">
+                <a:ln w="9525" cmpd="sng">
+                  <a:solidFill>
+                    <a:schemeClr val="accent1"/>
+                  </a:solidFill>
+                  <a:prstDash val="solid"/>
+                </a:ln>
+                <a:solidFill>
+                  <a:srgbClr val="70AD47">
+                    <a:tint val="1000"/>
+                  </a:srgbClr>
+                </a:solidFill>
+                <a:effectLst>
+                  <a:glow rad="38100">
+                    <a:schemeClr val="accent1">
+                      <a:alpha val="40000"/>
+                    </a:schemeClr>
+                  </a:glow>
+                </a:effectLst>
+                <a:latin typeface="Broadway" panose="04040905080B02020502" pitchFamily="82" charset="0"/>
+              </a:rPr>
+              <a:t>USGS</a:t>
+            </a:r>
+          </a:p>
+        </p:txBody>
+      </p:sp>
+      <p:sp>
+        <p:nvSpPr>
+          <p:cNvPr id="14" name="TextBox 13"/>
+          <p:cNvSpPr txBox="1"/>
+          <p:nvPr/>
+        </p:nvSpPr>
+        <p:spPr>
+          <a:xfrm>
+            <a:off x="3989518" y="768122"/>
+            <a:ext cx="2626783" cy="707886"/>
+          </a:xfrm>
+          <a:prstGeom prst="rect">
+            <a:avLst/>
+          </a:prstGeom>
+          <a:noFill/>
+        </p:spPr>
+        <p:txBody>
+          <a:bodyPr wrap="square" rtlCol="0">
+            <a:spAutoFit/>
+          </a:bodyPr>
+          <a:lstStyle/>
+          <a:p>
+            <a:r>
+              <a:rPr lang="en-ZA" sz="2000" b="1" spc="50" dirty="0">
+                <a:ln w="9525" cmpd="sng">
+                  <a:solidFill>
+                    <a:schemeClr val="accent1"/>
+                  </a:solidFill>
+                  <a:prstDash val="solid"/>
+                </a:ln>
+                <a:solidFill>
+                  <a:srgbClr val="70AD47">
+                    <a:tint val="1000"/>
+                  </a:srgbClr>
+                </a:solidFill>
+                <a:effectLst>
+                  <a:glow rad="38100">
+                    <a:schemeClr val="accent1">
+                      <a:alpha val="40000"/>
+                    </a:schemeClr>
+                  </a:glow>
+                </a:effectLst>
+                <a:latin typeface="Broadway" panose="04040905080B02020502" pitchFamily="82" charset="0"/>
+              </a:rPr>
+              <a:t>OPENWEATHER</a:t>
+            </a:r>
+            <a:r>
+              <a:rPr lang="en-ZA" b="1" spc="50" dirty="0">
+                <a:ln w="9525" cmpd="sng">
+                  <a:solidFill>
+                    <a:schemeClr val="accent1"/>
+                  </a:solidFill>
+                  <a:prstDash val="solid"/>
+                </a:ln>
+                <a:solidFill>
+                  <a:srgbClr val="70AD47">
+                    <a:tint val="1000"/>
+                  </a:srgbClr>
+                </a:solidFill>
+                <a:effectLst>
+                  <a:glow rad="38100">
+                    <a:schemeClr val="accent1">
+                      <a:alpha val="40000"/>
+                    </a:schemeClr>
+                  </a:glow>
+                </a:effectLst>
+                <a:latin typeface="Broadway" panose="04040905080B02020502" pitchFamily="82" charset="0"/>
+              </a:rPr>
+              <a:t> </a:t>
+            </a:r>
+          </a:p>
+          <a:p>
+            <a:r>
+              <a:rPr lang="en-ZA" b="1" spc="50" dirty="0">
+                <a:ln w="9525" cmpd="sng">
+                  <a:solidFill>
+                    <a:schemeClr val="accent1"/>
+                  </a:solidFill>
+                  <a:prstDash val="solid"/>
+                </a:ln>
+                <a:solidFill>
+                  <a:srgbClr val="70AD47">
+                    <a:tint val="1000"/>
+                  </a:srgbClr>
+                </a:solidFill>
+                <a:effectLst>
+                  <a:glow rad="38100">
+                    <a:schemeClr val="accent1">
+                      <a:alpha val="40000"/>
+                    </a:schemeClr>
+                  </a:glow>
+                </a:effectLst>
+                <a:latin typeface="Broadway" panose="04040905080B02020502" pitchFamily="82" charset="0"/>
+              </a:rPr>
+              <a:t>                </a:t>
+            </a:r>
+            <a:r>
+              <a:rPr lang="en-ZA" sz="2000" b="1" spc="50" dirty="0">
+                <a:ln w="9525" cmpd="sng">
+                  <a:solidFill>
+                    <a:schemeClr val="accent1"/>
+                  </a:solidFill>
+                  <a:prstDash val="solid"/>
+                </a:ln>
+                <a:solidFill>
+                  <a:srgbClr val="70AD47">
+                    <a:tint val="1000"/>
+                  </a:srgbClr>
+                </a:solidFill>
+                <a:effectLst>
+                  <a:glow rad="38100">
+                    <a:schemeClr val="accent1">
+                      <a:alpha val="40000"/>
+                    </a:schemeClr>
+                  </a:glow>
+                </a:effectLst>
+                <a:latin typeface="Broadway" panose="04040905080B02020502" pitchFamily="82" charset="0"/>
+              </a:rPr>
+              <a:t>MAP</a:t>
+            </a:r>
+          </a:p>
+        </p:txBody>
+      </p:sp>
+      <p:sp>
+        <p:nvSpPr>
+          <p:cNvPr id="16" name="TextBox 15"/>
+          <p:cNvSpPr txBox="1"/>
+          <p:nvPr/>
+        </p:nvSpPr>
+        <p:spPr>
+          <a:xfrm>
+            <a:off x="2921323" y="1749254"/>
+            <a:ext cx="1242706" cy="523220"/>
+          </a:xfrm>
+          <a:prstGeom prst="rect">
+            <a:avLst/>
+          </a:prstGeom>
+          <a:noFill/>
+        </p:spPr>
+        <p:txBody>
+          <a:bodyPr wrap="square" rtlCol="0">
+            <a:spAutoFit/>
+          </a:bodyPr>
+          <a:lstStyle/>
+          <a:p>
+            <a:r>
+              <a:rPr lang="en-ZA" sz="2800" b="1" spc="50" dirty="0">
+                <a:ln w="9525" cmpd="sng">
+                  <a:solidFill>
+                    <a:schemeClr val="accent1"/>
+                  </a:solidFill>
+                  <a:prstDash val="solid"/>
+                </a:ln>
+                <a:solidFill>
+                  <a:srgbClr val="70AD47">
+                    <a:tint val="1000"/>
+                  </a:srgbClr>
+                </a:solidFill>
+                <a:effectLst>
+                  <a:glow rad="38100">
+                    <a:schemeClr val="accent1">
+                      <a:alpha val="40000"/>
+                    </a:schemeClr>
+                  </a:glow>
+                </a:effectLst>
+                <a:latin typeface="Broadway" panose="04040905080B02020502" pitchFamily="82" charset="0"/>
+              </a:rPr>
+              <a:t>NASA</a:t>
+            </a:r>
+          </a:p>
+        </p:txBody>
+      </p:sp>
+      <p:sp>
+        <p:nvSpPr>
+          <p:cNvPr id="25" name="Arrow: Down 24"/>
+          <p:cNvSpPr/>
+          <p:nvPr/>
+        </p:nvSpPr>
+        <p:spPr>
+          <a:xfrm>
+            <a:off x="3231999" y="2543410"/>
+            <a:ext cx="621353" cy="1220870"/>
+          </a:xfrm>
+          <a:prstGeom prst="downArrow">
+            <a:avLst/>
+          </a:prstGeom>
+          <a:solidFill>
+            <a:schemeClr val="tx1"/>
+          </a:solidFill>
+          <a:ln>
+            <a:solidFill>
+              <a:schemeClr val="tx1"/>
+            </a:solidFill>
+          </a:ln>
+        </p:spPr>
+        <p:style>
+          <a:lnRef idx="2">
+            <a:schemeClr val="accent1">
+              <a:shade val="50000"/>
+            </a:schemeClr>
+          </a:lnRef>
+          <a:fillRef idx="1">
+            <a:schemeClr val="accent1"/>
+          </a:fillRef>
+          <a:effectRef idx="0">
+            <a:schemeClr val="accent1"/>
+          </a:effectRef>
+          <a:fontRef idx="minor">
+            <a:schemeClr val="lt1"/>
+          </a:fontRef>
+        </p:style>
+        <p:txBody>
+          <a:bodyPr rtlCol="0" anchor="ctr"/>
+          <a:lstStyle/>
+          <a:p>
+            <a:pPr algn="ctr"/>
+            <a:endParaRPr lang="en-ZA"/>
+          </a:p>
+        </p:txBody>
+      </p:sp>
+      <p:sp>
+        <p:nvSpPr>
+          <p:cNvPr id="30" name="Arrow: Down 29"/>
+          <p:cNvSpPr/>
+          <p:nvPr/>
+        </p:nvSpPr>
+        <p:spPr>
+          <a:xfrm rot="20282158">
+            <a:off x="1709328" y="1895054"/>
+            <a:ext cx="621353" cy="1931662"/>
+          </a:xfrm>
+          <a:prstGeom prst="downArrow">
+            <a:avLst/>
+          </a:prstGeom>
+          <a:solidFill>
+            <a:schemeClr val="tx1"/>
+          </a:solidFill>
+          <a:ln>
+            <a:solidFill>
+              <a:schemeClr val="tx1"/>
+            </a:solidFill>
+          </a:ln>
+        </p:spPr>
+        <p:style>
+          <a:lnRef idx="2">
+            <a:schemeClr val="accent1">
+              <a:shade val="50000"/>
+            </a:schemeClr>
+          </a:lnRef>
+          <a:fillRef idx="1">
+            <a:schemeClr val="accent1"/>
+          </a:fillRef>
+          <a:effectRef idx="0">
+            <a:schemeClr val="accent1"/>
+          </a:effectRef>
+          <a:fontRef idx="minor">
+            <a:schemeClr val="lt1"/>
+          </a:fontRef>
+        </p:style>
+        <p:txBody>
+          <a:bodyPr rtlCol="0" anchor="ctr"/>
+          <a:lstStyle/>
+          <a:p>
+            <a:pPr algn="ctr"/>
+            <a:endParaRPr lang="en-ZA">
+              <a:effectLst>
+                <a:glow rad="228600">
+                  <a:schemeClr val="accent2">
+                    <a:satMod val="175000"/>
+                    <a:alpha val="40000"/>
+                  </a:schemeClr>
+                </a:glow>
+              </a:effectLst>
+            </a:endParaRPr>
+          </a:p>
+        </p:txBody>
+      </p:sp>
+      <p:sp>
+        <p:nvSpPr>
+          <p:cNvPr id="31" name="Arrow: Down 30"/>
+          <p:cNvSpPr/>
+          <p:nvPr/>
+        </p:nvSpPr>
+        <p:spPr>
+          <a:xfrm rot="1975526">
+            <a:off x="4664210" y="1378061"/>
+            <a:ext cx="621353" cy="2505001"/>
+          </a:xfrm>
+          <a:prstGeom prst="downArrow">
+            <a:avLst/>
+          </a:prstGeom>
+          <a:solidFill>
+            <a:schemeClr val="tx1"/>
+          </a:solidFill>
+          <a:ln>
+            <a:solidFill>
+              <a:schemeClr val="tx1"/>
+            </a:solidFill>
+          </a:ln>
+        </p:spPr>
+        <p:style>
+          <a:lnRef idx="2">
+            <a:schemeClr val="accent1">
+              <a:shade val="50000"/>
+            </a:schemeClr>
+          </a:lnRef>
+          <a:fillRef idx="1">
+            <a:schemeClr val="accent1"/>
+          </a:fillRef>
+          <a:effectRef idx="0">
+            <a:schemeClr val="accent1"/>
+          </a:effectRef>
+          <a:fontRef idx="minor">
+            <a:schemeClr val="lt1"/>
+          </a:fontRef>
+        </p:style>
+        <p:txBody>
+          <a:bodyPr rtlCol="0" anchor="ctr"/>
+          <a:lstStyle/>
+          <a:p>
+            <a:pPr algn="ctr"/>
+            <a:endParaRPr lang="en-ZA"/>
+          </a:p>
+        </p:txBody>
+      </p:sp>
+      <p:sp>
+        <p:nvSpPr>
+          <p:cNvPr id="33" name="Arrow: Down 32"/>
+          <p:cNvSpPr/>
+          <p:nvPr/>
+        </p:nvSpPr>
+        <p:spPr>
+          <a:xfrm rot="16200000">
+            <a:off x="5054122" y="4628185"/>
+            <a:ext cx="497576" cy="611273"/>
+          </a:xfrm>
+          <a:prstGeom prst="downArrow">
+            <a:avLst/>
+          </a:prstGeom>
+          <a:solidFill>
+            <a:schemeClr val="tx1"/>
+          </a:solidFill>
+          <a:ln>
+            <a:solidFill>
+              <a:schemeClr val="tx1"/>
+            </a:solidFill>
+          </a:ln>
+        </p:spPr>
+        <p:style>
+          <a:lnRef idx="2">
+            <a:schemeClr val="accent1">
+              <a:shade val="50000"/>
+            </a:schemeClr>
+          </a:lnRef>
+          <a:fillRef idx="1">
+            <a:schemeClr val="accent1"/>
+          </a:fillRef>
+          <a:effectRef idx="0">
+            <a:schemeClr val="accent1"/>
+          </a:effectRef>
+          <a:fontRef idx="minor">
+            <a:schemeClr val="lt1"/>
+          </a:fontRef>
+        </p:style>
+        <p:txBody>
+          <a:bodyPr rtlCol="0" anchor="ctr"/>
+          <a:lstStyle/>
+          <a:p>
+            <a:pPr algn="ctr"/>
+            <a:endParaRPr lang="en-ZA"/>
+          </a:p>
+        </p:txBody>
+      </p:sp>
+      <p:sp>
+        <p:nvSpPr>
+          <p:cNvPr id="27" name="Rectangle 26"/>
+          <p:cNvSpPr/>
+          <p:nvPr/>
+        </p:nvSpPr>
+        <p:spPr>
+          <a:xfrm rot="16200000">
+            <a:off x="-2756453" y="2954344"/>
+            <a:ext cx="6363475" cy="923330"/>
+          </a:xfrm>
+          <a:prstGeom prst="rect">
+            <a:avLst/>
+          </a:prstGeom>
+          <a:noFill/>
+        </p:spPr>
+        <p:txBody>
+          <a:bodyPr wrap="square" lIns="91440" tIns="45720" rIns="91440" bIns="45720">
+            <a:spAutoFit/>
+          </a:bodyPr>
+          <a:lstStyle/>
+          <a:p>
+            <a:pPr algn="ctr"/>
+            <a:r>
+              <a:rPr lang="en-US" sz="5400" b="1" spc="50" dirty="0">
+                <a:ln w="9525" cmpd="sng">
+                  <a:solidFill>
+                    <a:schemeClr val="accent1"/>
+                  </a:solidFill>
+                  <a:prstDash val="solid"/>
+                </a:ln>
+                <a:solidFill>
+                  <a:srgbClr val="70AD47">
+                    <a:tint val="1000"/>
+                  </a:srgbClr>
+                </a:solidFill>
+                <a:effectLst>
+                  <a:glow rad="38100">
+                    <a:schemeClr val="accent1">
+                      <a:alpha val="40000"/>
+                    </a:schemeClr>
+                  </a:glow>
+                </a:effectLst>
+                <a:latin typeface="Quicksand"/>
+              </a:rPr>
+              <a:t>How it works</a:t>
+            </a:r>
+          </a:p>
+        </p:txBody>
+      </p:sp>
+    </p:spTree>
+  </p:cSld>
+  <p:clrMapOvr>
+    <a:masterClrMapping/>
+  </p:clrMapOvr>
+  <mc:AlternateContent xmlns:mc="http://schemas.openxmlformats.org/markup-compatibility/2006">
+    <mc:Choice xmlns:p15="http://schemas.microsoft.com/office/powerpoint/2012/main" Requires="p15">
+      <p:transition xmlns:p14="http://schemas.microsoft.com/office/powerpoint/2010/main" spd="slow" p14:dur="1250" advTm="6550">
+        <p15:prstTrans prst="pageCurlDouble"/>
+      </p:transition>
+    </mc:Choice>
+    <mc:Fallback>
+      <p:transition spd="slow" advTm="6550">
+        <p:fade/>
+      </p:transition>
+    </mc:Fallback>
+  </mc:AlternateContent>
+  <p:timing>
+    <p:tnLst>
+      <p:par>
+        <p:cTn id="1" dur="indefinite" restart="never" nodeType="tmRoot">
+          <p:childTnLst>
+            <p:seq concurrent="1" nextAc="seek">
+              <p:cTn id="2" dur="indefinite" nodeType="mainSeq">
+                <p:childTnLst>
+                  <p:par>
+                    <p:cTn id="3" fill="hold">
+                      <p:stCondLst>
+                        <p:cond delay="indefinite"/>
+                      </p:stCondLst>
+                      <p:childTnLst>
+                        <p:par>
+                          <p:cTn id="4" fill="hold">
+                            <p:stCondLst>
+                              <p:cond delay="0"/>
+                            </p:stCondLst>
+                            <p:childTnLst>
+                              <p:par>
+                                <p:cTn id="5" presetID="26" presetClass="emph" presetSubtype="0" fill="hold" grpId="0" nodeType="clickEffect">
+                                  <p:stCondLst>
+                                    <p:cond delay="0"/>
+                                  </p:stCondLst>
+                                  <p:childTnLst>
+                                    <p:animEffect transition="out" filter="fade">
+                                      <p:cBhvr>
+                                        <p:cTn id="6" dur="500" tmFilter="0, 0; .2, .5; .8, .5; 1, 0"/>
+                                        <p:tgtEl>
+                                          <p:spTgt spid="31"/>
+                                        </p:tgtEl>
+                                      </p:cBhvr>
+                                    </p:animEffect>
+                                    <p:animScale>
+                                      <p:cBhvr>
+                                        <p:cTn id="7" dur="250" autoRev="1" fill="hold"/>
+                                        <p:tgtEl>
+                                          <p:spTgt spid="31"/>
+                                        </p:tgtEl>
+                                      </p:cBhvr>
+                                      <p:by x="105000" y="105000"/>
+                                    </p:animScale>
+                                  </p:childTnLst>
+                                </p:cTn>
+                              </p:par>
+                            </p:childTnLst>
+                          </p:cTn>
+                        </p:par>
+                      </p:childTnLst>
+                    </p:cTn>
+                  </p:par>
+                  <p:par>
+                    <p:cTn id="8" fill="hold">
+                      <p:stCondLst>
+                        <p:cond delay="indefinite"/>
+                      </p:stCondLst>
+                      <p:childTnLst>
+                        <p:par>
+                          <p:cTn id="9" fill="hold">
+                            <p:stCondLst>
+                              <p:cond delay="0"/>
+                            </p:stCondLst>
+                            <p:childTnLst>
+                              <p:par>
+                                <p:cTn id="10" presetID="26" presetClass="emph" presetSubtype="0" fill="hold" grpId="1" nodeType="clickEffect">
+                                  <p:stCondLst>
+                                    <p:cond delay="0"/>
+                                  </p:stCondLst>
+                                  <p:childTnLst>
+                                    <p:animEffect transition="out" filter="fade">
+                                      <p:cBhvr>
+                                        <p:cTn id="11" dur="500" tmFilter="0, 0; .2, .5; .8, .5; 1, 0"/>
+                                        <p:tgtEl>
+                                          <p:spTgt spid="31"/>
+                                        </p:tgtEl>
+                                      </p:cBhvr>
+                                    </p:animEffect>
+                                    <p:animScale>
+                                      <p:cBhvr>
+                                        <p:cTn id="12" dur="250" autoRev="1" fill="hold"/>
+                                        <p:tgtEl>
+                                          <p:spTgt spid="31"/>
+                                        </p:tgtEl>
+                                      </p:cBhvr>
+                                      <p:by x="105000" y="105000"/>
+                                    </p:animScale>
+                                  </p:childTnLst>
+                                </p:cTn>
+                              </p:par>
+                            </p:childTnLst>
+                          </p:cTn>
+                        </p:par>
+                      </p:childTnLst>
+                    </p:cTn>
+                  </p:par>
+                  <p:par>
+                    <p:cTn id="13" fill="hold">
+                      <p:stCondLst>
+                        <p:cond delay="indefinite"/>
+                      </p:stCondLst>
+                      <p:childTnLst>
+                        <p:par>
+                          <p:cTn id="14" fill="hold">
+                            <p:stCondLst>
+                              <p:cond delay="0"/>
+                            </p:stCondLst>
+                            <p:childTnLst>
+                              <p:par>
+                                <p:cTn id="15" presetID="26" presetClass="emph" presetSubtype="0" fill="hold" grpId="0" nodeType="clickEffect">
+                                  <p:stCondLst>
+                                    <p:cond delay="0"/>
+                                  </p:stCondLst>
+                                  <p:childTnLst>
+                                    <p:animEffect transition="out" filter="fade">
+                                      <p:cBhvr>
+                                        <p:cTn id="16" dur="500" tmFilter="0, 0; .2, .5; .8, .5; 1, 0"/>
+                                        <p:tgtEl>
+                                          <p:spTgt spid="30"/>
+                                        </p:tgtEl>
+                                      </p:cBhvr>
+                                    </p:animEffect>
+                                    <p:animScale>
+                                      <p:cBhvr>
+                                        <p:cTn id="17" dur="250" autoRev="1" fill="hold"/>
+                                        <p:tgtEl>
+                                          <p:spTgt spid="30"/>
+                                        </p:tgtEl>
+                                      </p:cBhvr>
+                                      <p:by x="105000" y="105000"/>
+                                    </p:animScale>
+                                  </p:childTnLst>
+                                </p:cTn>
+                              </p:par>
+                            </p:childTnLst>
+                          </p:cTn>
+                        </p:par>
+                      </p:childTnLst>
+                    </p:cTn>
+                  </p:par>
+                  <p:par>
+                    <p:cTn id="18" fill="hold">
+                      <p:stCondLst>
+                        <p:cond delay="indefinite"/>
+                      </p:stCondLst>
+                      <p:childTnLst>
+                        <p:par>
+                          <p:cTn id="19" fill="hold">
+                            <p:stCondLst>
+                              <p:cond delay="0"/>
+                            </p:stCondLst>
+                            <p:childTnLst>
+                              <p:par>
+                                <p:cTn id="20" presetID="26" presetClass="emph" presetSubtype="0" fill="hold" grpId="1" nodeType="clickEffect">
+                                  <p:stCondLst>
+                                    <p:cond delay="0"/>
+                                  </p:stCondLst>
+                                  <p:childTnLst>
+                                    <p:animEffect transition="out" filter="fade">
+                                      <p:cBhvr>
+                                        <p:cTn id="21" dur="500" tmFilter="0, 0; .2, .5; .8, .5; 1, 0"/>
+                                        <p:tgtEl>
+                                          <p:spTgt spid="30"/>
+                                        </p:tgtEl>
+                                      </p:cBhvr>
+                                    </p:animEffect>
+                                    <p:animScale>
+                                      <p:cBhvr>
+                                        <p:cTn id="22" dur="250" autoRev="1" fill="hold"/>
+                                        <p:tgtEl>
+                                          <p:spTgt spid="30"/>
+                                        </p:tgtEl>
+                                      </p:cBhvr>
+                                      <p:by x="105000" y="105000"/>
+                                    </p:animScale>
+                                  </p:childTnLst>
+                                </p:cTn>
+                              </p:par>
+                            </p:childTnLst>
+                          </p:cTn>
+                        </p:par>
+                      </p:childTnLst>
+                    </p:cTn>
+                  </p:par>
+                  <p:par>
+                    <p:cTn id="23" fill="hold">
+                      <p:stCondLst>
+                        <p:cond delay="indefinite"/>
+                      </p:stCondLst>
+                      <p:childTnLst>
+                        <p:par>
+                          <p:cTn id="24" fill="hold">
+                            <p:stCondLst>
+                              <p:cond delay="0"/>
+                            </p:stCondLst>
+                            <p:childTnLst>
+                              <p:par>
+                                <p:cTn id="25" presetID="27" presetClass="emph" presetSubtype="0" fill="remove" grpId="0" nodeType="clickEffect">
+                                  <p:stCondLst>
+                                    <p:cond delay="0"/>
+                                  </p:stCondLst>
+                                  <p:childTnLst>
+                                    <p:animClr clrSpc="rgb" dir="cw">
+                                      <p:cBhvr override="childStyle">
+                                        <p:cTn id="26" dur="250" autoRev="1" fill="remove"/>
+                                        <p:tgtEl>
+                                          <p:spTgt spid="25"/>
+                                        </p:tgtEl>
+                                        <p:attrNameLst>
+                                          <p:attrName>style.color</p:attrName>
+                                        </p:attrNameLst>
+                                      </p:cBhvr>
+                                      <p:to>
+                                        <a:schemeClr val="bg1"/>
+                                      </p:to>
+                                    </p:animClr>
+                                    <p:animClr clrSpc="rgb" dir="cw">
+                                      <p:cBhvr>
+                                        <p:cTn id="27" dur="250" autoRev="1" fill="remove"/>
+                                        <p:tgtEl>
+                                          <p:spTgt spid="25"/>
+                                        </p:tgtEl>
+                                        <p:attrNameLst>
+                                          <p:attrName>fillcolor</p:attrName>
+                                        </p:attrNameLst>
+                                      </p:cBhvr>
+                                      <p:to>
+                                        <a:schemeClr val="bg1"/>
+                                      </p:to>
+                                    </p:animClr>
+                                    <p:set>
+                                      <p:cBhvr>
+                                        <p:cTn id="28" dur="250" autoRev="1" fill="remove"/>
+                                        <p:tgtEl>
+                                          <p:spTgt spid="25"/>
+                                        </p:tgtEl>
+                                        <p:attrNameLst>
+                                          <p:attrName>fill.type</p:attrName>
+                                        </p:attrNameLst>
+                                      </p:cBhvr>
+                                      <p:to>
+                                        <p:strVal val="solid"/>
+                                      </p:to>
+                                    </p:set>
+                                    <p:set>
+                                      <p:cBhvr>
+                                        <p:cTn id="29" dur="250" autoRev="1" fill="remove"/>
+                                        <p:tgtEl>
+                                          <p:spTgt spid="25"/>
+                                        </p:tgtEl>
+                                        <p:attrNameLst>
+                                          <p:attrName>fill.on</p:attrName>
+                                        </p:attrNameLst>
+                                      </p:cBhvr>
+                                      <p:to>
+                                        <p:strVal val="true"/>
+                                      </p:to>
+                                    </p:set>
+                                  </p:childTnLst>
+                                </p:cTn>
+                              </p:par>
+                            </p:childTnLst>
+                          </p:cTn>
+                        </p:par>
+                      </p:childTnLst>
+                    </p:cTn>
+                  </p:par>
+                  <p:par>
+                    <p:cTn id="30" fill="hold">
+                      <p:stCondLst>
+                        <p:cond delay="indefinite"/>
+                      </p:stCondLst>
+                      <p:childTnLst>
+                        <p:par>
+                          <p:cTn id="31" fill="hold">
+                            <p:stCondLst>
+                              <p:cond delay="0"/>
+                            </p:stCondLst>
+                            <p:childTnLst>
+                              <p:par>
+                                <p:cTn id="32" presetID="27" presetClass="emph" presetSubtype="0" fill="remove" grpId="1" nodeType="clickEffect">
+                                  <p:stCondLst>
+                                    <p:cond delay="0"/>
+                                  </p:stCondLst>
+                                  <p:childTnLst>
+                                    <p:animClr clrSpc="rgb" dir="cw">
+                                      <p:cBhvr override="childStyle">
+                                        <p:cTn id="33" dur="250" autoRev="1" fill="remove"/>
+                                        <p:tgtEl>
+                                          <p:spTgt spid="25"/>
+                                        </p:tgtEl>
+                                        <p:attrNameLst>
+                                          <p:attrName>style.color</p:attrName>
+                                        </p:attrNameLst>
+                                      </p:cBhvr>
+                                      <p:to>
+                                        <a:schemeClr val="bg1"/>
+                                      </p:to>
+                                    </p:animClr>
+                                    <p:animClr clrSpc="rgb" dir="cw">
+                                      <p:cBhvr>
+                                        <p:cTn id="34" dur="250" autoRev="1" fill="remove"/>
+                                        <p:tgtEl>
+                                          <p:spTgt spid="25"/>
+                                        </p:tgtEl>
+                                        <p:attrNameLst>
+                                          <p:attrName>fillcolor</p:attrName>
+                                        </p:attrNameLst>
+                                      </p:cBhvr>
+                                      <p:to>
+                                        <a:schemeClr val="bg1"/>
+                                      </p:to>
+                                    </p:animClr>
+                                    <p:set>
+                                      <p:cBhvr>
+                                        <p:cTn id="35" dur="250" autoRev="1" fill="remove"/>
+                                        <p:tgtEl>
+                                          <p:spTgt spid="25"/>
+                                        </p:tgtEl>
+                                        <p:attrNameLst>
+                                          <p:attrName>fill.type</p:attrName>
+                                        </p:attrNameLst>
+                                      </p:cBhvr>
+                                      <p:to>
+                                        <p:strVal val="solid"/>
+                                      </p:to>
+                                    </p:set>
+                                    <p:set>
+                                      <p:cBhvr>
+                                        <p:cTn id="36" dur="250" autoRev="1" fill="remove"/>
+                                        <p:tgtEl>
+                                          <p:spTgt spid="25"/>
+                                        </p:tgtEl>
+                                        <p:attrNameLst>
+                                          <p:attrName>fill.on</p:attrName>
+                                        </p:attrNameLst>
+                                      </p:cBhvr>
+                                      <p:to>
+                                        <p:strVal val="true"/>
+                                      </p:to>
+                                    </p:set>
+                                  </p:childTnLst>
+                                </p:cTn>
+                              </p:par>
+                            </p:childTnLst>
+                          </p:cTn>
+                        </p:par>
+                      </p:childTnLst>
+                    </p:cTn>
+                  </p:par>
+                  <p:par>
+                    <p:cTn id="37" fill="hold">
+                      <p:stCondLst>
+                        <p:cond delay="indefinite"/>
+                      </p:stCondLst>
+                      <p:childTnLst>
+                        <p:par>
+                          <p:cTn id="38" fill="hold">
+                            <p:stCondLst>
+                              <p:cond delay="0"/>
+                            </p:stCondLst>
+                            <p:childTnLst>
+                              <p:par>
+                                <p:cTn id="39" presetID="32" presetClass="emph" presetSubtype="0" fill="hold" nodeType="clickEffect">
+                                  <p:stCondLst>
+                                    <p:cond delay="0"/>
+                                  </p:stCondLst>
+                                  <p:childTnLst>
+                                    <p:animRot by="120000">
+                                      <p:cBhvr>
+                                        <p:cTn id="40" dur="100" fill="hold">
+                                          <p:stCondLst>
+                                            <p:cond delay="0"/>
+                                          </p:stCondLst>
+                                        </p:cTn>
+                                        <p:tgtEl>
+                                          <p:spTgt spid="26"/>
+                                        </p:tgtEl>
+                                        <p:attrNameLst>
+                                          <p:attrName>r</p:attrName>
+                                        </p:attrNameLst>
+                                      </p:cBhvr>
+                                    </p:animRot>
+                                    <p:animRot by="-240000">
+                                      <p:cBhvr>
+                                        <p:cTn id="41" dur="200" fill="hold">
+                                          <p:stCondLst>
+                                            <p:cond delay="200"/>
+                                          </p:stCondLst>
+                                        </p:cTn>
+                                        <p:tgtEl>
+                                          <p:spTgt spid="26"/>
+                                        </p:tgtEl>
+                                        <p:attrNameLst>
+                                          <p:attrName>r</p:attrName>
+                                        </p:attrNameLst>
+                                      </p:cBhvr>
+                                    </p:animRot>
+                                    <p:animRot by="240000">
+                                      <p:cBhvr>
+                                        <p:cTn id="42" dur="200" fill="hold">
+                                          <p:stCondLst>
+                                            <p:cond delay="400"/>
+                                          </p:stCondLst>
+                                        </p:cTn>
+                                        <p:tgtEl>
+                                          <p:spTgt spid="26"/>
+                                        </p:tgtEl>
+                                        <p:attrNameLst>
+                                          <p:attrName>r</p:attrName>
+                                        </p:attrNameLst>
+                                      </p:cBhvr>
+                                    </p:animRot>
+                                    <p:animRot by="-240000">
+                                      <p:cBhvr>
+                                        <p:cTn id="43" dur="200" fill="hold">
+                                          <p:stCondLst>
+                                            <p:cond delay="600"/>
+                                          </p:stCondLst>
+                                        </p:cTn>
+                                        <p:tgtEl>
+                                          <p:spTgt spid="26"/>
+                                        </p:tgtEl>
+                                        <p:attrNameLst>
+                                          <p:attrName>r</p:attrName>
+                                        </p:attrNameLst>
+                                      </p:cBhvr>
+                                    </p:animRot>
+                                    <p:animRot by="120000">
+                                      <p:cBhvr>
+                                        <p:cTn id="44" dur="200" fill="hold">
+                                          <p:stCondLst>
+                                            <p:cond delay="800"/>
+                                          </p:stCondLst>
+                                        </p:cTn>
+                                        <p:tgtEl>
+                                          <p:spTgt spid="26"/>
+                                        </p:tgtEl>
+                                        <p:attrNameLst>
+                                          <p:attrName>r</p:attrName>
+                                        </p:attrNameLst>
+                                      </p:cBhvr>
+                                    </p:animRot>
+                                  </p:childTnLst>
+                                </p:cTn>
+                              </p:par>
+                            </p:childTnLst>
+                          </p:cTn>
+                        </p:par>
+                      </p:childTnLst>
+                    </p:cTn>
+                  </p:par>
+                  <p:par>
+                    <p:cTn id="45" fill="hold">
+                      <p:stCondLst>
+                        <p:cond delay="indefinite"/>
+                      </p:stCondLst>
+                      <p:childTnLst>
+                        <p:par>
+                          <p:cTn id="46" fill="hold">
+                            <p:stCondLst>
+                              <p:cond delay="0"/>
+                            </p:stCondLst>
+                            <p:childTnLst>
+                              <p:par>
+                                <p:cTn id="47" presetID="27" presetClass="emph" presetSubtype="0" fill="remove" grpId="0" nodeType="clickEffect">
+                                  <p:stCondLst>
+                                    <p:cond delay="0"/>
+                                  </p:stCondLst>
+                                  <p:childTnLst>
+                                    <p:animClr clrSpc="rgb" dir="cw">
+                                      <p:cBhvr override="childStyle">
+                                        <p:cTn id="48" dur="250" autoRev="1" fill="remove"/>
+                                        <p:tgtEl>
+                                          <p:spTgt spid="33"/>
+                                        </p:tgtEl>
+                                        <p:attrNameLst>
+                                          <p:attrName>style.color</p:attrName>
+                                        </p:attrNameLst>
+                                      </p:cBhvr>
+                                      <p:to>
+                                        <a:schemeClr val="bg1"/>
+                                      </p:to>
+                                    </p:animClr>
+                                    <p:animClr clrSpc="rgb" dir="cw">
+                                      <p:cBhvr>
+                                        <p:cTn id="49" dur="250" autoRev="1" fill="remove"/>
+                                        <p:tgtEl>
+                                          <p:spTgt spid="33"/>
+                                        </p:tgtEl>
+                                        <p:attrNameLst>
+                                          <p:attrName>fillcolor</p:attrName>
+                                        </p:attrNameLst>
+                                      </p:cBhvr>
+                                      <p:to>
+                                        <a:schemeClr val="bg1"/>
+                                      </p:to>
+                                    </p:animClr>
+                                    <p:set>
+                                      <p:cBhvr>
+                                        <p:cTn id="50" dur="250" autoRev="1" fill="remove"/>
+                                        <p:tgtEl>
+                                          <p:spTgt spid="33"/>
+                                        </p:tgtEl>
+                                        <p:attrNameLst>
+                                          <p:attrName>fill.type</p:attrName>
+                                        </p:attrNameLst>
+                                      </p:cBhvr>
+                                      <p:to>
+                                        <p:strVal val="solid"/>
+                                      </p:to>
+                                    </p:set>
+                                    <p:set>
+                                      <p:cBhvr>
+                                        <p:cTn id="51" dur="250" autoRev="1" fill="remove"/>
+                                        <p:tgtEl>
+                                          <p:spTgt spid="33"/>
+                                        </p:tgtEl>
+                                        <p:attrNameLst>
+                                          <p:attrName>fill.on</p:attrName>
+                                        </p:attrNameLst>
+                                      </p:cBhvr>
+                                      <p:to>
+                                        <p:strVal val="true"/>
+                                      </p:to>
+                                    </p:set>
+                                  </p:childTnLst>
+                                </p:cTn>
+                              </p:par>
+                            </p:childTnLst>
+                          </p:cTn>
+                        </p:par>
+                      </p:childTnLst>
+                    </p:cTn>
+                  </p:par>
+                  <p:par>
+                    <p:cTn id="52" fill="hold">
+                      <p:stCondLst>
+                        <p:cond delay="indefinite"/>
+                      </p:stCondLst>
+                      <p:childTnLst>
+                        <p:par>
+                          <p:cTn id="53" fill="hold">
+                            <p:stCondLst>
+                              <p:cond delay="0"/>
+                            </p:stCondLst>
+                            <p:childTnLst>
+                              <p:par>
+                                <p:cTn id="54" presetID="27" presetClass="emph" presetSubtype="0" fill="remove" grpId="1" nodeType="clickEffect">
+                                  <p:stCondLst>
+                                    <p:cond delay="0"/>
+                                  </p:stCondLst>
+                                  <p:childTnLst>
+                                    <p:animClr clrSpc="rgb" dir="cw">
+                                      <p:cBhvr override="childStyle">
+                                        <p:cTn id="55" dur="250" autoRev="1" fill="remove"/>
+                                        <p:tgtEl>
+                                          <p:spTgt spid="33"/>
+                                        </p:tgtEl>
+                                        <p:attrNameLst>
+                                          <p:attrName>style.color</p:attrName>
+                                        </p:attrNameLst>
+                                      </p:cBhvr>
+                                      <p:to>
+                                        <a:schemeClr val="bg1"/>
+                                      </p:to>
+                                    </p:animClr>
+                                    <p:animClr clrSpc="rgb" dir="cw">
+                                      <p:cBhvr>
+                                        <p:cTn id="56" dur="250" autoRev="1" fill="remove"/>
+                                        <p:tgtEl>
+                                          <p:spTgt spid="33"/>
+                                        </p:tgtEl>
+                                        <p:attrNameLst>
+                                          <p:attrName>fillcolor</p:attrName>
+                                        </p:attrNameLst>
+                                      </p:cBhvr>
+                                      <p:to>
+                                        <a:schemeClr val="bg1"/>
+                                      </p:to>
+                                    </p:animClr>
+                                    <p:set>
+                                      <p:cBhvr>
+                                        <p:cTn id="57" dur="250" autoRev="1" fill="remove"/>
+                                        <p:tgtEl>
+                                          <p:spTgt spid="33"/>
+                                        </p:tgtEl>
+                                        <p:attrNameLst>
+                                          <p:attrName>fill.type</p:attrName>
+                                        </p:attrNameLst>
+                                      </p:cBhvr>
+                                      <p:to>
+                                        <p:strVal val="solid"/>
+                                      </p:to>
+                                    </p:set>
+                                    <p:set>
+                                      <p:cBhvr>
+                                        <p:cTn id="58" dur="250" autoRev="1" fill="remove"/>
+                                        <p:tgtEl>
+                                          <p:spTgt spid="33"/>
+                                        </p:tgtEl>
+                                        <p:attrNameLst>
+                                          <p:attrName>fill.on</p:attrName>
+                                        </p:attrNameLst>
+                                      </p:cBhvr>
+                                      <p:to>
+                                        <p:strVal val="true"/>
+                                      </p:to>
+                                    </p:set>
+                                  </p:childTnLst>
+                                </p:cTn>
+                              </p:par>
+                            </p:childTnLst>
+                          </p:cTn>
+                        </p:par>
+                      </p:childTnLst>
+                    </p:cTn>
+                  </p:par>
+                  <p:par>
+                    <p:cTn id="59" fill="hold">
+                      <p:stCondLst>
+                        <p:cond delay="indefinite"/>
+                      </p:stCondLst>
+                      <p:childTnLst>
+                        <p:par>
+                          <p:cTn id="60" fill="hold">
+                            <p:stCondLst>
+                              <p:cond delay="0"/>
+                            </p:stCondLst>
+                            <p:childTnLst>
+                              <p:par>
+                                <p:cTn id="61" presetID="26" presetClass="emph" presetSubtype="0" fill="hold" nodeType="clickEffect">
+                                  <p:stCondLst>
+                                    <p:cond delay="0"/>
+                                  </p:stCondLst>
+                                  <p:childTnLst>
+                                    <p:animEffect transition="out" filter="fade">
+                                      <p:cBhvr>
+                                        <p:cTn id="62" dur="500" tmFilter="0, 0; .2, .5; .8, .5; 1, 0"/>
+                                        <p:tgtEl>
+                                          <p:spTgt spid="5"/>
+                                        </p:tgtEl>
+                                      </p:cBhvr>
+                                    </p:animEffect>
+                                    <p:animScale>
+                                      <p:cBhvr>
+                                        <p:cTn id="63" dur="250" autoRev="1" fill="hold"/>
+                                        <p:tgtEl>
+                                          <p:spTgt spid="5"/>
+                                        </p:tgtEl>
+                                      </p:cBhvr>
+                                      <p:by x="105000" y="105000"/>
+                                    </p:animScale>
+                                  </p:childTnLst>
+                                </p:cTn>
+                              </p:par>
+                            </p:childTnLst>
+                          </p:cTn>
+                        </p:par>
+                      </p:childTnLst>
+                    </p:cTn>
+                  </p:par>
+                </p:childTnLst>
+              </p:cTn>
+              <p:prevCondLst>
+                <p:cond evt="onPrev" delay="0">
+                  <p:tgtEl>
+                    <p:sldTgt/>
+                  </p:tgtEl>
+                </p:cond>
+              </p:prevCondLst>
+              <p:nextCondLst>
+                <p:cond evt="onNext" delay="0">
+                  <p:tgtEl>
+                    <p:sldTgt/>
+                  </p:tgtEl>
+                </p:cond>
+              </p:nextCondLst>
+            </p:seq>
+          </p:childTnLst>
+        </p:cTn>
+      </p:par>
+    </p:tnLst>
+    <p:bldLst>
+      <p:bldP spid="25" grpId="0" animBg="1"/>
+      <p:bldP spid="25" grpId="1" animBg="1"/>
+      <p:bldP spid="30" grpId="0" animBg="1"/>
+      <p:bldP spid="30" grpId="1" animBg="1"/>
+      <p:bldP spid="31" grpId="0" animBg="1"/>
+      <p:bldP spid="31" grpId="1" animBg="1"/>
+      <p:bldP spid="33" grpId="0" animBg="1"/>
+      <p:bldP spid="33" grpId="1" animBg="1"/>
+    </p:bldLst>
+  </p:timing>
+</p:sld>
+</file>
+
+<file path=ppt/slides/slide4.xml><?xml version="1.0" encoding="utf-8"?>
+<p:sld xmlns:a="http://schemas.openxmlformats.org/drawingml/2006/main" xmlns:r="http://schemas.openxmlformats.org/officeDocument/2006/relationships" xmlns:p="http://schemas.openxmlformats.org/presentationml/2006/main">
+  <p:cSld>
+    <p:spTree>
+      <p:nvGrpSpPr>
+        <p:cNvPr id="1" name=""/>
+        <p:cNvGrpSpPr/>
+        <p:nvPr/>
+      </p:nvGrpSpPr>
+      <p:grpSpPr>
+        <a:xfrm>
+          <a:off x="0" y="0"/>
+          <a:ext cx="0" cy="0"/>
+          <a:chOff x="0" y="0"/>
+          <a:chExt cx="0" cy="0"/>
+        </a:xfrm>
+      </p:grpSpPr>
+      <p:pic>
+        <p:nvPicPr>
+          <p:cNvPr id="6" name="Picture 5"/>
+          <p:cNvPicPr>
+            <a:picLocks noChangeAspect="1"/>
+          </p:cNvPicPr>
+          <p:nvPr/>
+        </p:nvPicPr>
+        <p:blipFill>
+          <a:blip r:embed="rId2"/>
+          <a:stretch>
+            <a:fillRect/>
+          </a:stretch>
+        </p:blipFill>
+        <p:spPr>
+          <a:xfrm>
+            <a:off x="5003667" y="2871450"/>
+            <a:ext cx="139834" cy="378716"/>
+          </a:xfrm>
+          <a:prstGeom prst="rect">
+            <a:avLst/>
+          </a:prstGeom>
+        </p:spPr>
+      </p:pic>
+      <p:pic>
+        <p:nvPicPr>
+          <p:cNvPr id="7" name="Picture 6"/>
+          <p:cNvPicPr>
+            <a:picLocks noChangeAspect="1"/>
+          </p:cNvPicPr>
+          <p:nvPr/>
+        </p:nvPicPr>
+        <p:blipFill rotWithShape="1">
+          <a:blip r:embed="rId3"/>
+          <a:srcRect r="385" b="7591"/>
+          <a:stretch/>
+        </p:blipFill>
+        <p:spPr>
+          <a:xfrm>
+            <a:off x="1212424" y="5837241"/>
+            <a:ext cx="1365002" cy="969481"/>
+          </a:xfrm>
+          <a:prstGeom prst="rect">
+            <a:avLst/>
+          </a:prstGeom>
+          <a:ln>
+            <a:noFill/>
+          </a:ln>
+          <a:effectLst>
+            <a:softEdge rad="112500"/>
+          </a:effectLst>
+        </p:spPr>
+      </p:pic>
+      <p:grpSp>
+        <p:nvGrpSpPr>
+          <p:cNvPr id="9" name="Group 8"/>
+          <p:cNvGrpSpPr/>
+          <p:nvPr/>
+        </p:nvGrpSpPr>
+        <p:grpSpPr>
+          <a:xfrm>
+            <a:off x="1017564" y="211691"/>
+            <a:ext cx="8027962" cy="6343854"/>
+            <a:chOff x="1017564" y="211691"/>
+            <a:chExt cx="8027962" cy="6343854"/>
+          </a:xfrm>
+        </p:grpSpPr>
+        <p:sp>
+          <p:nvSpPr>
+            <p:cNvPr id="4" name="Shape 283"/>
             <p:cNvSpPr/>
             <p:nvPr/>
           </p:nvSpPr>
           <p:spPr>
             <a:xfrm>
-              <a:off x="2857700" y="1631825"/>
-              <a:ext cx="175975" cy="176000"/>
+              <a:off x="1017564" y="211691"/>
+              <a:ext cx="8027962" cy="6343854"/>
             </a:xfrm>
             <a:custGeom>
               <a:avLst/>
@@ -7107,156 +10441,405 @@
               <a:cxnLst/>
               <a:rect l="0" t="0" r="0" b="0"/>
               <a:pathLst>
-                <a:path w="7039" h="7040" fill="none" extrusionOk="0">
+                <a:path w="143434" h="111665" extrusionOk="0">
                   <a:moveTo>
-                    <a:pt x="268" y="2704"/>
+                    <a:pt x="71751" y="2308"/>
                   </a:moveTo>
                   <a:lnTo>
-                    <a:pt x="4336" y="6771"/>
-                  </a:lnTo>
-                  <a:lnTo>
-                    <a:pt x="4336" y="6771"/>
-                  </a:lnTo>
-                  <a:lnTo>
-                    <a:pt x="4336" y="6771"/>
-                  </a:lnTo>
-                  <a:lnTo>
-                    <a:pt x="4652" y="6917"/>
-                  </a:lnTo>
-                  <a:lnTo>
-                    <a:pt x="4993" y="7015"/>
-                  </a:lnTo>
-                  <a:lnTo>
-                    <a:pt x="5310" y="7039"/>
-                  </a:lnTo>
-                  <a:lnTo>
-                    <a:pt x="5651" y="7039"/>
-                  </a:lnTo>
-                  <a:lnTo>
-                    <a:pt x="5992" y="6966"/>
-                  </a:lnTo>
-                  <a:lnTo>
-                    <a:pt x="6308" y="6844"/>
-                  </a:lnTo>
-                  <a:lnTo>
-                    <a:pt x="6454" y="6747"/>
-                  </a:lnTo>
-                  <a:lnTo>
-                    <a:pt x="6601" y="6674"/>
-                  </a:lnTo>
-                  <a:lnTo>
-                    <a:pt x="6747" y="6552"/>
-                  </a:lnTo>
-                  <a:lnTo>
-                    <a:pt x="6893" y="6430"/>
-                  </a:lnTo>
-                  <a:lnTo>
-                    <a:pt x="6893" y="6430"/>
-                  </a:lnTo>
-                  <a:lnTo>
-                    <a:pt x="6942" y="6357"/>
-                  </a:lnTo>
-                  <a:lnTo>
-                    <a:pt x="7015" y="6260"/>
-                  </a:lnTo>
-                  <a:lnTo>
-                    <a:pt x="7039" y="6138"/>
-                  </a:lnTo>
-                  <a:lnTo>
-                    <a:pt x="7039" y="6041"/>
-                  </a:lnTo>
-                  <a:lnTo>
-                    <a:pt x="7039" y="6041"/>
-                  </a:lnTo>
-                  <a:lnTo>
-                    <a:pt x="7039" y="5943"/>
-                  </a:lnTo>
-                  <a:lnTo>
-                    <a:pt x="7015" y="5846"/>
-                  </a:lnTo>
-                  <a:lnTo>
-                    <a:pt x="6942" y="5748"/>
-                  </a:lnTo>
-                  <a:lnTo>
-                    <a:pt x="6893" y="5651"/>
-                  </a:lnTo>
-                  <a:lnTo>
-                    <a:pt x="1389" y="147"/>
-                  </a:lnTo>
-                  <a:lnTo>
-                    <a:pt x="1389" y="147"/>
-                  </a:lnTo>
-                  <a:lnTo>
-                    <a:pt x="1291" y="98"/>
-                  </a:lnTo>
-                  <a:lnTo>
-                    <a:pt x="1194" y="25"/>
-                  </a:lnTo>
-                  <a:lnTo>
-                    <a:pt x="1096" y="0"/>
-                  </a:lnTo>
-                  <a:lnTo>
-                    <a:pt x="999" y="0"/>
-                  </a:lnTo>
-                  <a:lnTo>
-                    <a:pt x="999" y="0"/>
-                  </a:lnTo>
-                  <a:lnTo>
-                    <a:pt x="902" y="0"/>
-                  </a:lnTo>
-                  <a:lnTo>
-                    <a:pt x="780" y="25"/>
-                  </a:lnTo>
-                  <a:lnTo>
-                    <a:pt x="682" y="98"/>
-                  </a:lnTo>
-                  <a:lnTo>
-                    <a:pt x="609" y="147"/>
-                  </a:lnTo>
-                  <a:lnTo>
-                    <a:pt x="609" y="147"/>
-                  </a:lnTo>
-                  <a:lnTo>
-                    <a:pt x="487" y="293"/>
-                  </a:lnTo>
-                  <a:lnTo>
-                    <a:pt x="366" y="439"/>
-                  </a:lnTo>
-                  <a:lnTo>
-                    <a:pt x="293" y="585"/>
-                  </a:lnTo>
-                  <a:lnTo>
-                    <a:pt x="195" y="731"/>
-                  </a:lnTo>
-                  <a:lnTo>
-                    <a:pt x="73" y="1048"/>
-                  </a:lnTo>
-                  <a:lnTo>
-                    <a:pt x="0" y="1389"/>
-                  </a:lnTo>
-                  <a:lnTo>
-                    <a:pt x="0" y="1730"/>
-                  </a:lnTo>
-                  <a:lnTo>
-                    <a:pt x="25" y="2046"/>
-                  </a:lnTo>
-                  <a:lnTo>
-                    <a:pt x="122" y="2387"/>
-                  </a:lnTo>
-                  <a:lnTo>
-                    <a:pt x="268" y="2704"/>
-                  </a:lnTo>
-                  <a:lnTo>
-                    <a:pt x="268" y="2704"/>
+                    <a:pt x="71887" y="2376"/>
+                  </a:lnTo>
+                  <a:lnTo>
+                    <a:pt x="72091" y="2444"/>
+                  </a:lnTo>
+                  <a:lnTo>
+                    <a:pt x="72159" y="2647"/>
+                  </a:lnTo>
+                  <a:lnTo>
+                    <a:pt x="72226" y="2783"/>
+                  </a:lnTo>
+                  <a:lnTo>
+                    <a:pt x="72159" y="2987"/>
+                  </a:lnTo>
+                  <a:lnTo>
+                    <a:pt x="72091" y="3190"/>
+                  </a:lnTo>
+                  <a:lnTo>
+                    <a:pt x="71887" y="3258"/>
+                  </a:lnTo>
+                  <a:lnTo>
+                    <a:pt x="71751" y="3326"/>
+                  </a:lnTo>
+                  <a:lnTo>
+                    <a:pt x="71548" y="3258"/>
+                  </a:lnTo>
+                  <a:lnTo>
+                    <a:pt x="71344" y="3190"/>
+                  </a:lnTo>
+                  <a:lnTo>
+                    <a:pt x="71276" y="2987"/>
+                  </a:lnTo>
+                  <a:lnTo>
+                    <a:pt x="71208" y="2783"/>
+                  </a:lnTo>
+                  <a:lnTo>
+                    <a:pt x="71276" y="2647"/>
+                  </a:lnTo>
+                  <a:lnTo>
+                    <a:pt x="71344" y="2444"/>
+                  </a:lnTo>
+                  <a:lnTo>
+                    <a:pt x="71548" y="2376"/>
+                  </a:lnTo>
+                  <a:lnTo>
+                    <a:pt x="71751" y="2308"/>
+                  </a:lnTo>
+                  <a:close/>
+                  <a:moveTo>
+                    <a:pt x="137528" y="5906"/>
+                  </a:moveTo>
+                  <a:lnTo>
+                    <a:pt x="137596" y="5974"/>
+                  </a:lnTo>
+                  <a:lnTo>
+                    <a:pt x="137596" y="89604"/>
+                  </a:lnTo>
+                  <a:lnTo>
+                    <a:pt x="5906" y="89604"/>
+                  </a:lnTo>
+                  <a:lnTo>
+                    <a:pt x="5906" y="5974"/>
+                  </a:lnTo>
+                  <a:lnTo>
+                    <a:pt x="5906" y="5906"/>
+                  </a:lnTo>
+                  <a:close/>
+                  <a:moveTo>
+                    <a:pt x="3530" y="0"/>
+                  </a:moveTo>
+                  <a:lnTo>
+                    <a:pt x="3191" y="68"/>
+                  </a:lnTo>
+                  <a:lnTo>
+                    <a:pt x="2444" y="339"/>
+                  </a:lnTo>
+                  <a:lnTo>
+                    <a:pt x="1766" y="679"/>
+                  </a:lnTo>
+                  <a:lnTo>
+                    <a:pt x="1155" y="1154"/>
+                  </a:lnTo>
+                  <a:lnTo>
+                    <a:pt x="679" y="1765"/>
+                  </a:lnTo>
+                  <a:lnTo>
+                    <a:pt x="272" y="2444"/>
+                  </a:lnTo>
+                  <a:lnTo>
+                    <a:pt x="69" y="3190"/>
+                  </a:lnTo>
+                  <a:lnTo>
+                    <a:pt x="1" y="3598"/>
+                  </a:lnTo>
+                  <a:lnTo>
+                    <a:pt x="1" y="4005"/>
+                  </a:lnTo>
+                  <a:lnTo>
+                    <a:pt x="1" y="91572"/>
+                  </a:lnTo>
+                  <a:lnTo>
+                    <a:pt x="1" y="91979"/>
+                  </a:lnTo>
+                  <a:lnTo>
+                    <a:pt x="69" y="92319"/>
+                  </a:lnTo>
+                  <a:lnTo>
+                    <a:pt x="272" y="93065"/>
+                  </a:lnTo>
+                  <a:lnTo>
+                    <a:pt x="679" y="93744"/>
+                  </a:lnTo>
+                  <a:lnTo>
+                    <a:pt x="1155" y="94355"/>
+                  </a:lnTo>
+                  <a:lnTo>
+                    <a:pt x="1766" y="94830"/>
+                  </a:lnTo>
+                  <a:lnTo>
+                    <a:pt x="2444" y="95238"/>
+                  </a:lnTo>
+                  <a:lnTo>
+                    <a:pt x="3191" y="95441"/>
+                  </a:lnTo>
+                  <a:lnTo>
+                    <a:pt x="3530" y="95509"/>
+                  </a:lnTo>
+                  <a:lnTo>
+                    <a:pt x="139904" y="95509"/>
+                  </a:lnTo>
+                  <a:lnTo>
+                    <a:pt x="140311" y="95441"/>
+                  </a:lnTo>
+                  <a:lnTo>
+                    <a:pt x="141058" y="95238"/>
+                  </a:lnTo>
+                  <a:lnTo>
+                    <a:pt x="141737" y="94830"/>
+                  </a:lnTo>
+                  <a:lnTo>
+                    <a:pt x="142280" y="94355"/>
+                  </a:lnTo>
+                  <a:lnTo>
+                    <a:pt x="142755" y="93744"/>
+                  </a:lnTo>
+                  <a:lnTo>
+                    <a:pt x="143162" y="93065"/>
+                  </a:lnTo>
+                  <a:lnTo>
+                    <a:pt x="143366" y="92319"/>
+                  </a:lnTo>
+                  <a:lnTo>
+                    <a:pt x="143434" y="91979"/>
+                  </a:lnTo>
+                  <a:lnTo>
+                    <a:pt x="143434" y="91572"/>
+                  </a:lnTo>
+                  <a:lnTo>
+                    <a:pt x="143434" y="4005"/>
+                  </a:lnTo>
+                  <a:lnTo>
+                    <a:pt x="143434" y="3598"/>
+                  </a:lnTo>
+                  <a:lnTo>
+                    <a:pt x="143366" y="3190"/>
+                  </a:lnTo>
+                  <a:lnTo>
+                    <a:pt x="143162" y="2444"/>
+                  </a:lnTo>
+                  <a:lnTo>
+                    <a:pt x="142755" y="1765"/>
+                  </a:lnTo>
+                  <a:lnTo>
+                    <a:pt x="142280" y="1154"/>
+                  </a:lnTo>
+                  <a:lnTo>
+                    <a:pt x="141737" y="679"/>
+                  </a:lnTo>
+                  <a:lnTo>
+                    <a:pt x="141058" y="339"/>
+                  </a:lnTo>
+                  <a:lnTo>
+                    <a:pt x="140311" y="68"/>
+                  </a:lnTo>
+                  <a:lnTo>
+                    <a:pt x="139904" y="0"/>
+                  </a:lnTo>
+                  <a:close/>
+                  <a:moveTo>
+                    <a:pt x="55324" y="95713"/>
+                  </a:moveTo>
+                  <a:lnTo>
+                    <a:pt x="55052" y="98971"/>
+                  </a:lnTo>
+                  <a:lnTo>
+                    <a:pt x="54713" y="102297"/>
+                  </a:lnTo>
+                  <a:lnTo>
+                    <a:pt x="54374" y="105284"/>
+                  </a:lnTo>
+                  <a:lnTo>
+                    <a:pt x="53966" y="107388"/>
+                  </a:lnTo>
+                  <a:lnTo>
+                    <a:pt x="53763" y="108203"/>
+                  </a:lnTo>
+                  <a:lnTo>
+                    <a:pt x="53627" y="108746"/>
+                  </a:lnTo>
+                  <a:lnTo>
+                    <a:pt x="53423" y="109153"/>
+                  </a:lnTo>
+                  <a:lnTo>
+                    <a:pt x="53220" y="109357"/>
+                  </a:lnTo>
+                  <a:lnTo>
+                    <a:pt x="52677" y="109493"/>
+                  </a:lnTo>
+                  <a:lnTo>
+                    <a:pt x="51794" y="109696"/>
+                  </a:lnTo>
+                  <a:lnTo>
+                    <a:pt x="49690" y="110036"/>
+                  </a:lnTo>
+                  <a:lnTo>
+                    <a:pt x="48061" y="110307"/>
+                  </a:lnTo>
+                  <a:lnTo>
+                    <a:pt x="47450" y="110443"/>
+                  </a:lnTo>
+                  <a:lnTo>
+                    <a:pt x="47110" y="110511"/>
+                  </a:lnTo>
+                  <a:lnTo>
+                    <a:pt x="47042" y="110579"/>
+                  </a:lnTo>
+                  <a:lnTo>
+                    <a:pt x="47042" y="110783"/>
+                  </a:lnTo>
+                  <a:lnTo>
+                    <a:pt x="47110" y="110850"/>
+                  </a:lnTo>
+                  <a:lnTo>
+                    <a:pt x="47585" y="110918"/>
+                  </a:lnTo>
+                  <a:lnTo>
+                    <a:pt x="48400" y="110986"/>
+                  </a:lnTo>
+                  <a:lnTo>
+                    <a:pt x="51387" y="111054"/>
+                  </a:lnTo>
+                  <a:lnTo>
+                    <a:pt x="56071" y="111122"/>
+                  </a:lnTo>
+                  <a:lnTo>
+                    <a:pt x="87092" y="111122"/>
+                  </a:lnTo>
+                  <a:lnTo>
+                    <a:pt x="91708" y="111054"/>
+                  </a:lnTo>
+                  <a:lnTo>
+                    <a:pt x="94695" y="110986"/>
+                  </a:lnTo>
+                  <a:lnTo>
+                    <a:pt x="95578" y="110918"/>
+                  </a:lnTo>
+                  <a:lnTo>
+                    <a:pt x="96053" y="110850"/>
+                  </a:lnTo>
+                  <a:lnTo>
+                    <a:pt x="96121" y="110783"/>
+                  </a:lnTo>
+                  <a:lnTo>
+                    <a:pt x="96121" y="110579"/>
+                  </a:lnTo>
+                  <a:lnTo>
+                    <a:pt x="96053" y="110511"/>
+                  </a:lnTo>
+                  <a:lnTo>
+                    <a:pt x="95713" y="110443"/>
+                  </a:lnTo>
+                  <a:lnTo>
+                    <a:pt x="95102" y="110307"/>
+                  </a:lnTo>
+                  <a:lnTo>
+                    <a:pt x="93473" y="110036"/>
+                  </a:lnTo>
+                  <a:lnTo>
+                    <a:pt x="91369" y="109696"/>
+                  </a:lnTo>
+                  <a:lnTo>
+                    <a:pt x="90487" y="109493"/>
+                  </a:lnTo>
+                  <a:lnTo>
+                    <a:pt x="89943" y="109357"/>
+                  </a:lnTo>
+                  <a:lnTo>
+                    <a:pt x="89740" y="109153"/>
+                  </a:lnTo>
+                  <a:lnTo>
+                    <a:pt x="89536" y="108746"/>
+                  </a:lnTo>
+                  <a:lnTo>
+                    <a:pt x="89333" y="108203"/>
+                  </a:lnTo>
+                  <a:lnTo>
+                    <a:pt x="89197" y="107388"/>
+                  </a:lnTo>
+                  <a:lnTo>
+                    <a:pt x="88789" y="105284"/>
+                  </a:lnTo>
+                  <a:lnTo>
+                    <a:pt x="88382" y="102297"/>
+                  </a:lnTo>
+                  <a:lnTo>
+                    <a:pt x="88043" y="98971"/>
+                  </a:lnTo>
+                  <a:lnTo>
+                    <a:pt x="87839" y="95713"/>
+                  </a:lnTo>
+                  <a:close/>
+                  <a:moveTo>
+                    <a:pt x="47450" y="111054"/>
+                  </a:moveTo>
+                  <a:lnTo>
+                    <a:pt x="47450" y="111122"/>
+                  </a:lnTo>
+                  <a:lnTo>
+                    <a:pt x="47450" y="111393"/>
+                  </a:lnTo>
+                  <a:lnTo>
+                    <a:pt x="47518" y="111461"/>
+                  </a:lnTo>
+                  <a:lnTo>
+                    <a:pt x="48807" y="111529"/>
+                  </a:lnTo>
+                  <a:lnTo>
+                    <a:pt x="52473" y="111597"/>
+                  </a:lnTo>
+                  <a:lnTo>
+                    <a:pt x="62384" y="111665"/>
+                  </a:lnTo>
+                  <a:lnTo>
+                    <a:pt x="80779" y="111665"/>
+                  </a:lnTo>
+                  <a:lnTo>
+                    <a:pt x="90622" y="111597"/>
+                  </a:lnTo>
+                  <a:lnTo>
+                    <a:pt x="94356" y="111529"/>
+                  </a:lnTo>
+                  <a:lnTo>
+                    <a:pt x="95646" y="111461"/>
+                  </a:lnTo>
+                  <a:lnTo>
+                    <a:pt x="95713" y="111393"/>
+                  </a:lnTo>
+                  <a:lnTo>
+                    <a:pt x="95713" y="111122"/>
+                  </a:lnTo>
+                  <a:lnTo>
+                    <a:pt x="95646" y="111054"/>
+                  </a:lnTo>
+                  <a:lnTo>
+                    <a:pt x="94084" y="111122"/>
+                  </a:lnTo>
+                  <a:lnTo>
+                    <a:pt x="91233" y="111190"/>
+                  </a:lnTo>
+                  <a:lnTo>
+                    <a:pt x="80847" y="111258"/>
+                  </a:lnTo>
+                  <a:lnTo>
+                    <a:pt x="62316" y="111258"/>
+                  </a:lnTo>
+                  <a:lnTo>
+                    <a:pt x="51930" y="111190"/>
+                  </a:lnTo>
+                  <a:lnTo>
+                    <a:pt x="49079" y="111122"/>
+                  </a:lnTo>
+                  <a:lnTo>
+                    <a:pt x="47518" y="111054"/>
                   </a:lnTo>
                   <a:close/>
                 </a:path>
               </a:pathLst>
             </a:custGeom>
-            <a:noFill/>
-            <a:ln w="28575" cap="rnd" cmpd="sng">
+            <a:solidFill>
+              <a:schemeClr val="tx1"/>
+            </a:solidFill>
+            <a:ln w="9525" cap="flat" cmpd="sng">
               <a:solidFill>
-                <a:srgbClr val="FFFFFF"/>
+                <a:schemeClr val="tx1"/>
               </a:solidFill>
               <a:prstDash val="solid"/>
               <a:round/>
@@ -7280,335 +10863,68 @@
             </a:p>
           </p:txBody>
         </p:sp>
-        <p:sp>
-          <p:nvSpPr>
-            <p:cNvPr id="107" name="Shape 107"/>
-            <p:cNvSpPr/>
+        <p:pic>
+          <p:nvPicPr>
+            <p:cNvPr id="8" name="Picture 7"/>
+            <p:cNvPicPr>
+              <a:picLocks noChangeAspect="1"/>
+            </p:cNvPicPr>
             <p:nvPr/>
-          </p:nvSpPr>
+          </p:nvPicPr>
+          <p:blipFill>
+            <a:blip r:embed="rId4"/>
+            <a:stretch>
+              <a:fillRect/>
+            </a:stretch>
+          </p:blipFill>
           <p:spPr>
             <a:xfrm>
-              <a:off x="2662850" y="1699400"/>
-              <a:ext cx="303250" cy="303250"/>
+              <a:off x="1212424" y="462868"/>
+              <a:ext cx="7582485" cy="4939125"/>
             </a:xfrm>
-            <a:custGeom>
+            <a:prstGeom prst="rect">
               <a:avLst/>
-              <a:gdLst/>
-              <a:ahLst/>
-              <a:cxnLst/>
-              <a:rect l="0" t="0" r="0" b="0"/>
-              <a:pathLst>
-                <a:path w="12130" h="12130" fill="none" extrusionOk="0">
-                  <a:moveTo>
-                    <a:pt x="8038" y="1"/>
-                  </a:moveTo>
-                  <a:lnTo>
-                    <a:pt x="4872" y="3191"/>
-                  </a:lnTo>
-                  <a:lnTo>
-                    <a:pt x="4872" y="3191"/>
-                  </a:lnTo>
-                  <a:lnTo>
-                    <a:pt x="4628" y="3094"/>
-                  </a:lnTo>
-                  <a:lnTo>
-                    <a:pt x="4385" y="2997"/>
-                  </a:lnTo>
-                  <a:lnTo>
-                    <a:pt x="4092" y="2899"/>
-                  </a:lnTo>
-                  <a:lnTo>
-                    <a:pt x="3800" y="2850"/>
-                  </a:lnTo>
-                  <a:lnTo>
-                    <a:pt x="3484" y="2777"/>
-                  </a:lnTo>
-                  <a:lnTo>
-                    <a:pt x="3167" y="2729"/>
-                  </a:lnTo>
-                  <a:lnTo>
-                    <a:pt x="2850" y="2704"/>
-                  </a:lnTo>
-                  <a:lnTo>
-                    <a:pt x="2534" y="2704"/>
-                  </a:lnTo>
-                  <a:lnTo>
-                    <a:pt x="2534" y="2704"/>
-                  </a:lnTo>
-                  <a:lnTo>
-                    <a:pt x="2241" y="2704"/>
-                  </a:lnTo>
-                  <a:lnTo>
-                    <a:pt x="1949" y="2729"/>
-                  </a:lnTo>
-                  <a:lnTo>
-                    <a:pt x="1633" y="2777"/>
-                  </a:lnTo>
-                  <a:lnTo>
-                    <a:pt x="1316" y="2850"/>
-                  </a:lnTo>
-                  <a:lnTo>
-                    <a:pt x="999" y="2972"/>
-                  </a:lnTo>
-                  <a:lnTo>
-                    <a:pt x="707" y="3094"/>
-                  </a:lnTo>
-                  <a:lnTo>
-                    <a:pt x="415" y="3289"/>
-                  </a:lnTo>
-                  <a:lnTo>
-                    <a:pt x="147" y="3508"/>
-                  </a:lnTo>
-                  <a:lnTo>
-                    <a:pt x="147" y="3508"/>
-                  </a:lnTo>
-                  <a:lnTo>
-                    <a:pt x="74" y="3581"/>
-                  </a:lnTo>
-                  <a:lnTo>
-                    <a:pt x="25" y="3678"/>
-                  </a:lnTo>
-                  <a:lnTo>
-                    <a:pt x="1" y="3776"/>
-                  </a:lnTo>
-                  <a:lnTo>
-                    <a:pt x="1" y="3898"/>
-                  </a:lnTo>
-                  <a:lnTo>
-                    <a:pt x="1" y="3898"/>
-                  </a:lnTo>
-                  <a:lnTo>
-                    <a:pt x="1" y="3995"/>
-                  </a:lnTo>
-                  <a:lnTo>
-                    <a:pt x="25" y="4093"/>
-                  </a:lnTo>
-                  <a:lnTo>
-                    <a:pt x="74" y="4190"/>
-                  </a:lnTo>
-                  <a:lnTo>
-                    <a:pt x="147" y="4287"/>
-                  </a:lnTo>
-                  <a:lnTo>
-                    <a:pt x="7843" y="11984"/>
-                  </a:lnTo>
-                  <a:lnTo>
-                    <a:pt x="7843" y="11984"/>
-                  </a:lnTo>
-                  <a:lnTo>
-                    <a:pt x="7941" y="12057"/>
-                  </a:lnTo>
-                  <a:lnTo>
-                    <a:pt x="8038" y="12105"/>
-                  </a:lnTo>
-                  <a:lnTo>
-                    <a:pt x="8135" y="12130"/>
-                  </a:lnTo>
-                  <a:lnTo>
-                    <a:pt x="8233" y="12130"/>
-                  </a:lnTo>
-                  <a:lnTo>
-                    <a:pt x="8233" y="12130"/>
-                  </a:lnTo>
-                  <a:lnTo>
-                    <a:pt x="8355" y="12130"/>
-                  </a:lnTo>
-                  <a:lnTo>
-                    <a:pt x="8452" y="12105"/>
-                  </a:lnTo>
-                  <a:lnTo>
-                    <a:pt x="8549" y="12057"/>
-                  </a:lnTo>
-                  <a:lnTo>
-                    <a:pt x="8622" y="11984"/>
-                  </a:lnTo>
-                  <a:lnTo>
-                    <a:pt x="8622" y="11984"/>
-                  </a:lnTo>
-                  <a:lnTo>
-                    <a:pt x="8842" y="11716"/>
-                  </a:lnTo>
-                  <a:lnTo>
-                    <a:pt x="9036" y="11423"/>
-                  </a:lnTo>
-                  <a:lnTo>
-                    <a:pt x="9158" y="11131"/>
-                  </a:lnTo>
-                  <a:lnTo>
-                    <a:pt x="9280" y="10814"/>
-                  </a:lnTo>
-                  <a:lnTo>
-                    <a:pt x="9353" y="10498"/>
-                  </a:lnTo>
-                  <a:lnTo>
-                    <a:pt x="9402" y="10181"/>
-                  </a:lnTo>
-                  <a:lnTo>
-                    <a:pt x="9426" y="9889"/>
-                  </a:lnTo>
-                  <a:lnTo>
-                    <a:pt x="9426" y="9597"/>
-                  </a:lnTo>
-                  <a:lnTo>
-                    <a:pt x="9426" y="9597"/>
-                  </a:lnTo>
-                  <a:lnTo>
-                    <a:pt x="9426" y="9280"/>
-                  </a:lnTo>
-                  <a:lnTo>
-                    <a:pt x="9402" y="8964"/>
-                  </a:lnTo>
-                  <a:lnTo>
-                    <a:pt x="9353" y="8647"/>
-                  </a:lnTo>
-                  <a:lnTo>
-                    <a:pt x="9280" y="8330"/>
-                  </a:lnTo>
-                  <a:lnTo>
-                    <a:pt x="9231" y="8038"/>
-                  </a:lnTo>
-                  <a:lnTo>
-                    <a:pt x="9134" y="7746"/>
-                  </a:lnTo>
-                  <a:lnTo>
-                    <a:pt x="9036" y="7502"/>
-                  </a:lnTo>
-                  <a:lnTo>
-                    <a:pt x="8939" y="7259"/>
-                  </a:lnTo>
-                  <a:lnTo>
-                    <a:pt x="12130" y="4093"/>
-                  </a:lnTo>
-                </a:path>
-              </a:pathLst>
-            </a:custGeom>
-            <a:noFill/>
-            <a:ln w="28575" cap="rnd" cmpd="sng">
-              <a:solidFill>
-                <a:srgbClr val="FFFFFF"/>
-              </a:solidFill>
-              <a:prstDash val="solid"/>
-              <a:round/>
-              <a:headEnd type="none" w="med" len="med"/>
-              <a:tailEnd type="none" w="med" len="med"/>
+            </a:prstGeom>
+            <a:ln>
+              <a:noFill/>
             </a:ln>
+            <a:effectLst>
+              <a:softEdge rad="112500"/>
+            </a:effectLst>
           </p:spPr>
-          <p:txBody>
-            <a:bodyPr lIns="91425" tIns="91425" rIns="91425" bIns="91425" anchor="ctr" anchorCtr="0">
-              <a:noAutofit/>
-            </a:bodyPr>
-            <a:lstStyle/>
-            <a:p>
-              <a:pPr lvl="0">
-                <a:spcBef>
-                  <a:spcPts val="0"/>
-                </a:spcBef>
-                <a:buNone/>
-              </a:pPr>
-              <a:endParaRPr dirty="0"/>
-            </a:p>
-          </p:txBody>
-        </p:sp>
-        <p:sp>
-          <p:nvSpPr>
-            <p:cNvPr id="108" name="Shape 108"/>
-            <p:cNvSpPr/>
-            <p:nvPr/>
-          </p:nvSpPr>
-          <p:spPr>
-            <a:xfrm>
-              <a:off x="2801675" y="1740825"/>
-              <a:ext cx="49950" cy="49950"/>
-            </a:xfrm>
-            <a:custGeom>
-              <a:avLst/>
-              <a:gdLst/>
-              <a:ahLst/>
-              <a:cxnLst/>
-              <a:rect l="0" t="0" r="0" b="0"/>
-              <a:pathLst>
-                <a:path w="1998" h="1998" fill="none" extrusionOk="0">
-                  <a:moveTo>
-                    <a:pt x="1" y="1997"/>
-                  </a:moveTo>
-                  <a:lnTo>
-                    <a:pt x="1998" y="0"/>
-                  </a:lnTo>
-                </a:path>
-              </a:pathLst>
-            </a:custGeom>
-            <a:noFill/>
-            <a:ln w="28575" cap="rnd" cmpd="sng">
-              <a:solidFill>
-                <a:srgbClr val="FFFFFF"/>
-              </a:solidFill>
-              <a:prstDash val="solid"/>
-              <a:round/>
-              <a:headEnd type="none" w="med" len="med"/>
-              <a:tailEnd type="none" w="med" len="med"/>
-            </a:ln>
-          </p:spPr>
-          <p:txBody>
-            <a:bodyPr lIns="91425" tIns="91425" rIns="91425" bIns="91425" anchor="ctr" anchorCtr="0">
-              <a:noAutofit/>
-            </a:bodyPr>
-            <a:lstStyle/>
-            <a:p>
-              <a:pPr lvl="0">
-                <a:spcBef>
-                  <a:spcPts val="0"/>
-                </a:spcBef>
-                <a:buNone/>
-              </a:pPr>
-              <a:endParaRPr dirty="0"/>
-            </a:p>
-          </p:txBody>
-        </p:sp>
+        </p:pic>
       </p:grpSp>
-      <p:pic>
-        <p:nvPicPr>
-          <p:cNvPr id="2" name="Picture 1"/>
-          <p:cNvPicPr>
-            <a:picLocks noChangeAspect="1"/>
-          </p:cNvPicPr>
-          <p:nvPr/>
-        </p:nvPicPr>
-        <p:blipFill>
-          <a:blip r:embed="rId3"/>
-          <a:stretch>
-            <a:fillRect/>
-          </a:stretch>
-        </p:blipFill>
-        <p:spPr>
-          <a:xfrm>
-            <a:off x="2658885" y="932543"/>
-            <a:ext cx="5964687" cy="5638884"/>
-          </a:xfrm>
-          <a:prstGeom prst="rect">
-            <a:avLst/>
-          </a:prstGeom>
-          <a:ln>
-            <a:noFill/>
-          </a:ln>
-          <a:effectLst>
-            <a:softEdge rad="112500"/>
-          </a:effectLst>
-        </p:spPr>
-      </p:pic>
     </p:spTree>
+    <p:extLst>
+      <p:ext uri="{BB962C8B-B14F-4D97-AF65-F5344CB8AC3E}">
+        <p14:creationId xmlns:p14="http://schemas.microsoft.com/office/powerpoint/2010/main" val="1795559708"/>
+      </p:ext>
+    </p:extLst>
   </p:cSld>
   <p:clrMapOvr>
     <a:masterClrMapping/>
   </p:clrMapOvr>
+  <mc:AlternateContent xmlns:mc="http://schemas.openxmlformats.org/markup-compatibility/2006">
+    <mc:Choice xmlns:p15="http://schemas.microsoft.com/office/powerpoint/2012/main" Requires="p15">
+      <p:transition xmlns:p14="http://schemas.microsoft.com/office/powerpoint/2010/main" spd="slow" p14:dur="1250" advTm="6372">
+        <p15:prstTrans prst="pageCurlDouble"/>
+      </p:transition>
+    </mc:Choice>
+    <mc:Fallback>
+      <p:transition spd="slow" advTm="6372">
+        <p:fade/>
+      </p:transition>
+    </mc:Fallback>
+  </mc:AlternateContent>
 </p:sld>
 </file>
 
-<file path=ppt/slides/slide4.xml><?xml version="1.0" encoding="utf-8"?>
+<file path=ppt/slides/slide5.xml><?xml version="1.0" encoding="utf-8"?>
 <p:sld xmlns:a="http://schemas.openxmlformats.org/drawingml/2006/main" xmlns:r="http://schemas.openxmlformats.org/officeDocument/2006/relationships" xmlns:p="http://schemas.openxmlformats.org/presentationml/2006/main">
   <p:cSld>
     <p:spTree>
       <p:nvGrpSpPr>
-        <p:cNvPr id="1" name="Shape 280"/>
+        <p:cNvPr id="1" name=""/>
         <p:cNvGrpSpPr/>
         <p:nvPr/>
       </p:nvGrpSpPr>
@@ -7622,14 +10938,14 @@
       </p:grpSpPr>
       <p:sp>
         <p:nvSpPr>
-          <p:cNvPr id="281" name="Shape 281"/>
+          <p:cNvPr id="2" name="Shape 281"/>
           <p:cNvSpPr/>
           <p:nvPr/>
         </p:nvSpPr>
         <p:spPr>
           <a:xfrm>
-            <a:off x="3889450" y="1642350"/>
-            <a:ext cx="4717800" cy="3007500"/>
+            <a:off x="2954215" y="1111434"/>
+            <a:ext cx="5653035" cy="3538416"/>
           </a:xfrm>
           <a:prstGeom prst="rect">
             <a:avLst/>
@@ -7665,2242 +10981,62 @@
           </a:p>
         </p:txBody>
       </p:sp>
-      <p:sp>
-        <p:nvSpPr>
-          <p:cNvPr id="282" name="Shape 282"/>
-          <p:cNvSpPr txBox="1">
-            <a:spLocks noGrp="1"/>
-          </p:cNvSpPr>
-          <p:nvPr>
-            <p:ph type="body" idx="4294967295"/>
-          </p:nvPr>
-        </p:nvSpPr>
+      <p:pic>
+        <p:nvPicPr>
+          <p:cNvPr id="7" name="Picture 6"/>
+          <p:cNvPicPr>
+            <a:picLocks noChangeAspect="1"/>
+          </p:cNvPicPr>
+          <p:nvPr/>
+        </p:nvPicPr>
+        <p:blipFill rotWithShape="1">
+          <a:blip r:embed="rId4"/>
+          <a:srcRect r="385" b="7591"/>
+          <a:stretch/>
+        </p:blipFill>
         <p:spPr>
           <a:xfrm>
-            <a:off x="1319400" y="3139850"/>
-            <a:ext cx="1895700" cy="2196300"/>
+            <a:off x="-107853" y="6081996"/>
+            <a:ext cx="1092591" cy="776004"/>
           </a:xfrm>
           <a:prstGeom prst="rect">
             <a:avLst/>
           </a:prstGeom>
+          <a:ln>
+            <a:noFill/>
+          </a:ln>
+          <a:effectLst>
+            <a:softEdge rad="112500"/>
+          </a:effectLst>
         </p:spPr>
-        <p:txBody>
-          <a:bodyPr lIns="91425" tIns="91425" rIns="91425" bIns="91425" anchor="t" anchorCtr="0">
-            <a:noAutofit/>
-          </a:bodyPr>
-          <a:lstStyle/>
-          <a:p>
-            <a:pPr lvl="0" rtl="0">
-              <a:spcBef>
-                <a:spcPts val="0"/>
-              </a:spcBef>
-              <a:buNone/>
-            </a:pPr>
-            <a:r>
-              <a:rPr lang="en" sz="1800" b="1" dirty="0"/>
-              <a:t>DESKTOP PROJECT</a:t>
-            </a:r>
-          </a:p>
-          <a:p>
-            <a:pPr lvl="0" rtl="0">
-              <a:spcBef>
-                <a:spcPts val="0"/>
-              </a:spcBef>
-              <a:buNone/>
-            </a:pPr>
-            <a:r>
-              <a:rPr lang="en" sz="1800" dirty="0"/>
-              <a:t>Show and explain your web, app or software projects using these gadget templates.</a:t>
-            </a:r>
-          </a:p>
-        </p:txBody>
-      </p:sp>
-      <p:sp>
-        <p:nvSpPr>
-          <p:cNvPr id="283" name="Shape 283"/>
-          <p:cNvSpPr/>
-          <p:nvPr/>
-        </p:nvSpPr>
-        <p:spPr>
-          <a:xfrm>
-            <a:off x="3678187" y="1429812"/>
-            <a:ext cx="5140316" cy="4001794"/>
-          </a:xfrm>
-          <a:custGeom>
-            <a:avLst/>
-            <a:gdLst/>
-            <a:ahLst/>
-            <a:cxnLst/>
-            <a:rect l="0" t="0" r="0" b="0"/>
-            <a:pathLst>
-              <a:path w="143434" h="111665" extrusionOk="0">
-                <a:moveTo>
-                  <a:pt x="71751" y="2308"/>
-                </a:moveTo>
-                <a:lnTo>
-                  <a:pt x="71887" y="2376"/>
-                </a:lnTo>
-                <a:lnTo>
-                  <a:pt x="72091" y="2444"/>
-                </a:lnTo>
-                <a:lnTo>
-                  <a:pt x="72159" y="2647"/>
-                </a:lnTo>
-                <a:lnTo>
-                  <a:pt x="72226" y="2783"/>
-                </a:lnTo>
-                <a:lnTo>
-                  <a:pt x="72159" y="2987"/>
-                </a:lnTo>
-                <a:lnTo>
-                  <a:pt x="72091" y="3190"/>
-                </a:lnTo>
-                <a:lnTo>
-                  <a:pt x="71887" y="3258"/>
-                </a:lnTo>
-                <a:lnTo>
-                  <a:pt x="71751" y="3326"/>
-                </a:lnTo>
-                <a:lnTo>
-                  <a:pt x="71548" y="3258"/>
-                </a:lnTo>
-                <a:lnTo>
-                  <a:pt x="71344" y="3190"/>
-                </a:lnTo>
-                <a:lnTo>
-                  <a:pt x="71276" y="2987"/>
-                </a:lnTo>
-                <a:lnTo>
-                  <a:pt x="71208" y="2783"/>
-                </a:lnTo>
-                <a:lnTo>
-                  <a:pt x="71276" y="2647"/>
-                </a:lnTo>
-                <a:lnTo>
-                  <a:pt x="71344" y="2444"/>
-                </a:lnTo>
-                <a:lnTo>
-                  <a:pt x="71548" y="2376"/>
-                </a:lnTo>
-                <a:lnTo>
-                  <a:pt x="71751" y="2308"/>
-                </a:lnTo>
-                <a:close/>
-                <a:moveTo>
-                  <a:pt x="137528" y="5906"/>
-                </a:moveTo>
-                <a:lnTo>
-                  <a:pt x="137596" y="5974"/>
-                </a:lnTo>
-                <a:lnTo>
-                  <a:pt x="137596" y="89604"/>
-                </a:lnTo>
-                <a:lnTo>
-                  <a:pt x="5906" y="89604"/>
-                </a:lnTo>
-                <a:lnTo>
-                  <a:pt x="5906" y="5974"/>
-                </a:lnTo>
-                <a:lnTo>
-                  <a:pt x="5906" y="5906"/>
-                </a:lnTo>
-                <a:close/>
-                <a:moveTo>
-                  <a:pt x="3530" y="0"/>
-                </a:moveTo>
-                <a:lnTo>
-                  <a:pt x="3191" y="68"/>
-                </a:lnTo>
-                <a:lnTo>
-                  <a:pt x="2444" y="339"/>
-                </a:lnTo>
-                <a:lnTo>
-                  <a:pt x="1766" y="679"/>
-                </a:lnTo>
-                <a:lnTo>
-                  <a:pt x="1155" y="1154"/>
-                </a:lnTo>
-                <a:lnTo>
-                  <a:pt x="679" y="1765"/>
-                </a:lnTo>
-                <a:lnTo>
-                  <a:pt x="272" y="2444"/>
-                </a:lnTo>
-                <a:lnTo>
-                  <a:pt x="69" y="3190"/>
-                </a:lnTo>
-                <a:lnTo>
-                  <a:pt x="1" y="3598"/>
-                </a:lnTo>
-                <a:lnTo>
-                  <a:pt x="1" y="4005"/>
-                </a:lnTo>
-                <a:lnTo>
-                  <a:pt x="1" y="91572"/>
-                </a:lnTo>
-                <a:lnTo>
-                  <a:pt x="1" y="91979"/>
-                </a:lnTo>
-                <a:lnTo>
-                  <a:pt x="69" y="92319"/>
-                </a:lnTo>
-                <a:lnTo>
-                  <a:pt x="272" y="93065"/>
-                </a:lnTo>
-                <a:lnTo>
-                  <a:pt x="679" y="93744"/>
-                </a:lnTo>
-                <a:lnTo>
-                  <a:pt x="1155" y="94355"/>
-                </a:lnTo>
-                <a:lnTo>
-                  <a:pt x="1766" y="94830"/>
-                </a:lnTo>
-                <a:lnTo>
-                  <a:pt x="2444" y="95238"/>
-                </a:lnTo>
-                <a:lnTo>
-                  <a:pt x="3191" y="95441"/>
-                </a:lnTo>
-                <a:lnTo>
-                  <a:pt x="3530" y="95509"/>
-                </a:lnTo>
-                <a:lnTo>
-                  <a:pt x="139904" y="95509"/>
-                </a:lnTo>
-                <a:lnTo>
-                  <a:pt x="140311" y="95441"/>
-                </a:lnTo>
-                <a:lnTo>
-                  <a:pt x="141058" y="95238"/>
-                </a:lnTo>
-                <a:lnTo>
-                  <a:pt x="141737" y="94830"/>
-                </a:lnTo>
-                <a:lnTo>
-                  <a:pt x="142280" y="94355"/>
-                </a:lnTo>
-                <a:lnTo>
-                  <a:pt x="142755" y="93744"/>
-                </a:lnTo>
-                <a:lnTo>
-                  <a:pt x="143162" y="93065"/>
-                </a:lnTo>
-                <a:lnTo>
-                  <a:pt x="143366" y="92319"/>
-                </a:lnTo>
-                <a:lnTo>
-                  <a:pt x="143434" y="91979"/>
-                </a:lnTo>
-                <a:lnTo>
-                  <a:pt x="143434" y="91572"/>
-                </a:lnTo>
-                <a:lnTo>
-                  <a:pt x="143434" y="4005"/>
-                </a:lnTo>
-                <a:lnTo>
-                  <a:pt x="143434" y="3598"/>
-                </a:lnTo>
-                <a:lnTo>
-                  <a:pt x="143366" y="3190"/>
-                </a:lnTo>
-                <a:lnTo>
-                  <a:pt x="143162" y="2444"/>
-                </a:lnTo>
-                <a:lnTo>
-                  <a:pt x="142755" y="1765"/>
-                </a:lnTo>
-                <a:lnTo>
-                  <a:pt x="142280" y="1154"/>
-                </a:lnTo>
-                <a:lnTo>
-                  <a:pt x="141737" y="679"/>
-                </a:lnTo>
-                <a:lnTo>
-                  <a:pt x="141058" y="339"/>
-                </a:lnTo>
-                <a:lnTo>
-                  <a:pt x="140311" y="68"/>
-                </a:lnTo>
-                <a:lnTo>
-                  <a:pt x="139904" y="0"/>
-                </a:lnTo>
-                <a:close/>
-                <a:moveTo>
-                  <a:pt x="55324" y="95713"/>
-                </a:moveTo>
-                <a:lnTo>
-                  <a:pt x="55052" y="98971"/>
-                </a:lnTo>
-                <a:lnTo>
-                  <a:pt x="54713" y="102297"/>
-                </a:lnTo>
-                <a:lnTo>
-                  <a:pt x="54374" y="105284"/>
-                </a:lnTo>
-                <a:lnTo>
-                  <a:pt x="53966" y="107388"/>
-                </a:lnTo>
-                <a:lnTo>
-                  <a:pt x="53763" y="108203"/>
-                </a:lnTo>
-                <a:lnTo>
-                  <a:pt x="53627" y="108746"/>
-                </a:lnTo>
-                <a:lnTo>
-                  <a:pt x="53423" y="109153"/>
-                </a:lnTo>
-                <a:lnTo>
-                  <a:pt x="53220" y="109357"/>
-                </a:lnTo>
-                <a:lnTo>
-                  <a:pt x="52677" y="109493"/>
-                </a:lnTo>
-                <a:lnTo>
-                  <a:pt x="51794" y="109696"/>
-                </a:lnTo>
-                <a:lnTo>
-                  <a:pt x="49690" y="110036"/>
-                </a:lnTo>
-                <a:lnTo>
-                  <a:pt x="48061" y="110307"/>
-                </a:lnTo>
-                <a:lnTo>
-                  <a:pt x="47450" y="110443"/>
-                </a:lnTo>
-                <a:lnTo>
-                  <a:pt x="47110" y="110511"/>
-                </a:lnTo>
-                <a:lnTo>
-                  <a:pt x="47042" y="110579"/>
-                </a:lnTo>
-                <a:lnTo>
-                  <a:pt x="47042" y="110783"/>
-                </a:lnTo>
-                <a:lnTo>
-                  <a:pt x="47110" y="110850"/>
-                </a:lnTo>
-                <a:lnTo>
-                  <a:pt x="47585" y="110918"/>
-                </a:lnTo>
-                <a:lnTo>
-                  <a:pt x="48400" y="110986"/>
-                </a:lnTo>
-                <a:lnTo>
-                  <a:pt x="51387" y="111054"/>
-                </a:lnTo>
-                <a:lnTo>
-                  <a:pt x="56071" y="111122"/>
-                </a:lnTo>
-                <a:lnTo>
-                  <a:pt x="87092" y="111122"/>
-                </a:lnTo>
-                <a:lnTo>
-                  <a:pt x="91708" y="111054"/>
-                </a:lnTo>
-                <a:lnTo>
-                  <a:pt x="94695" y="110986"/>
-                </a:lnTo>
-                <a:lnTo>
-                  <a:pt x="95578" y="110918"/>
-                </a:lnTo>
-                <a:lnTo>
-                  <a:pt x="96053" y="110850"/>
-                </a:lnTo>
-                <a:lnTo>
-                  <a:pt x="96121" y="110783"/>
-                </a:lnTo>
-                <a:lnTo>
-                  <a:pt x="96121" y="110579"/>
-                </a:lnTo>
-                <a:lnTo>
-                  <a:pt x="96053" y="110511"/>
-                </a:lnTo>
-                <a:lnTo>
-                  <a:pt x="95713" y="110443"/>
-                </a:lnTo>
-                <a:lnTo>
-                  <a:pt x="95102" y="110307"/>
-                </a:lnTo>
-                <a:lnTo>
-                  <a:pt x="93473" y="110036"/>
-                </a:lnTo>
-                <a:lnTo>
-                  <a:pt x="91369" y="109696"/>
-                </a:lnTo>
-                <a:lnTo>
-                  <a:pt x="90487" y="109493"/>
-                </a:lnTo>
-                <a:lnTo>
-                  <a:pt x="89943" y="109357"/>
-                </a:lnTo>
-                <a:lnTo>
-                  <a:pt x="89740" y="109153"/>
-                </a:lnTo>
-                <a:lnTo>
-                  <a:pt x="89536" y="108746"/>
-                </a:lnTo>
-                <a:lnTo>
-                  <a:pt x="89333" y="108203"/>
-                </a:lnTo>
-                <a:lnTo>
-                  <a:pt x="89197" y="107388"/>
-                </a:lnTo>
-                <a:lnTo>
-                  <a:pt x="88789" y="105284"/>
-                </a:lnTo>
-                <a:lnTo>
-                  <a:pt x="88382" y="102297"/>
-                </a:lnTo>
-                <a:lnTo>
-                  <a:pt x="88043" y="98971"/>
-                </a:lnTo>
-                <a:lnTo>
-                  <a:pt x="87839" y="95713"/>
-                </a:lnTo>
-                <a:close/>
-                <a:moveTo>
-                  <a:pt x="47450" y="111054"/>
-                </a:moveTo>
-                <a:lnTo>
-                  <a:pt x="47450" y="111122"/>
-                </a:lnTo>
-                <a:lnTo>
-                  <a:pt x="47450" y="111393"/>
-                </a:lnTo>
-                <a:lnTo>
-                  <a:pt x="47518" y="111461"/>
-                </a:lnTo>
-                <a:lnTo>
-                  <a:pt x="48807" y="111529"/>
-                </a:lnTo>
-                <a:lnTo>
-                  <a:pt x="52473" y="111597"/>
-                </a:lnTo>
-                <a:lnTo>
-                  <a:pt x="62384" y="111665"/>
-                </a:lnTo>
-                <a:lnTo>
-                  <a:pt x="80779" y="111665"/>
-                </a:lnTo>
-                <a:lnTo>
-                  <a:pt x="90622" y="111597"/>
-                </a:lnTo>
-                <a:lnTo>
-                  <a:pt x="94356" y="111529"/>
-                </a:lnTo>
-                <a:lnTo>
-                  <a:pt x="95646" y="111461"/>
-                </a:lnTo>
-                <a:lnTo>
-                  <a:pt x="95713" y="111393"/>
-                </a:lnTo>
-                <a:lnTo>
-                  <a:pt x="95713" y="111122"/>
-                </a:lnTo>
-                <a:lnTo>
-                  <a:pt x="95646" y="111054"/>
-                </a:lnTo>
-                <a:lnTo>
-                  <a:pt x="94084" y="111122"/>
-                </a:lnTo>
-                <a:lnTo>
-                  <a:pt x="91233" y="111190"/>
-                </a:lnTo>
-                <a:lnTo>
-                  <a:pt x="80847" y="111258"/>
-                </a:lnTo>
-                <a:lnTo>
-                  <a:pt x="62316" y="111258"/>
-                </a:lnTo>
-                <a:lnTo>
-                  <a:pt x="51930" y="111190"/>
-                </a:lnTo>
-                <a:lnTo>
-                  <a:pt x="49079" y="111122"/>
-                </a:lnTo>
-                <a:lnTo>
-                  <a:pt x="47518" y="111054"/>
-                </a:lnTo>
-                <a:close/>
-              </a:path>
-            </a:pathLst>
-          </a:custGeom>
-          <a:noFill/>
-          <a:ln w="9525" cap="flat" cmpd="sng">
-            <a:solidFill>
-              <a:srgbClr val="999FA9"/>
-            </a:solidFill>
-            <a:prstDash val="solid"/>
-            <a:round/>
-            <a:headEnd type="none" w="med" len="med"/>
-            <a:tailEnd type="none" w="med" len="med"/>
-          </a:ln>
-        </p:spPr>
-        <p:txBody>
-          <a:bodyPr lIns="91425" tIns="91425" rIns="91425" bIns="91425" anchor="ctr" anchorCtr="0">
-            <a:noAutofit/>
-          </a:bodyPr>
-          <a:lstStyle/>
-          <a:p>
-            <a:pPr lvl="0">
-              <a:spcBef>
-                <a:spcPts val="0"/>
-              </a:spcBef>
-              <a:buNone/>
-            </a:pPr>
-            <a:endParaRPr dirty="0"/>
-          </a:p>
-        </p:txBody>
-      </p:sp>
+      </p:pic>
       <p:pic>
         <p:nvPicPr>
-          <p:cNvPr id="13" name="Shape 159" descr="mapa_linea_b-01.png"/>
-          <p:cNvPicPr preferRelativeResize="0"/>
-          <p:nvPr/>
+          <p:cNvPr id="9" name="nimbus-record-video">
+            <a:hlinkClick r:id="" action="ppaction://media"/>
+          </p:cNvPr>
+          <p:cNvPicPr>
+            <a:picLocks noChangeAspect="1"/>
+          </p:cNvPicPr>
+          <p:nvPr>
+            <a:videoFile r:link="rId2"/>
+            <p:extLst>
+              <p:ext uri="{DAA4B4D4-6D71-4841-9C94-3DE7FCFB9230}">
+                <p14:media xmlns:p14="http://schemas.microsoft.com/office/powerpoint/2010/main" r:embed="rId1"/>
+              </p:ext>
+            </p:extLst>
+          </p:nvPr>
         </p:nvPicPr>
         <p:blipFill>
-          <a:blip r:embed="rId3">
-            <a:alphaModFix amt="38000"/>
-          </a:blip>
+          <a:blip r:embed="rId5"/>
           <a:stretch>
             <a:fillRect/>
           </a:stretch>
         </p:blipFill>
         <p:spPr>
           <a:xfrm>
-            <a:off x="3972762" y="1893190"/>
-            <a:ext cx="4551165" cy="2335237"/>
-          </a:xfrm>
-          <a:prstGeom prst="rect">
-            <a:avLst/>
-          </a:prstGeom>
-          <a:noFill/>
-          <a:ln>
-            <a:noFill/>
-          </a:ln>
-        </p:spPr>
-      </p:pic>
-      <p:pic>
-        <p:nvPicPr>
-          <p:cNvPr id="3" name="Picture 2"/>
-          <p:cNvPicPr>
-            <a:picLocks noChangeAspect="1"/>
-          </p:cNvPicPr>
-          <p:nvPr/>
-        </p:nvPicPr>
-        <p:blipFill>
-          <a:blip r:embed="rId4"/>
-          <a:stretch>
-            <a:fillRect/>
-          </a:stretch>
-        </p:blipFill>
-        <p:spPr>
-          <a:xfrm>
-            <a:off x="5003667" y="2871450"/>
-            <a:ext cx="139834" cy="378716"/>
-          </a:xfrm>
-          <a:prstGeom prst="rect">
-            <a:avLst/>
-          </a:prstGeom>
-        </p:spPr>
-      </p:pic>
-    </p:spTree>
-  </p:cSld>
-  <p:clrMapOvr>
-    <a:masterClrMapping/>
-  </p:clrMapOvr>
-</p:sld>
-</file>
-
-<file path=ppt/slides/slide5.xml><?xml version="1.0" encoding="utf-8"?>
-<p:sld xmlns:a="http://schemas.openxmlformats.org/drawingml/2006/main" xmlns:r="http://schemas.openxmlformats.org/officeDocument/2006/relationships" xmlns:p="http://schemas.openxmlformats.org/presentationml/2006/main">
-  <p:cSld>
-    <p:spTree>
-      <p:nvGrpSpPr>
-        <p:cNvPr id="1" name=""/>
-        <p:cNvGrpSpPr/>
-        <p:nvPr/>
-      </p:nvGrpSpPr>
-      <p:grpSpPr>
-        <a:xfrm>
-          <a:off x="0" y="0"/>
-          <a:ext cx="0" cy="0"/>
-          <a:chOff x="0" y="0"/>
-          <a:chExt cx="0" cy="0"/>
-        </a:xfrm>
-      </p:grpSpPr>
-      <p:sp>
-        <p:nvSpPr>
-          <p:cNvPr id="2" name="Shape 281"/>
-          <p:cNvSpPr/>
-          <p:nvPr/>
-        </p:nvSpPr>
-        <p:spPr>
-          <a:xfrm>
-            <a:off x="3889450" y="1642350"/>
-            <a:ext cx="4717800" cy="3007500"/>
-          </a:xfrm>
-          <a:prstGeom prst="rect">
-            <a:avLst/>
-          </a:prstGeom>
-          <a:solidFill>
-            <a:srgbClr val="2E3037"/>
-          </a:solidFill>
-          <a:ln>
-            <a:noFill/>
-          </a:ln>
-        </p:spPr>
-        <p:txBody>
-          <a:bodyPr lIns="91425" tIns="91425" rIns="91425" bIns="91425" anchor="ctr" anchorCtr="0">
-            <a:noAutofit/>
-          </a:bodyPr>
-          <a:lstStyle/>
-          <a:p>
-            <a:pPr lvl="0" algn="ctr" rtl="0">
-              <a:spcBef>
-                <a:spcPts val="0"/>
-              </a:spcBef>
-              <a:buNone/>
-            </a:pPr>
-            <a:r>
-              <a:rPr lang="en" sz="1000" dirty="0">
-                <a:solidFill>
-                  <a:srgbClr val="39C0BA"/>
-                </a:solidFill>
-                <a:latin typeface="Quicksand"/>
-                <a:ea typeface="Quicksand"/>
-                <a:cs typeface="Quicksand"/>
-                <a:sym typeface="Quicksand"/>
-              </a:rPr>
-              <a:t>Place your screenshot here</a:t>
-            </a:r>
-          </a:p>
-        </p:txBody>
-      </p:sp>
-      <p:sp>
-        <p:nvSpPr>
-          <p:cNvPr id="3" name="Shape 282"/>
-          <p:cNvSpPr txBox="1">
-            <a:spLocks/>
-          </p:cNvSpPr>
-          <p:nvPr/>
-        </p:nvSpPr>
-        <p:spPr>
-          <a:xfrm>
-            <a:off x="1319400" y="3139850"/>
-            <a:ext cx="1895700" cy="2196300"/>
-          </a:xfrm>
-          <a:prstGeom prst="rect">
-            <a:avLst/>
-          </a:prstGeom>
-          <a:noFill/>
-          <a:ln>
-            <a:noFill/>
-          </a:ln>
-        </p:spPr>
-        <p:txBody>
-          <a:bodyPr lIns="91425" tIns="91425" rIns="91425" bIns="91425" anchor="t" anchorCtr="0">
-            <a:noAutofit/>
-          </a:bodyPr>
-          <a:lstStyle>
-            <a:defPPr marR="0" lvl="0" algn="l" rtl="0">
-              <a:lnSpc>
-                <a:spcPct val="100000"/>
-              </a:lnSpc>
-              <a:spcBef>
-                <a:spcPts val="0"/>
-              </a:spcBef>
-              <a:spcAft>
-                <a:spcPts val="0"/>
-              </a:spcAft>
-            </a:defPPr>
-            <a:lvl1pPr marR="0" lvl="0" algn="l" rtl="0">
-              <a:lnSpc>
-                <a:spcPct val="100000"/>
-              </a:lnSpc>
-              <a:spcBef>
-                <a:spcPts val="600"/>
-              </a:spcBef>
-              <a:spcAft>
-                <a:spcPts val="0"/>
-              </a:spcAft>
-              <a:buClr>
-                <a:srgbClr val="F3F3F3"/>
-              </a:buClr>
-              <a:buSzPct val="100000"/>
-              <a:buFont typeface="Quicksand"/>
-              <a:buChar char="◦"/>
-              <a:defRPr sz="3000" b="0" i="0" u="none" strike="noStrike" cap="none">
-                <a:solidFill>
-                  <a:srgbClr val="F3F3F3"/>
-                </a:solidFill>
-                <a:latin typeface="Quicksand"/>
-                <a:ea typeface="Quicksand"/>
-                <a:cs typeface="Quicksand"/>
-                <a:sym typeface="Quicksand"/>
-              </a:defRPr>
-            </a:lvl1pPr>
-            <a:lvl2pPr marR="0" lvl="1" algn="l" rtl="0">
-              <a:lnSpc>
-                <a:spcPct val="100000"/>
-              </a:lnSpc>
-              <a:spcBef>
-                <a:spcPts val="480"/>
-              </a:spcBef>
-              <a:spcAft>
-                <a:spcPts val="0"/>
-              </a:spcAft>
-              <a:buClr>
-                <a:srgbClr val="F3F3F3"/>
-              </a:buClr>
-              <a:buSzPct val="100000"/>
-              <a:buFont typeface="Quicksand"/>
-              <a:buChar char="▫"/>
-              <a:defRPr sz="2400" b="0" i="0" u="none" strike="noStrike" cap="none">
-                <a:solidFill>
-                  <a:srgbClr val="F3F3F3"/>
-                </a:solidFill>
-                <a:latin typeface="Quicksand"/>
-                <a:ea typeface="Quicksand"/>
-                <a:cs typeface="Quicksand"/>
-                <a:sym typeface="Quicksand"/>
-              </a:defRPr>
-            </a:lvl2pPr>
-            <a:lvl3pPr marR="0" lvl="2" algn="l" rtl="0">
-              <a:lnSpc>
-                <a:spcPct val="100000"/>
-              </a:lnSpc>
-              <a:spcBef>
-                <a:spcPts val="480"/>
-              </a:spcBef>
-              <a:spcAft>
-                <a:spcPts val="0"/>
-              </a:spcAft>
-              <a:buClr>
-                <a:srgbClr val="F3F3F3"/>
-              </a:buClr>
-              <a:buSzPct val="100000"/>
-              <a:buFont typeface="Quicksand"/>
-              <a:buNone/>
-              <a:defRPr sz="2400" b="0" i="0" u="none" strike="noStrike" cap="none">
-                <a:solidFill>
-                  <a:srgbClr val="F3F3F3"/>
-                </a:solidFill>
-                <a:latin typeface="Quicksand"/>
-                <a:ea typeface="Quicksand"/>
-                <a:cs typeface="Quicksand"/>
-                <a:sym typeface="Quicksand"/>
-              </a:defRPr>
-            </a:lvl3pPr>
-            <a:lvl4pPr marR="0" lvl="3" algn="l" rtl="0">
-              <a:lnSpc>
-                <a:spcPct val="100000"/>
-              </a:lnSpc>
-              <a:spcBef>
-                <a:spcPts val="360"/>
-              </a:spcBef>
-              <a:spcAft>
-                <a:spcPts val="0"/>
-              </a:spcAft>
-              <a:buClr>
-                <a:srgbClr val="F3F3F3"/>
-              </a:buClr>
-              <a:buSzPct val="100000"/>
-              <a:buFont typeface="Quicksand"/>
-              <a:buNone/>
-              <a:defRPr sz="1800" b="0" i="0" u="none" strike="noStrike" cap="none">
-                <a:solidFill>
-                  <a:srgbClr val="F3F3F3"/>
-                </a:solidFill>
-                <a:latin typeface="Quicksand"/>
-                <a:ea typeface="Quicksand"/>
-                <a:cs typeface="Quicksand"/>
-                <a:sym typeface="Quicksand"/>
-              </a:defRPr>
-            </a:lvl4pPr>
-            <a:lvl5pPr marR="0" lvl="4" algn="l" rtl="0">
-              <a:lnSpc>
-                <a:spcPct val="100000"/>
-              </a:lnSpc>
-              <a:spcBef>
-                <a:spcPts val="360"/>
-              </a:spcBef>
-              <a:spcAft>
-                <a:spcPts val="0"/>
-              </a:spcAft>
-              <a:buClr>
-                <a:srgbClr val="F3F3F3"/>
-              </a:buClr>
-              <a:buSzPct val="100000"/>
-              <a:buFont typeface="Quicksand"/>
-              <a:buNone/>
-              <a:defRPr sz="1800" b="0" i="0" u="none" strike="noStrike" cap="none">
-                <a:solidFill>
-                  <a:srgbClr val="F3F3F3"/>
-                </a:solidFill>
-                <a:latin typeface="Quicksand"/>
-                <a:ea typeface="Quicksand"/>
-                <a:cs typeface="Quicksand"/>
-                <a:sym typeface="Quicksand"/>
-              </a:defRPr>
-            </a:lvl5pPr>
-            <a:lvl6pPr marR="0" lvl="5" algn="l" rtl="0">
-              <a:lnSpc>
-                <a:spcPct val="100000"/>
-              </a:lnSpc>
-              <a:spcBef>
-                <a:spcPts val="360"/>
-              </a:spcBef>
-              <a:spcAft>
-                <a:spcPts val="0"/>
-              </a:spcAft>
-              <a:buClr>
-                <a:srgbClr val="F3F3F3"/>
-              </a:buClr>
-              <a:buSzPct val="100000"/>
-              <a:buFont typeface="Quicksand"/>
-              <a:buNone/>
-              <a:defRPr sz="1800" b="0" i="0" u="none" strike="noStrike" cap="none">
-                <a:solidFill>
-                  <a:srgbClr val="F3F3F3"/>
-                </a:solidFill>
-                <a:latin typeface="Quicksand"/>
-                <a:ea typeface="Quicksand"/>
-                <a:cs typeface="Quicksand"/>
-                <a:sym typeface="Quicksand"/>
-              </a:defRPr>
-            </a:lvl6pPr>
-            <a:lvl7pPr marR="0" lvl="6" algn="l" rtl="0">
-              <a:lnSpc>
-                <a:spcPct val="100000"/>
-              </a:lnSpc>
-              <a:spcBef>
-                <a:spcPts val="360"/>
-              </a:spcBef>
-              <a:spcAft>
-                <a:spcPts val="0"/>
-              </a:spcAft>
-              <a:buClr>
-                <a:srgbClr val="F3F3F3"/>
-              </a:buClr>
-              <a:buSzPct val="100000"/>
-              <a:buFont typeface="Quicksand"/>
-              <a:buNone/>
-              <a:defRPr sz="1800" b="0" i="0" u="none" strike="noStrike" cap="none">
-                <a:solidFill>
-                  <a:srgbClr val="F3F3F3"/>
-                </a:solidFill>
-                <a:latin typeface="Quicksand"/>
-                <a:ea typeface="Quicksand"/>
-                <a:cs typeface="Quicksand"/>
-                <a:sym typeface="Quicksand"/>
-              </a:defRPr>
-            </a:lvl7pPr>
-            <a:lvl8pPr marR="0" lvl="7" algn="l" rtl="0">
-              <a:lnSpc>
-                <a:spcPct val="100000"/>
-              </a:lnSpc>
-              <a:spcBef>
-                <a:spcPts val="360"/>
-              </a:spcBef>
-              <a:spcAft>
-                <a:spcPts val="0"/>
-              </a:spcAft>
-              <a:buClr>
-                <a:srgbClr val="F3F3F3"/>
-              </a:buClr>
-              <a:buSzPct val="100000"/>
-              <a:buFont typeface="Quicksand"/>
-              <a:buNone/>
-              <a:defRPr sz="1800" b="0" i="0" u="none" strike="noStrike" cap="none">
-                <a:solidFill>
-                  <a:srgbClr val="F3F3F3"/>
-                </a:solidFill>
-                <a:latin typeface="Quicksand"/>
-                <a:ea typeface="Quicksand"/>
-                <a:cs typeface="Quicksand"/>
-                <a:sym typeface="Quicksand"/>
-              </a:defRPr>
-            </a:lvl8pPr>
-            <a:lvl9pPr marR="0" lvl="8" algn="l" rtl="0">
-              <a:lnSpc>
-                <a:spcPct val="100000"/>
-              </a:lnSpc>
-              <a:spcBef>
-                <a:spcPts val="360"/>
-              </a:spcBef>
-              <a:spcAft>
-                <a:spcPts val="0"/>
-              </a:spcAft>
-              <a:buClr>
-                <a:srgbClr val="F3F3F3"/>
-              </a:buClr>
-              <a:buSzPct val="100000"/>
-              <a:buFont typeface="Quicksand"/>
-              <a:buNone/>
-              <a:defRPr sz="1800" b="0" i="0" u="none" strike="noStrike" cap="none">
-                <a:solidFill>
-                  <a:srgbClr val="F3F3F3"/>
-                </a:solidFill>
-                <a:latin typeface="Quicksand"/>
-                <a:ea typeface="Quicksand"/>
-                <a:cs typeface="Quicksand"/>
-                <a:sym typeface="Quicksand"/>
-              </a:defRPr>
-            </a:lvl9pPr>
-          </a:lstStyle>
-          <a:p>
-            <a:pPr>
-              <a:spcBef>
-                <a:spcPts val="0"/>
-              </a:spcBef>
-              <a:buFont typeface="Quicksand"/>
-              <a:buNone/>
-            </a:pPr>
-            <a:r>
-              <a:rPr lang="en" sz="1800" b="1"/>
-              <a:t>DESKTOP PROJECT</a:t>
-            </a:r>
-          </a:p>
-          <a:p>
-            <a:pPr>
-              <a:spcBef>
-                <a:spcPts val="0"/>
-              </a:spcBef>
-              <a:buFont typeface="Quicksand"/>
-              <a:buNone/>
-            </a:pPr>
-            <a:r>
-              <a:rPr lang="en" sz="1800"/>
-              <a:t>Show and explain your web, app or software projects using these gadget templates.</a:t>
-            </a:r>
-            <a:endParaRPr lang="en" sz="1800" dirty="0"/>
-          </a:p>
-        </p:txBody>
-      </p:sp>
-      <p:sp>
-        <p:nvSpPr>
-          <p:cNvPr id="4" name="Shape 283"/>
-          <p:cNvSpPr/>
-          <p:nvPr/>
-        </p:nvSpPr>
-        <p:spPr>
-          <a:xfrm>
-            <a:off x="3678187" y="1429812"/>
-            <a:ext cx="5140316" cy="4001794"/>
-          </a:xfrm>
-          <a:custGeom>
-            <a:avLst/>
-            <a:gdLst/>
-            <a:ahLst/>
-            <a:cxnLst/>
-            <a:rect l="0" t="0" r="0" b="0"/>
-            <a:pathLst>
-              <a:path w="143434" h="111665" extrusionOk="0">
-                <a:moveTo>
-                  <a:pt x="71751" y="2308"/>
-                </a:moveTo>
-                <a:lnTo>
-                  <a:pt x="71887" y="2376"/>
-                </a:lnTo>
-                <a:lnTo>
-                  <a:pt x="72091" y="2444"/>
-                </a:lnTo>
-                <a:lnTo>
-                  <a:pt x="72159" y="2647"/>
-                </a:lnTo>
-                <a:lnTo>
-                  <a:pt x="72226" y="2783"/>
-                </a:lnTo>
-                <a:lnTo>
-                  <a:pt x="72159" y="2987"/>
-                </a:lnTo>
-                <a:lnTo>
-                  <a:pt x="72091" y="3190"/>
-                </a:lnTo>
-                <a:lnTo>
-                  <a:pt x="71887" y="3258"/>
-                </a:lnTo>
-                <a:lnTo>
-                  <a:pt x="71751" y="3326"/>
-                </a:lnTo>
-                <a:lnTo>
-                  <a:pt x="71548" y="3258"/>
-                </a:lnTo>
-                <a:lnTo>
-                  <a:pt x="71344" y="3190"/>
-                </a:lnTo>
-                <a:lnTo>
-                  <a:pt x="71276" y="2987"/>
-                </a:lnTo>
-                <a:lnTo>
-                  <a:pt x="71208" y="2783"/>
-                </a:lnTo>
-                <a:lnTo>
-                  <a:pt x="71276" y="2647"/>
-                </a:lnTo>
-                <a:lnTo>
-                  <a:pt x="71344" y="2444"/>
-                </a:lnTo>
-                <a:lnTo>
-                  <a:pt x="71548" y="2376"/>
-                </a:lnTo>
-                <a:lnTo>
-                  <a:pt x="71751" y="2308"/>
-                </a:lnTo>
-                <a:close/>
-                <a:moveTo>
-                  <a:pt x="137528" y="5906"/>
-                </a:moveTo>
-                <a:lnTo>
-                  <a:pt x="137596" y="5974"/>
-                </a:lnTo>
-                <a:lnTo>
-                  <a:pt x="137596" y="89604"/>
-                </a:lnTo>
-                <a:lnTo>
-                  <a:pt x="5906" y="89604"/>
-                </a:lnTo>
-                <a:lnTo>
-                  <a:pt x="5906" y="5974"/>
-                </a:lnTo>
-                <a:lnTo>
-                  <a:pt x="5906" y="5906"/>
-                </a:lnTo>
-                <a:close/>
-                <a:moveTo>
-                  <a:pt x="3530" y="0"/>
-                </a:moveTo>
-                <a:lnTo>
-                  <a:pt x="3191" y="68"/>
-                </a:lnTo>
-                <a:lnTo>
-                  <a:pt x="2444" y="339"/>
-                </a:lnTo>
-                <a:lnTo>
-                  <a:pt x="1766" y="679"/>
-                </a:lnTo>
-                <a:lnTo>
-                  <a:pt x="1155" y="1154"/>
-                </a:lnTo>
-                <a:lnTo>
-                  <a:pt x="679" y="1765"/>
-                </a:lnTo>
-                <a:lnTo>
-                  <a:pt x="272" y="2444"/>
-                </a:lnTo>
-                <a:lnTo>
-                  <a:pt x="69" y="3190"/>
-                </a:lnTo>
-                <a:lnTo>
-                  <a:pt x="1" y="3598"/>
-                </a:lnTo>
-                <a:lnTo>
-                  <a:pt x="1" y="4005"/>
-                </a:lnTo>
-                <a:lnTo>
-                  <a:pt x="1" y="91572"/>
-                </a:lnTo>
-                <a:lnTo>
-                  <a:pt x="1" y="91979"/>
-                </a:lnTo>
-                <a:lnTo>
-                  <a:pt x="69" y="92319"/>
-                </a:lnTo>
-                <a:lnTo>
-                  <a:pt x="272" y="93065"/>
-                </a:lnTo>
-                <a:lnTo>
-                  <a:pt x="679" y="93744"/>
-                </a:lnTo>
-                <a:lnTo>
-                  <a:pt x="1155" y="94355"/>
-                </a:lnTo>
-                <a:lnTo>
-                  <a:pt x="1766" y="94830"/>
-                </a:lnTo>
-                <a:lnTo>
-                  <a:pt x="2444" y="95238"/>
-                </a:lnTo>
-                <a:lnTo>
-                  <a:pt x="3191" y="95441"/>
-                </a:lnTo>
-                <a:lnTo>
-                  <a:pt x="3530" y="95509"/>
-                </a:lnTo>
-                <a:lnTo>
-                  <a:pt x="139904" y="95509"/>
-                </a:lnTo>
-                <a:lnTo>
-                  <a:pt x="140311" y="95441"/>
-                </a:lnTo>
-                <a:lnTo>
-                  <a:pt x="141058" y="95238"/>
-                </a:lnTo>
-                <a:lnTo>
-                  <a:pt x="141737" y="94830"/>
-                </a:lnTo>
-                <a:lnTo>
-                  <a:pt x="142280" y="94355"/>
-                </a:lnTo>
-                <a:lnTo>
-                  <a:pt x="142755" y="93744"/>
-                </a:lnTo>
-                <a:lnTo>
-                  <a:pt x="143162" y="93065"/>
-                </a:lnTo>
-                <a:lnTo>
-                  <a:pt x="143366" y="92319"/>
-                </a:lnTo>
-                <a:lnTo>
-                  <a:pt x="143434" y="91979"/>
-                </a:lnTo>
-                <a:lnTo>
-                  <a:pt x="143434" y="91572"/>
-                </a:lnTo>
-                <a:lnTo>
-                  <a:pt x="143434" y="4005"/>
-                </a:lnTo>
-                <a:lnTo>
-                  <a:pt x="143434" y="3598"/>
-                </a:lnTo>
-                <a:lnTo>
-                  <a:pt x="143366" y="3190"/>
-                </a:lnTo>
-                <a:lnTo>
-                  <a:pt x="143162" y="2444"/>
-                </a:lnTo>
-                <a:lnTo>
-                  <a:pt x="142755" y="1765"/>
-                </a:lnTo>
-                <a:lnTo>
-                  <a:pt x="142280" y="1154"/>
-                </a:lnTo>
-                <a:lnTo>
-                  <a:pt x="141737" y="679"/>
-                </a:lnTo>
-                <a:lnTo>
-                  <a:pt x="141058" y="339"/>
-                </a:lnTo>
-                <a:lnTo>
-                  <a:pt x="140311" y="68"/>
-                </a:lnTo>
-                <a:lnTo>
-                  <a:pt x="139904" y="0"/>
-                </a:lnTo>
-                <a:close/>
-                <a:moveTo>
-                  <a:pt x="55324" y="95713"/>
-                </a:moveTo>
-                <a:lnTo>
-                  <a:pt x="55052" y="98971"/>
-                </a:lnTo>
-                <a:lnTo>
-                  <a:pt x="54713" y="102297"/>
-                </a:lnTo>
-                <a:lnTo>
-                  <a:pt x="54374" y="105284"/>
-                </a:lnTo>
-                <a:lnTo>
-                  <a:pt x="53966" y="107388"/>
-                </a:lnTo>
-                <a:lnTo>
-                  <a:pt x="53763" y="108203"/>
-                </a:lnTo>
-                <a:lnTo>
-                  <a:pt x="53627" y="108746"/>
-                </a:lnTo>
-                <a:lnTo>
-                  <a:pt x="53423" y="109153"/>
-                </a:lnTo>
-                <a:lnTo>
-                  <a:pt x="53220" y="109357"/>
-                </a:lnTo>
-                <a:lnTo>
-                  <a:pt x="52677" y="109493"/>
-                </a:lnTo>
-                <a:lnTo>
-                  <a:pt x="51794" y="109696"/>
-                </a:lnTo>
-                <a:lnTo>
-                  <a:pt x="49690" y="110036"/>
-                </a:lnTo>
-                <a:lnTo>
-                  <a:pt x="48061" y="110307"/>
-                </a:lnTo>
-                <a:lnTo>
-                  <a:pt x="47450" y="110443"/>
-                </a:lnTo>
-                <a:lnTo>
-                  <a:pt x="47110" y="110511"/>
-                </a:lnTo>
-                <a:lnTo>
-                  <a:pt x="47042" y="110579"/>
-                </a:lnTo>
-                <a:lnTo>
-                  <a:pt x="47042" y="110783"/>
-                </a:lnTo>
-                <a:lnTo>
-                  <a:pt x="47110" y="110850"/>
-                </a:lnTo>
-                <a:lnTo>
-                  <a:pt x="47585" y="110918"/>
-                </a:lnTo>
-                <a:lnTo>
-                  <a:pt x="48400" y="110986"/>
-                </a:lnTo>
-                <a:lnTo>
-                  <a:pt x="51387" y="111054"/>
-                </a:lnTo>
-                <a:lnTo>
-                  <a:pt x="56071" y="111122"/>
-                </a:lnTo>
-                <a:lnTo>
-                  <a:pt x="87092" y="111122"/>
-                </a:lnTo>
-                <a:lnTo>
-                  <a:pt x="91708" y="111054"/>
-                </a:lnTo>
-                <a:lnTo>
-                  <a:pt x="94695" y="110986"/>
-                </a:lnTo>
-                <a:lnTo>
-                  <a:pt x="95578" y="110918"/>
-                </a:lnTo>
-                <a:lnTo>
-                  <a:pt x="96053" y="110850"/>
-                </a:lnTo>
-                <a:lnTo>
-                  <a:pt x="96121" y="110783"/>
-                </a:lnTo>
-                <a:lnTo>
-                  <a:pt x="96121" y="110579"/>
-                </a:lnTo>
-                <a:lnTo>
-                  <a:pt x="96053" y="110511"/>
-                </a:lnTo>
-                <a:lnTo>
-                  <a:pt x="95713" y="110443"/>
-                </a:lnTo>
-                <a:lnTo>
-                  <a:pt x="95102" y="110307"/>
-                </a:lnTo>
-                <a:lnTo>
-                  <a:pt x="93473" y="110036"/>
-                </a:lnTo>
-                <a:lnTo>
-                  <a:pt x="91369" y="109696"/>
-                </a:lnTo>
-                <a:lnTo>
-                  <a:pt x="90487" y="109493"/>
-                </a:lnTo>
-                <a:lnTo>
-                  <a:pt x="89943" y="109357"/>
-                </a:lnTo>
-                <a:lnTo>
-                  <a:pt x="89740" y="109153"/>
-                </a:lnTo>
-                <a:lnTo>
-                  <a:pt x="89536" y="108746"/>
-                </a:lnTo>
-                <a:lnTo>
-                  <a:pt x="89333" y="108203"/>
-                </a:lnTo>
-                <a:lnTo>
-                  <a:pt x="89197" y="107388"/>
-                </a:lnTo>
-                <a:lnTo>
-                  <a:pt x="88789" y="105284"/>
-                </a:lnTo>
-                <a:lnTo>
-                  <a:pt x="88382" y="102297"/>
-                </a:lnTo>
-                <a:lnTo>
-                  <a:pt x="88043" y="98971"/>
-                </a:lnTo>
-                <a:lnTo>
-                  <a:pt x="87839" y="95713"/>
-                </a:lnTo>
-                <a:close/>
-                <a:moveTo>
-                  <a:pt x="47450" y="111054"/>
-                </a:moveTo>
-                <a:lnTo>
-                  <a:pt x="47450" y="111122"/>
-                </a:lnTo>
-                <a:lnTo>
-                  <a:pt x="47450" y="111393"/>
-                </a:lnTo>
-                <a:lnTo>
-                  <a:pt x="47518" y="111461"/>
-                </a:lnTo>
-                <a:lnTo>
-                  <a:pt x="48807" y="111529"/>
-                </a:lnTo>
-                <a:lnTo>
-                  <a:pt x="52473" y="111597"/>
-                </a:lnTo>
-                <a:lnTo>
-                  <a:pt x="62384" y="111665"/>
-                </a:lnTo>
-                <a:lnTo>
-                  <a:pt x="80779" y="111665"/>
-                </a:lnTo>
-                <a:lnTo>
-                  <a:pt x="90622" y="111597"/>
-                </a:lnTo>
-                <a:lnTo>
-                  <a:pt x="94356" y="111529"/>
-                </a:lnTo>
-                <a:lnTo>
-                  <a:pt x="95646" y="111461"/>
-                </a:lnTo>
-                <a:lnTo>
-                  <a:pt x="95713" y="111393"/>
-                </a:lnTo>
-                <a:lnTo>
-                  <a:pt x="95713" y="111122"/>
-                </a:lnTo>
-                <a:lnTo>
-                  <a:pt x="95646" y="111054"/>
-                </a:lnTo>
-                <a:lnTo>
-                  <a:pt x="94084" y="111122"/>
-                </a:lnTo>
-                <a:lnTo>
-                  <a:pt x="91233" y="111190"/>
-                </a:lnTo>
-                <a:lnTo>
-                  <a:pt x="80847" y="111258"/>
-                </a:lnTo>
-                <a:lnTo>
-                  <a:pt x="62316" y="111258"/>
-                </a:lnTo>
-                <a:lnTo>
-                  <a:pt x="51930" y="111190"/>
-                </a:lnTo>
-                <a:lnTo>
-                  <a:pt x="49079" y="111122"/>
-                </a:lnTo>
-                <a:lnTo>
-                  <a:pt x="47518" y="111054"/>
-                </a:lnTo>
-                <a:close/>
-              </a:path>
-            </a:pathLst>
-          </a:custGeom>
-          <a:noFill/>
-          <a:ln w="9525" cap="flat" cmpd="sng">
-            <a:solidFill>
-              <a:srgbClr val="999FA9"/>
-            </a:solidFill>
-            <a:prstDash val="solid"/>
-            <a:round/>
-            <a:headEnd type="none" w="med" len="med"/>
-            <a:tailEnd type="none" w="med" len="med"/>
-          </a:ln>
-        </p:spPr>
-        <p:txBody>
-          <a:bodyPr lIns="91425" tIns="91425" rIns="91425" bIns="91425" anchor="ctr" anchorCtr="0">
-            <a:noAutofit/>
-          </a:bodyPr>
-          <a:lstStyle/>
-          <a:p>
-            <a:pPr lvl="0">
-              <a:spcBef>
-                <a:spcPts val="0"/>
-              </a:spcBef>
-              <a:buNone/>
-            </a:pPr>
-            <a:endParaRPr dirty="0"/>
-          </a:p>
-        </p:txBody>
-      </p:sp>
-      <p:pic>
-        <p:nvPicPr>
-          <p:cNvPr id="6" name="Picture 5"/>
-          <p:cNvPicPr>
-            <a:picLocks noChangeAspect="1"/>
-          </p:cNvPicPr>
-          <p:nvPr/>
-        </p:nvPicPr>
-        <p:blipFill>
-          <a:blip r:embed="rId2"/>
-          <a:stretch>
-            <a:fillRect/>
-          </a:stretch>
-        </p:blipFill>
-        <p:spPr>
-          <a:xfrm>
-            <a:off x="5003667" y="2871450"/>
-            <a:ext cx="139834" cy="378716"/>
-          </a:xfrm>
-          <a:prstGeom prst="rect">
-            <a:avLst/>
-          </a:prstGeom>
-        </p:spPr>
-      </p:pic>
-    </p:spTree>
-    <p:extLst>
-      <p:ext uri="{BB962C8B-B14F-4D97-AF65-F5344CB8AC3E}">
-        <p14:creationId xmlns:p14="http://schemas.microsoft.com/office/powerpoint/2010/main" val="1795559708"/>
-      </p:ext>
-    </p:extLst>
-  </p:cSld>
-  <p:clrMapOvr>
-    <a:masterClrMapping/>
-  </p:clrMapOvr>
-</p:sld>
-</file>
-
-<file path=ppt/slides/slide6.xml><?xml version="1.0" encoding="utf-8"?>
-<p:sld xmlns:a="http://schemas.openxmlformats.org/drawingml/2006/main" xmlns:r="http://schemas.openxmlformats.org/officeDocument/2006/relationships" xmlns:p="http://schemas.openxmlformats.org/presentationml/2006/main">
-  <p:cSld>
-    <p:spTree>
-      <p:nvGrpSpPr>
-        <p:cNvPr id="1" name=""/>
-        <p:cNvGrpSpPr/>
-        <p:nvPr/>
-      </p:nvGrpSpPr>
-      <p:grpSpPr>
-        <a:xfrm>
-          <a:off x="0" y="0"/>
-          <a:ext cx="0" cy="0"/>
-          <a:chOff x="0" y="0"/>
-          <a:chExt cx="0" cy="0"/>
-        </a:xfrm>
-      </p:grpSpPr>
-      <p:sp>
-        <p:nvSpPr>
-          <p:cNvPr id="2" name="Shape 281"/>
-          <p:cNvSpPr/>
-          <p:nvPr/>
-        </p:nvSpPr>
-        <p:spPr>
-          <a:xfrm>
-            <a:off x="3889450" y="1642350"/>
-            <a:ext cx="4717800" cy="3007500"/>
-          </a:xfrm>
-          <a:prstGeom prst="rect">
-            <a:avLst/>
-          </a:prstGeom>
-          <a:solidFill>
-            <a:srgbClr val="2E3037"/>
-          </a:solidFill>
-          <a:ln>
-            <a:noFill/>
-          </a:ln>
-        </p:spPr>
-        <p:txBody>
-          <a:bodyPr lIns="91425" tIns="91425" rIns="91425" bIns="91425" anchor="ctr" anchorCtr="0">
-            <a:noAutofit/>
-          </a:bodyPr>
-          <a:lstStyle/>
-          <a:p>
-            <a:pPr lvl="0" algn="ctr" rtl="0">
-              <a:spcBef>
-                <a:spcPts val="0"/>
-              </a:spcBef>
-              <a:buNone/>
-            </a:pPr>
-            <a:endParaRPr lang="en" sz="1000" dirty="0">
-              <a:solidFill>
-                <a:srgbClr val="39C0BA"/>
-              </a:solidFill>
-              <a:latin typeface="Quicksand"/>
-              <a:ea typeface="Quicksand"/>
-              <a:cs typeface="Quicksand"/>
-              <a:sym typeface="Quicksand"/>
-            </a:endParaRPr>
-          </a:p>
-        </p:txBody>
-      </p:sp>
-      <p:sp>
-        <p:nvSpPr>
-          <p:cNvPr id="3" name="Shape 282"/>
-          <p:cNvSpPr txBox="1">
-            <a:spLocks/>
-          </p:cNvSpPr>
-          <p:nvPr/>
-        </p:nvSpPr>
-        <p:spPr>
-          <a:xfrm>
-            <a:off x="1319400" y="3139850"/>
-            <a:ext cx="1895700" cy="2196300"/>
-          </a:xfrm>
-          <a:prstGeom prst="rect">
-            <a:avLst/>
-          </a:prstGeom>
-          <a:noFill/>
-          <a:ln>
-            <a:noFill/>
-          </a:ln>
-        </p:spPr>
-        <p:txBody>
-          <a:bodyPr lIns="91425" tIns="91425" rIns="91425" bIns="91425" anchor="t" anchorCtr="0">
-            <a:noAutofit/>
-          </a:bodyPr>
-          <a:lstStyle>
-            <a:defPPr marR="0" lvl="0" algn="l" rtl="0">
-              <a:lnSpc>
-                <a:spcPct val="100000"/>
-              </a:lnSpc>
-              <a:spcBef>
-                <a:spcPts val="0"/>
-              </a:spcBef>
-              <a:spcAft>
-                <a:spcPts val="0"/>
-              </a:spcAft>
-            </a:defPPr>
-            <a:lvl1pPr marR="0" lvl="0" algn="l" rtl="0">
-              <a:lnSpc>
-                <a:spcPct val="100000"/>
-              </a:lnSpc>
-              <a:spcBef>
-                <a:spcPts val="600"/>
-              </a:spcBef>
-              <a:spcAft>
-                <a:spcPts val="0"/>
-              </a:spcAft>
-              <a:buClr>
-                <a:srgbClr val="F3F3F3"/>
-              </a:buClr>
-              <a:buSzPct val="100000"/>
-              <a:buFont typeface="Quicksand"/>
-              <a:buChar char="◦"/>
-              <a:defRPr sz="3000" b="0" i="0" u="none" strike="noStrike" cap="none">
-                <a:solidFill>
-                  <a:srgbClr val="F3F3F3"/>
-                </a:solidFill>
-                <a:latin typeface="Quicksand"/>
-                <a:ea typeface="Quicksand"/>
-                <a:cs typeface="Quicksand"/>
-                <a:sym typeface="Quicksand"/>
-              </a:defRPr>
-            </a:lvl1pPr>
-            <a:lvl2pPr marR="0" lvl="1" algn="l" rtl="0">
-              <a:lnSpc>
-                <a:spcPct val="100000"/>
-              </a:lnSpc>
-              <a:spcBef>
-                <a:spcPts val="480"/>
-              </a:spcBef>
-              <a:spcAft>
-                <a:spcPts val="0"/>
-              </a:spcAft>
-              <a:buClr>
-                <a:srgbClr val="F3F3F3"/>
-              </a:buClr>
-              <a:buSzPct val="100000"/>
-              <a:buFont typeface="Quicksand"/>
-              <a:buChar char="▫"/>
-              <a:defRPr sz="2400" b="0" i="0" u="none" strike="noStrike" cap="none">
-                <a:solidFill>
-                  <a:srgbClr val="F3F3F3"/>
-                </a:solidFill>
-                <a:latin typeface="Quicksand"/>
-                <a:ea typeface="Quicksand"/>
-                <a:cs typeface="Quicksand"/>
-                <a:sym typeface="Quicksand"/>
-              </a:defRPr>
-            </a:lvl2pPr>
-            <a:lvl3pPr marR="0" lvl="2" algn="l" rtl="0">
-              <a:lnSpc>
-                <a:spcPct val="100000"/>
-              </a:lnSpc>
-              <a:spcBef>
-                <a:spcPts val="480"/>
-              </a:spcBef>
-              <a:spcAft>
-                <a:spcPts val="0"/>
-              </a:spcAft>
-              <a:buClr>
-                <a:srgbClr val="F3F3F3"/>
-              </a:buClr>
-              <a:buSzPct val="100000"/>
-              <a:buFont typeface="Quicksand"/>
-              <a:buNone/>
-              <a:defRPr sz="2400" b="0" i="0" u="none" strike="noStrike" cap="none">
-                <a:solidFill>
-                  <a:srgbClr val="F3F3F3"/>
-                </a:solidFill>
-                <a:latin typeface="Quicksand"/>
-                <a:ea typeface="Quicksand"/>
-                <a:cs typeface="Quicksand"/>
-                <a:sym typeface="Quicksand"/>
-              </a:defRPr>
-            </a:lvl3pPr>
-            <a:lvl4pPr marR="0" lvl="3" algn="l" rtl="0">
-              <a:lnSpc>
-                <a:spcPct val="100000"/>
-              </a:lnSpc>
-              <a:spcBef>
-                <a:spcPts val="360"/>
-              </a:spcBef>
-              <a:spcAft>
-                <a:spcPts val="0"/>
-              </a:spcAft>
-              <a:buClr>
-                <a:srgbClr val="F3F3F3"/>
-              </a:buClr>
-              <a:buSzPct val="100000"/>
-              <a:buFont typeface="Quicksand"/>
-              <a:buNone/>
-              <a:defRPr sz="1800" b="0" i="0" u="none" strike="noStrike" cap="none">
-                <a:solidFill>
-                  <a:srgbClr val="F3F3F3"/>
-                </a:solidFill>
-                <a:latin typeface="Quicksand"/>
-                <a:ea typeface="Quicksand"/>
-                <a:cs typeface="Quicksand"/>
-                <a:sym typeface="Quicksand"/>
-              </a:defRPr>
-            </a:lvl4pPr>
-            <a:lvl5pPr marR="0" lvl="4" algn="l" rtl="0">
-              <a:lnSpc>
-                <a:spcPct val="100000"/>
-              </a:lnSpc>
-              <a:spcBef>
-                <a:spcPts val="360"/>
-              </a:spcBef>
-              <a:spcAft>
-                <a:spcPts val="0"/>
-              </a:spcAft>
-              <a:buClr>
-                <a:srgbClr val="F3F3F3"/>
-              </a:buClr>
-              <a:buSzPct val="100000"/>
-              <a:buFont typeface="Quicksand"/>
-              <a:buNone/>
-              <a:defRPr sz="1800" b="0" i="0" u="none" strike="noStrike" cap="none">
-                <a:solidFill>
-                  <a:srgbClr val="F3F3F3"/>
-                </a:solidFill>
-                <a:latin typeface="Quicksand"/>
-                <a:ea typeface="Quicksand"/>
-                <a:cs typeface="Quicksand"/>
-                <a:sym typeface="Quicksand"/>
-              </a:defRPr>
-            </a:lvl5pPr>
-            <a:lvl6pPr marR="0" lvl="5" algn="l" rtl="0">
-              <a:lnSpc>
-                <a:spcPct val="100000"/>
-              </a:lnSpc>
-              <a:spcBef>
-                <a:spcPts val="360"/>
-              </a:spcBef>
-              <a:spcAft>
-                <a:spcPts val="0"/>
-              </a:spcAft>
-              <a:buClr>
-                <a:srgbClr val="F3F3F3"/>
-              </a:buClr>
-              <a:buSzPct val="100000"/>
-              <a:buFont typeface="Quicksand"/>
-              <a:buNone/>
-              <a:defRPr sz="1800" b="0" i="0" u="none" strike="noStrike" cap="none">
-                <a:solidFill>
-                  <a:srgbClr val="F3F3F3"/>
-                </a:solidFill>
-                <a:latin typeface="Quicksand"/>
-                <a:ea typeface="Quicksand"/>
-                <a:cs typeface="Quicksand"/>
-                <a:sym typeface="Quicksand"/>
-              </a:defRPr>
-            </a:lvl6pPr>
-            <a:lvl7pPr marR="0" lvl="6" algn="l" rtl="0">
-              <a:lnSpc>
-                <a:spcPct val="100000"/>
-              </a:lnSpc>
-              <a:spcBef>
-                <a:spcPts val="360"/>
-              </a:spcBef>
-              <a:spcAft>
-                <a:spcPts val="0"/>
-              </a:spcAft>
-              <a:buClr>
-                <a:srgbClr val="F3F3F3"/>
-              </a:buClr>
-              <a:buSzPct val="100000"/>
-              <a:buFont typeface="Quicksand"/>
-              <a:buNone/>
-              <a:defRPr sz="1800" b="0" i="0" u="none" strike="noStrike" cap="none">
-                <a:solidFill>
-                  <a:srgbClr val="F3F3F3"/>
-                </a:solidFill>
-                <a:latin typeface="Quicksand"/>
-                <a:ea typeface="Quicksand"/>
-                <a:cs typeface="Quicksand"/>
-                <a:sym typeface="Quicksand"/>
-              </a:defRPr>
-            </a:lvl7pPr>
-            <a:lvl8pPr marR="0" lvl="7" algn="l" rtl="0">
-              <a:lnSpc>
-                <a:spcPct val="100000"/>
-              </a:lnSpc>
-              <a:spcBef>
-                <a:spcPts val="360"/>
-              </a:spcBef>
-              <a:spcAft>
-                <a:spcPts val="0"/>
-              </a:spcAft>
-              <a:buClr>
-                <a:srgbClr val="F3F3F3"/>
-              </a:buClr>
-              <a:buSzPct val="100000"/>
-              <a:buFont typeface="Quicksand"/>
-              <a:buNone/>
-              <a:defRPr sz="1800" b="0" i="0" u="none" strike="noStrike" cap="none">
-                <a:solidFill>
-                  <a:srgbClr val="F3F3F3"/>
-                </a:solidFill>
-                <a:latin typeface="Quicksand"/>
-                <a:ea typeface="Quicksand"/>
-                <a:cs typeface="Quicksand"/>
-                <a:sym typeface="Quicksand"/>
-              </a:defRPr>
-            </a:lvl8pPr>
-            <a:lvl9pPr marR="0" lvl="8" algn="l" rtl="0">
-              <a:lnSpc>
-                <a:spcPct val="100000"/>
-              </a:lnSpc>
-              <a:spcBef>
-                <a:spcPts val="360"/>
-              </a:spcBef>
-              <a:spcAft>
-                <a:spcPts val="0"/>
-              </a:spcAft>
-              <a:buClr>
-                <a:srgbClr val="F3F3F3"/>
-              </a:buClr>
-              <a:buSzPct val="100000"/>
-              <a:buFont typeface="Quicksand"/>
-              <a:buNone/>
-              <a:defRPr sz="1800" b="0" i="0" u="none" strike="noStrike" cap="none">
-                <a:solidFill>
-                  <a:srgbClr val="F3F3F3"/>
-                </a:solidFill>
-                <a:latin typeface="Quicksand"/>
-                <a:ea typeface="Quicksand"/>
-                <a:cs typeface="Quicksand"/>
-                <a:sym typeface="Quicksand"/>
-              </a:defRPr>
-            </a:lvl9pPr>
-          </a:lstStyle>
-          <a:p>
-            <a:pPr>
-              <a:spcBef>
-                <a:spcPts val="0"/>
-              </a:spcBef>
-              <a:buFont typeface="Quicksand"/>
-              <a:buNone/>
-            </a:pPr>
-            <a:r>
-              <a:rPr lang="en" sz="1800" b="1"/>
-              <a:t>DESKTOP PROJECT</a:t>
-            </a:r>
-          </a:p>
-          <a:p>
-            <a:pPr>
-              <a:spcBef>
-                <a:spcPts val="0"/>
-              </a:spcBef>
-              <a:buFont typeface="Quicksand"/>
-              <a:buNone/>
-            </a:pPr>
-            <a:r>
-              <a:rPr lang="en" sz="1800"/>
-              <a:t>Show and explain your web, app or software projects using these gadget templates.</a:t>
-            </a:r>
-            <a:endParaRPr lang="en" sz="1800" dirty="0"/>
-          </a:p>
-        </p:txBody>
-      </p:sp>
-      <p:sp>
-        <p:nvSpPr>
-          <p:cNvPr id="4" name="Shape 283"/>
-          <p:cNvSpPr/>
-          <p:nvPr/>
-        </p:nvSpPr>
-        <p:spPr>
-          <a:xfrm>
-            <a:off x="3678187" y="1429812"/>
-            <a:ext cx="5140316" cy="4001794"/>
-          </a:xfrm>
-          <a:custGeom>
-            <a:avLst/>
-            <a:gdLst/>
-            <a:ahLst/>
-            <a:cxnLst/>
-            <a:rect l="0" t="0" r="0" b="0"/>
-            <a:pathLst>
-              <a:path w="143434" h="111665" extrusionOk="0">
-                <a:moveTo>
-                  <a:pt x="71751" y="2308"/>
-                </a:moveTo>
-                <a:lnTo>
-                  <a:pt x="71887" y="2376"/>
-                </a:lnTo>
-                <a:lnTo>
-                  <a:pt x="72091" y="2444"/>
-                </a:lnTo>
-                <a:lnTo>
-                  <a:pt x="72159" y="2647"/>
-                </a:lnTo>
-                <a:lnTo>
-                  <a:pt x="72226" y="2783"/>
-                </a:lnTo>
-                <a:lnTo>
-                  <a:pt x="72159" y="2987"/>
-                </a:lnTo>
-                <a:lnTo>
-                  <a:pt x="72091" y="3190"/>
-                </a:lnTo>
-                <a:lnTo>
-                  <a:pt x="71887" y="3258"/>
-                </a:lnTo>
-                <a:lnTo>
-                  <a:pt x="71751" y="3326"/>
-                </a:lnTo>
-                <a:lnTo>
-                  <a:pt x="71548" y="3258"/>
-                </a:lnTo>
-                <a:lnTo>
-                  <a:pt x="71344" y="3190"/>
-                </a:lnTo>
-                <a:lnTo>
-                  <a:pt x="71276" y="2987"/>
-                </a:lnTo>
-                <a:lnTo>
-                  <a:pt x="71208" y="2783"/>
-                </a:lnTo>
-                <a:lnTo>
-                  <a:pt x="71276" y="2647"/>
-                </a:lnTo>
-                <a:lnTo>
-                  <a:pt x="71344" y="2444"/>
-                </a:lnTo>
-                <a:lnTo>
-                  <a:pt x="71548" y="2376"/>
-                </a:lnTo>
-                <a:lnTo>
-                  <a:pt x="71751" y="2308"/>
-                </a:lnTo>
-                <a:close/>
-                <a:moveTo>
-                  <a:pt x="137528" y="5906"/>
-                </a:moveTo>
-                <a:lnTo>
-                  <a:pt x="137596" y="5974"/>
-                </a:lnTo>
-                <a:lnTo>
-                  <a:pt x="137596" y="89604"/>
-                </a:lnTo>
-                <a:lnTo>
-                  <a:pt x="5906" y="89604"/>
-                </a:lnTo>
-                <a:lnTo>
-                  <a:pt x="5906" y="5974"/>
-                </a:lnTo>
-                <a:lnTo>
-                  <a:pt x="5906" y="5906"/>
-                </a:lnTo>
-                <a:close/>
-                <a:moveTo>
-                  <a:pt x="3530" y="0"/>
-                </a:moveTo>
-                <a:lnTo>
-                  <a:pt x="3191" y="68"/>
-                </a:lnTo>
-                <a:lnTo>
-                  <a:pt x="2444" y="339"/>
-                </a:lnTo>
-                <a:lnTo>
-                  <a:pt x="1766" y="679"/>
-                </a:lnTo>
-                <a:lnTo>
-                  <a:pt x="1155" y="1154"/>
-                </a:lnTo>
-                <a:lnTo>
-                  <a:pt x="679" y="1765"/>
-                </a:lnTo>
-                <a:lnTo>
-                  <a:pt x="272" y="2444"/>
-                </a:lnTo>
-                <a:lnTo>
-                  <a:pt x="69" y="3190"/>
-                </a:lnTo>
-                <a:lnTo>
-                  <a:pt x="1" y="3598"/>
-                </a:lnTo>
-                <a:lnTo>
-                  <a:pt x="1" y="4005"/>
-                </a:lnTo>
-                <a:lnTo>
-                  <a:pt x="1" y="91572"/>
-                </a:lnTo>
-                <a:lnTo>
-                  <a:pt x="1" y="91979"/>
-                </a:lnTo>
-                <a:lnTo>
-                  <a:pt x="69" y="92319"/>
-                </a:lnTo>
-                <a:lnTo>
-                  <a:pt x="272" y="93065"/>
-                </a:lnTo>
-                <a:lnTo>
-                  <a:pt x="679" y="93744"/>
-                </a:lnTo>
-                <a:lnTo>
-                  <a:pt x="1155" y="94355"/>
-                </a:lnTo>
-                <a:lnTo>
-                  <a:pt x="1766" y="94830"/>
-                </a:lnTo>
-                <a:lnTo>
-                  <a:pt x="2444" y="95238"/>
-                </a:lnTo>
-                <a:lnTo>
-                  <a:pt x="3191" y="95441"/>
-                </a:lnTo>
-                <a:lnTo>
-                  <a:pt x="3530" y="95509"/>
-                </a:lnTo>
-                <a:lnTo>
-                  <a:pt x="139904" y="95509"/>
-                </a:lnTo>
-                <a:lnTo>
-                  <a:pt x="140311" y="95441"/>
-                </a:lnTo>
-                <a:lnTo>
-                  <a:pt x="141058" y="95238"/>
-                </a:lnTo>
-                <a:lnTo>
-                  <a:pt x="141737" y="94830"/>
-                </a:lnTo>
-                <a:lnTo>
-                  <a:pt x="142280" y="94355"/>
-                </a:lnTo>
-                <a:lnTo>
-                  <a:pt x="142755" y="93744"/>
-                </a:lnTo>
-                <a:lnTo>
-                  <a:pt x="143162" y="93065"/>
-                </a:lnTo>
-                <a:lnTo>
-                  <a:pt x="143366" y="92319"/>
-                </a:lnTo>
-                <a:lnTo>
-                  <a:pt x="143434" y="91979"/>
-                </a:lnTo>
-                <a:lnTo>
-                  <a:pt x="143434" y="91572"/>
-                </a:lnTo>
-                <a:lnTo>
-                  <a:pt x="143434" y="4005"/>
-                </a:lnTo>
-                <a:lnTo>
-                  <a:pt x="143434" y="3598"/>
-                </a:lnTo>
-                <a:lnTo>
-                  <a:pt x="143366" y="3190"/>
-                </a:lnTo>
-                <a:lnTo>
-                  <a:pt x="143162" y="2444"/>
-                </a:lnTo>
-                <a:lnTo>
-                  <a:pt x="142755" y="1765"/>
-                </a:lnTo>
-                <a:lnTo>
-                  <a:pt x="142280" y="1154"/>
-                </a:lnTo>
-                <a:lnTo>
-                  <a:pt x="141737" y="679"/>
-                </a:lnTo>
-                <a:lnTo>
-                  <a:pt x="141058" y="339"/>
-                </a:lnTo>
-                <a:lnTo>
-                  <a:pt x="140311" y="68"/>
-                </a:lnTo>
-                <a:lnTo>
-                  <a:pt x="139904" y="0"/>
-                </a:lnTo>
-                <a:close/>
-                <a:moveTo>
-                  <a:pt x="55324" y="95713"/>
-                </a:moveTo>
-                <a:lnTo>
-                  <a:pt x="55052" y="98971"/>
-                </a:lnTo>
-                <a:lnTo>
-                  <a:pt x="54713" y="102297"/>
-                </a:lnTo>
-                <a:lnTo>
-                  <a:pt x="54374" y="105284"/>
-                </a:lnTo>
-                <a:lnTo>
-                  <a:pt x="53966" y="107388"/>
-                </a:lnTo>
-                <a:lnTo>
-                  <a:pt x="53763" y="108203"/>
-                </a:lnTo>
-                <a:lnTo>
-                  <a:pt x="53627" y="108746"/>
-                </a:lnTo>
-                <a:lnTo>
-                  <a:pt x="53423" y="109153"/>
-                </a:lnTo>
-                <a:lnTo>
-                  <a:pt x="53220" y="109357"/>
-                </a:lnTo>
-                <a:lnTo>
-                  <a:pt x="52677" y="109493"/>
-                </a:lnTo>
-                <a:lnTo>
-                  <a:pt x="51794" y="109696"/>
-                </a:lnTo>
-                <a:lnTo>
-                  <a:pt x="49690" y="110036"/>
-                </a:lnTo>
-                <a:lnTo>
-                  <a:pt x="48061" y="110307"/>
-                </a:lnTo>
-                <a:lnTo>
-                  <a:pt x="47450" y="110443"/>
-                </a:lnTo>
-                <a:lnTo>
-                  <a:pt x="47110" y="110511"/>
-                </a:lnTo>
-                <a:lnTo>
-                  <a:pt x="47042" y="110579"/>
-                </a:lnTo>
-                <a:lnTo>
-                  <a:pt x="47042" y="110783"/>
-                </a:lnTo>
-                <a:lnTo>
-                  <a:pt x="47110" y="110850"/>
-                </a:lnTo>
-                <a:lnTo>
-                  <a:pt x="47585" y="110918"/>
-                </a:lnTo>
-                <a:lnTo>
-                  <a:pt x="48400" y="110986"/>
-                </a:lnTo>
-                <a:lnTo>
-                  <a:pt x="51387" y="111054"/>
-                </a:lnTo>
-                <a:lnTo>
-                  <a:pt x="56071" y="111122"/>
-                </a:lnTo>
-                <a:lnTo>
-                  <a:pt x="87092" y="111122"/>
-                </a:lnTo>
-                <a:lnTo>
-                  <a:pt x="91708" y="111054"/>
-                </a:lnTo>
-                <a:lnTo>
-                  <a:pt x="94695" y="110986"/>
-                </a:lnTo>
-                <a:lnTo>
-                  <a:pt x="95578" y="110918"/>
-                </a:lnTo>
-                <a:lnTo>
-                  <a:pt x="96053" y="110850"/>
-                </a:lnTo>
-                <a:lnTo>
-                  <a:pt x="96121" y="110783"/>
-                </a:lnTo>
-                <a:lnTo>
-                  <a:pt x="96121" y="110579"/>
-                </a:lnTo>
-                <a:lnTo>
-                  <a:pt x="96053" y="110511"/>
-                </a:lnTo>
-                <a:lnTo>
-                  <a:pt x="95713" y="110443"/>
-                </a:lnTo>
-                <a:lnTo>
-                  <a:pt x="95102" y="110307"/>
-                </a:lnTo>
-                <a:lnTo>
-                  <a:pt x="93473" y="110036"/>
-                </a:lnTo>
-                <a:lnTo>
-                  <a:pt x="91369" y="109696"/>
-                </a:lnTo>
-                <a:lnTo>
-                  <a:pt x="90487" y="109493"/>
-                </a:lnTo>
-                <a:lnTo>
-                  <a:pt x="89943" y="109357"/>
-                </a:lnTo>
-                <a:lnTo>
-                  <a:pt x="89740" y="109153"/>
-                </a:lnTo>
-                <a:lnTo>
-                  <a:pt x="89536" y="108746"/>
-                </a:lnTo>
-                <a:lnTo>
-                  <a:pt x="89333" y="108203"/>
-                </a:lnTo>
-                <a:lnTo>
-                  <a:pt x="89197" y="107388"/>
-                </a:lnTo>
-                <a:lnTo>
-                  <a:pt x="88789" y="105284"/>
-                </a:lnTo>
-                <a:lnTo>
-                  <a:pt x="88382" y="102297"/>
-                </a:lnTo>
-                <a:lnTo>
-                  <a:pt x="88043" y="98971"/>
-                </a:lnTo>
-                <a:lnTo>
-                  <a:pt x="87839" y="95713"/>
-                </a:lnTo>
-                <a:close/>
-                <a:moveTo>
-                  <a:pt x="47450" y="111054"/>
-                </a:moveTo>
-                <a:lnTo>
-                  <a:pt x="47450" y="111122"/>
-                </a:lnTo>
-                <a:lnTo>
-                  <a:pt x="47450" y="111393"/>
-                </a:lnTo>
-                <a:lnTo>
-                  <a:pt x="47518" y="111461"/>
-                </a:lnTo>
-                <a:lnTo>
-                  <a:pt x="48807" y="111529"/>
-                </a:lnTo>
-                <a:lnTo>
-                  <a:pt x="52473" y="111597"/>
-                </a:lnTo>
-                <a:lnTo>
-                  <a:pt x="62384" y="111665"/>
-                </a:lnTo>
-                <a:lnTo>
-                  <a:pt x="80779" y="111665"/>
-                </a:lnTo>
-                <a:lnTo>
-                  <a:pt x="90622" y="111597"/>
-                </a:lnTo>
-                <a:lnTo>
-                  <a:pt x="94356" y="111529"/>
-                </a:lnTo>
-                <a:lnTo>
-                  <a:pt x="95646" y="111461"/>
-                </a:lnTo>
-                <a:lnTo>
-                  <a:pt x="95713" y="111393"/>
-                </a:lnTo>
-                <a:lnTo>
-                  <a:pt x="95713" y="111122"/>
-                </a:lnTo>
-                <a:lnTo>
-                  <a:pt x="95646" y="111054"/>
-                </a:lnTo>
-                <a:lnTo>
-                  <a:pt x="94084" y="111122"/>
-                </a:lnTo>
-                <a:lnTo>
-                  <a:pt x="91233" y="111190"/>
-                </a:lnTo>
-                <a:lnTo>
-                  <a:pt x="80847" y="111258"/>
-                </a:lnTo>
-                <a:lnTo>
-                  <a:pt x="62316" y="111258"/>
-                </a:lnTo>
-                <a:lnTo>
-                  <a:pt x="51930" y="111190"/>
-                </a:lnTo>
-                <a:lnTo>
-                  <a:pt x="49079" y="111122"/>
-                </a:lnTo>
-                <a:lnTo>
-                  <a:pt x="47518" y="111054"/>
-                </a:lnTo>
-                <a:close/>
-              </a:path>
-            </a:pathLst>
-          </a:custGeom>
-          <a:noFill/>
-          <a:ln w="9525" cap="flat" cmpd="sng">
-            <a:solidFill>
-              <a:srgbClr val="999FA9"/>
-            </a:solidFill>
-            <a:prstDash val="solid"/>
-            <a:round/>
-            <a:headEnd type="none" w="med" len="med"/>
-            <a:tailEnd type="none" w="med" len="med"/>
-          </a:ln>
-        </p:spPr>
-        <p:txBody>
-          <a:bodyPr lIns="91425" tIns="91425" rIns="91425" bIns="91425" anchor="ctr" anchorCtr="0">
-            <a:noAutofit/>
-          </a:bodyPr>
-          <a:lstStyle/>
-          <a:p>
-            <a:pPr lvl="0">
-              <a:spcBef>
-                <a:spcPts val="0"/>
-              </a:spcBef>
-              <a:buNone/>
-            </a:pPr>
-            <a:endParaRPr dirty="0"/>
-          </a:p>
-        </p:txBody>
-      </p:sp>
-      <p:pic>
-        <p:nvPicPr>
-          <p:cNvPr id="5" name="Shape 159" descr="mapa_linea_b-01.png"/>
-          <p:cNvPicPr preferRelativeResize="0"/>
-          <p:nvPr/>
-        </p:nvPicPr>
-        <p:blipFill>
-          <a:blip r:embed="rId2">
-            <a:alphaModFix amt="38000"/>
-          </a:blip>
-          <a:stretch>
-            <a:fillRect/>
-          </a:stretch>
-        </p:blipFill>
-        <p:spPr>
-          <a:xfrm>
-            <a:off x="3972762" y="1893190"/>
-            <a:ext cx="4551165" cy="2335237"/>
-          </a:xfrm>
-          <a:prstGeom prst="rect">
-            <a:avLst/>
-          </a:prstGeom>
-          <a:noFill/>
-          <a:ln>
-            <a:noFill/>
-          </a:ln>
-        </p:spPr>
-      </p:pic>
-      <p:pic>
-        <p:nvPicPr>
-          <p:cNvPr id="6" name="Picture 5"/>
-          <p:cNvPicPr>
-            <a:picLocks noChangeAspect="1"/>
-          </p:cNvPicPr>
-          <p:nvPr/>
-        </p:nvPicPr>
-        <p:blipFill>
-          <a:blip r:embed="rId3"/>
-          <a:stretch>
-            <a:fillRect/>
-          </a:stretch>
-        </p:blipFill>
-        <p:spPr>
-          <a:xfrm>
-            <a:off x="5003667" y="2871450"/>
-            <a:ext cx="139834" cy="378716"/>
+            <a:off x="185283" y="1294227"/>
+            <a:ext cx="8958717" cy="3928771"/>
           </a:xfrm>
           <a:prstGeom prst="rect">
             <a:avLst/>
@@ -9917,115 +11053,156 @@
   <p:clrMapOvr>
     <a:masterClrMapping/>
   </p:clrMapOvr>
-</p:sld>
-</file>
-
-<file path=ppt/slides/slide7.xml><?xml version="1.0" encoding="utf-8"?>
-<p:sld xmlns:a="http://schemas.openxmlformats.org/drawingml/2006/main" xmlns:r="http://schemas.openxmlformats.org/officeDocument/2006/relationships" xmlns:p="http://schemas.openxmlformats.org/presentationml/2006/main">
-  <p:cSld>
-    <p:spTree>
-      <p:nvGrpSpPr>
-        <p:cNvPr id="1" name="Shape 287"/>
-        <p:cNvGrpSpPr/>
-        <p:nvPr/>
-      </p:nvGrpSpPr>
-      <p:grpSpPr>
-        <a:xfrm>
-          <a:off x="0" y="0"/>
-          <a:ext cx="0" cy="0"/>
-          <a:chOff x="0" y="0"/>
-          <a:chExt cx="0" cy="0"/>
-        </a:xfrm>
-      </p:grpSpPr>
-      <p:sp>
-        <p:nvSpPr>
-          <p:cNvPr id="288" name="Shape 288"/>
-          <p:cNvSpPr txBox="1">
-            <a:spLocks noGrp="1"/>
-          </p:cNvSpPr>
-          <p:nvPr>
-            <p:ph type="ctrTitle" idx="4294967295"/>
-          </p:nvPr>
-        </p:nvSpPr>
-        <p:spPr>
-          <a:xfrm>
-            <a:off x="1336100" y="1679850"/>
-            <a:ext cx="7337699" cy="1546500"/>
-          </a:xfrm>
-          <a:prstGeom prst="rect">
-            <a:avLst/>
-          </a:prstGeom>
-        </p:spPr>
-        <p:txBody>
-          <a:bodyPr lIns="91425" tIns="91425" rIns="91425" bIns="91425" anchor="b" anchorCtr="0">
-            <a:noAutofit/>
-          </a:bodyPr>
-          <a:lstStyle/>
-          <a:p>
-            <a:pPr lvl="0" rtl="0">
-              <a:spcBef>
-                <a:spcPts val="0"/>
-              </a:spcBef>
-              <a:buNone/>
-            </a:pPr>
-            <a:r>
-              <a:rPr lang="en" sz="2200" b="1">
-                <a:solidFill>
-                  <a:srgbClr val="2E3037"/>
-                </a:solidFill>
-              </a:rPr>
-              <a:t>Thanks!</a:t>
-            </a:r>
-          </a:p>
-        </p:txBody>
-      </p:sp>
-      <p:sp>
-        <p:nvSpPr>
-          <p:cNvPr id="289" name="Shape 289"/>
-          <p:cNvSpPr txBox="1">
-            <a:spLocks noGrp="1"/>
-          </p:cNvSpPr>
-          <p:nvPr>
-            <p:ph type="subTitle" idx="4294967295"/>
-          </p:nvPr>
-        </p:nvSpPr>
-        <p:spPr>
-          <a:xfrm>
-            <a:off x="1336100" y="3022650"/>
-            <a:ext cx="7337699" cy="812700"/>
-          </a:xfrm>
-          <a:prstGeom prst="rect">
-            <a:avLst/>
-          </a:prstGeom>
-        </p:spPr>
-        <p:txBody>
-          <a:bodyPr lIns="91425" tIns="91425" rIns="91425" bIns="91425" anchor="ctr" anchorCtr="0">
-            <a:noAutofit/>
-          </a:bodyPr>
-          <a:lstStyle/>
-          <a:p>
-            <a:pPr lvl="0" rtl="0">
-              <a:spcBef>
-                <a:spcPts val="0"/>
-              </a:spcBef>
-              <a:buNone/>
-            </a:pPr>
-            <a:r>
-              <a:rPr lang="en" sz="3600" b="1" dirty="0">
-                <a:solidFill>
-                  <a:srgbClr val="F3F3F3"/>
-                </a:solidFill>
-              </a:rPr>
-              <a:t>ANY QUESTIONS?</a:t>
-            </a:r>
-          </a:p>
-        </p:txBody>
-      </p:sp>
-    </p:spTree>
-  </p:cSld>
-  <p:clrMapOvr>
-    <a:masterClrMapping/>
-  </p:clrMapOvr>
+  <mc:AlternateContent xmlns:mc="http://schemas.openxmlformats.org/markup-compatibility/2006">
+    <mc:Choice xmlns:p15="http://schemas.microsoft.com/office/powerpoint/2012/main" Requires="p15">
+      <p:transition xmlns:p14="http://schemas.microsoft.com/office/powerpoint/2010/main" spd="slow" p14:dur="1250" advTm="6321">
+        <p15:prstTrans prst="pageCurlDouble"/>
+      </p:transition>
+    </mc:Choice>
+    <mc:Fallback>
+      <p:transition spd="slow" advTm="6321">
+        <p:fade/>
+      </p:transition>
+    </mc:Fallback>
+  </mc:AlternateContent>
+  <p:timing>
+    <p:tnLst>
+      <p:par>
+        <p:cTn id="1" dur="indefinite" restart="never" nodeType="tmRoot">
+          <p:childTnLst>
+            <p:seq concurrent="1" nextAc="seek">
+              <p:cTn id="2" dur="indefinite" nodeType="mainSeq">
+                <p:childTnLst>
+                  <p:par>
+                    <p:cTn id="3" fill="hold">
+                      <p:stCondLst>
+                        <p:cond delay="indefinite"/>
+                        <p:cond evt="onBegin" delay="0">
+                          <p:tn val="2"/>
+                        </p:cond>
+                      </p:stCondLst>
+                      <p:childTnLst>
+                        <p:par>
+                          <p:cTn id="4" fill="hold">
+                            <p:stCondLst>
+                              <p:cond delay="0"/>
+                            </p:stCondLst>
+                            <p:childTnLst>
+                              <p:par>
+                                <p:cTn id="5" presetID="1" presetClass="mediacall" presetSubtype="0" fill="hold" nodeType="afterEffect">
+                                  <p:stCondLst>
+                                    <p:cond delay="0"/>
+                                  </p:stCondLst>
+                                  <p:childTnLst>
+                                    <p:cmd type="call" cmd="playFrom(0.0)">
+                                      <p:cBhvr>
+                                        <p:cTn id="6" dur="18836" fill="hold"/>
+                                        <p:tgtEl>
+                                          <p:spTgt spid="9"/>
+                                        </p:tgtEl>
+                                      </p:cBhvr>
+                                    </p:cmd>
+                                  </p:childTnLst>
+                                </p:cTn>
+                              </p:par>
+                            </p:childTnLst>
+                          </p:cTn>
+                        </p:par>
+                      </p:childTnLst>
+                    </p:cTn>
+                  </p:par>
+                </p:childTnLst>
+              </p:cTn>
+              <p:prevCondLst>
+                <p:cond evt="onPrev" delay="0">
+                  <p:tgtEl>
+                    <p:sldTgt/>
+                  </p:tgtEl>
+                </p:cond>
+              </p:prevCondLst>
+              <p:nextCondLst>
+                <p:cond evt="onNext" delay="0">
+                  <p:tgtEl>
+                    <p:sldTgt/>
+                  </p:tgtEl>
+                </p:cond>
+              </p:nextCondLst>
+            </p:seq>
+            <p:video>
+              <p:cMediaNode vol="80000">
+                <p:cTn id="7" fill="hold" display="0">
+                  <p:stCondLst>
+                    <p:cond delay="indefinite"/>
+                  </p:stCondLst>
+                </p:cTn>
+                <p:tgtEl>
+                  <p:spTgt spid="9"/>
+                </p:tgtEl>
+              </p:cMediaNode>
+            </p:video>
+            <p:seq concurrent="1" nextAc="seek">
+              <p:cTn id="8" restart="whenNotActive" fill="hold" evtFilter="cancelBubble" nodeType="interactiveSeq">
+                <p:stCondLst>
+                  <p:cond evt="onClick" delay="0">
+                    <p:tgtEl>
+                      <p:spTgt spid="9"/>
+                    </p:tgtEl>
+                  </p:cond>
+                </p:stCondLst>
+                <p:endSync evt="end" delay="0">
+                  <p:rtn val="all"/>
+                </p:endSync>
+                <p:childTnLst>
+                  <p:par>
+                    <p:cTn id="9" fill="hold">
+                      <p:stCondLst>
+                        <p:cond delay="0"/>
+                      </p:stCondLst>
+                      <p:childTnLst>
+                        <p:par>
+                          <p:cTn id="10" fill="hold">
+                            <p:stCondLst>
+                              <p:cond delay="0"/>
+                            </p:stCondLst>
+                            <p:childTnLst>
+                              <p:par>
+                                <p:cTn id="11" presetID="2" presetClass="mediacall" presetSubtype="0" fill="hold" nodeType="clickEffect">
+                                  <p:stCondLst>
+                                    <p:cond delay="0"/>
+                                  </p:stCondLst>
+                                  <p:childTnLst>
+                                    <p:cmd type="call" cmd="togglePause">
+                                      <p:cBhvr>
+                                        <p:cTn id="12" dur="1" fill="hold"/>
+                                        <p:tgtEl>
+                                          <p:spTgt spid="9"/>
+                                        </p:tgtEl>
+                                      </p:cBhvr>
+                                    </p:cmd>
+                                  </p:childTnLst>
+                                </p:cTn>
+                              </p:par>
+                            </p:childTnLst>
+                          </p:cTn>
+                        </p:par>
+                      </p:childTnLst>
+                    </p:cTn>
+                  </p:par>
+                </p:childTnLst>
+              </p:cTn>
+              <p:nextCondLst>
+                <p:cond evt="onClick" delay="0">
+                  <p:tgtEl>
+                    <p:spTgt spid="9"/>
+                  </p:tgtEl>
+                </p:cond>
+              </p:nextCondLst>
+            </p:seq>
+          </p:childTnLst>
+        </p:cTn>
+      </p:par>
+    </p:tnLst>
+  </p:timing>
 </p:sld>
 </file>
 
